--- a/CapacitacionArmagedon/Diapositivas/Extensiones de productividad en visual studio.pptx
+++ b/CapacitacionArmagedon/Diapositivas/Extensiones de productividad en visual studio.pptx
@@ -6,7 +6,7 @@
     <p:sldMasterId id="2147483660" r:id="rId2"/>
   </p:sldMasterIdLst>
   <p:notesMasterIdLst>
-    <p:notesMasterId r:id="rId45"/>
+    <p:notesMasterId r:id="rId44"/>
   </p:notesMasterIdLst>
   <p:sldIdLst>
     <p:sldId id="276" r:id="rId3"/>
@@ -26,31 +26,30 @@
     <p:sldId id="298" r:id="rId17"/>
     <p:sldId id="304" r:id="rId18"/>
     <p:sldId id="299" r:id="rId19"/>
-    <p:sldId id="300" r:id="rId20"/>
-    <p:sldId id="301" r:id="rId21"/>
-    <p:sldId id="305" r:id="rId22"/>
-    <p:sldId id="306" r:id="rId23"/>
-    <p:sldId id="308" r:id="rId24"/>
-    <p:sldId id="309" r:id="rId25"/>
-    <p:sldId id="310" r:id="rId26"/>
-    <p:sldId id="311" r:id="rId27"/>
-    <p:sldId id="312" r:id="rId28"/>
-    <p:sldId id="313" r:id="rId29"/>
-    <p:sldId id="314" r:id="rId30"/>
-    <p:sldId id="318" r:id="rId31"/>
-    <p:sldId id="315" r:id="rId32"/>
-    <p:sldId id="319" r:id="rId33"/>
-    <p:sldId id="316" r:id="rId34"/>
-    <p:sldId id="317" r:id="rId35"/>
-    <p:sldId id="288" r:id="rId36"/>
-    <p:sldId id="320" r:id="rId37"/>
-    <p:sldId id="289" r:id="rId38"/>
-    <p:sldId id="292" r:id="rId39"/>
-    <p:sldId id="290" r:id="rId40"/>
-    <p:sldId id="291" r:id="rId41"/>
-    <p:sldId id="294" r:id="rId42"/>
-    <p:sldId id="295" r:id="rId43"/>
-    <p:sldId id="293" r:id="rId44"/>
+    <p:sldId id="321" r:id="rId20"/>
+    <p:sldId id="300" r:id="rId21"/>
+    <p:sldId id="301" r:id="rId22"/>
+    <p:sldId id="305" r:id="rId23"/>
+    <p:sldId id="306" r:id="rId24"/>
+    <p:sldId id="308" r:id="rId25"/>
+    <p:sldId id="309" r:id="rId26"/>
+    <p:sldId id="310" r:id="rId27"/>
+    <p:sldId id="311" r:id="rId28"/>
+    <p:sldId id="322" r:id="rId29"/>
+    <p:sldId id="312" r:id="rId30"/>
+    <p:sldId id="313" r:id="rId31"/>
+    <p:sldId id="314" r:id="rId32"/>
+    <p:sldId id="318" r:id="rId33"/>
+    <p:sldId id="315" r:id="rId34"/>
+    <p:sldId id="319" r:id="rId35"/>
+    <p:sldId id="316" r:id="rId36"/>
+    <p:sldId id="317" r:id="rId37"/>
+    <p:sldId id="288" r:id="rId38"/>
+    <p:sldId id="320" r:id="rId39"/>
+    <p:sldId id="289" r:id="rId40"/>
+    <p:sldId id="292" r:id="rId41"/>
+    <p:sldId id="290" r:id="rId42"/>
+    <p:sldId id="293" r:id="rId43"/>
   </p:sldIdLst>
   <p:sldSz cx="12192000" cy="6858000"/>
   <p:notesSz cx="6858000" cy="9144000"/>
@@ -262,7 +261,7 @@
           <a:p>
             <a:fld id="{1C41FB63-7794-465E-AEB8-58D7DB191000}" type="datetimeFigureOut">
               <a:rPr lang="es-MX" smtClean="0"/>
-              <a:t>25/06/2015</a:t>
+              <a:t>29/06/2015</a:t>
             </a:fld>
             <a:endParaRPr lang="es-MX"/>
           </a:p>
@@ -1071,36 +1070,129 @@
             </a:r>
             <a:r>
               <a:rPr lang="en-US" baseline="0" dirty="0" smtClean="0"/>
-              <a:t> C# y C++</a:t>
-            </a:r>
+              <a:t> C# y C</a:t>
+            </a:r>
+            <a:r>
+              <a:rPr lang="en-US" baseline="0" dirty="0" smtClean="0"/>
+              <a:t>++ </a:t>
+            </a:r>
+            <a:r>
+              <a:rPr lang="en-US" baseline="0" dirty="0" err="1" smtClean="0"/>
+              <a:t>desde</a:t>
+            </a:r>
+            <a:r>
+              <a:rPr lang="en-US" baseline="0" dirty="0" smtClean="0"/>
+              <a:t> </a:t>
+            </a:r>
+            <a:r>
+              <a:rPr lang="en-US" baseline="0" dirty="0" err="1" smtClean="0"/>
+              <a:t>una</a:t>
+            </a:r>
+            <a:r>
+              <a:rPr lang="en-US" baseline="0" dirty="0" smtClean="0"/>
+              <a:t> vista </a:t>
+            </a:r>
+            <a:r>
+              <a:rPr lang="en-US" baseline="0" dirty="0" err="1" smtClean="0"/>
+              <a:t>jerárquica</a:t>
+            </a:r>
+            <a:endParaRPr lang="en-US" baseline="0" dirty="0" smtClean="0"/>
+          </a:p>
+          <a:p>
+            <a:r>
+              <a:rPr lang="en-US" baseline="0" dirty="0" err="1" smtClean="0"/>
+              <a:t>Cambiar</a:t>
+            </a:r>
+            <a:r>
+              <a:rPr lang="en-US" baseline="0" dirty="0" smtClean="0"/>
+              <a:t> </a:t>
+            </a:r>
+            <a:r>
+              <a:rPr lang="en-US" baseline="0" dirty="0" err="1" smtClean="0"/>
+              <a:t>rápidamente</a:t>
+            </a:r>
+            <a:r>
+              <a:rPr lang="en-US" baseline="0" dirty="0" smtClean="0"/>
+              <a:t> entre </a:t>
+            </a:r>
+            <a:r>
+              <a:rPr lang="en-US" baseline="0" dirty="0" err="1" smtClean="0"/>
+              <a:t>diferentes</a:t>
+            </a:r>
+            <a:r>
+              <a:rPr lang="en-US" baseline="0" dirty="0" smtClean="0"/>
+              <a:t> </a:t>
+            </a:r>
+            <a:r>
+              <a:rPr lang="en-US" baseline="0" dirty="0" err="1" smtClean="0"/>
+              <a:t>métodos</a:t>
+            </a:r>
+            <a:r>
+              <a:rPr lang="en-US" baseline="0" dirty="0" smtClean="0"/>
+              <a:t> de </a:t>
+            </a:r>
+            <a:r>
+              <a:rPr lang="en-US" baseline="0" dirty="0" err="1" smtClean="0"/>
+              <a:t>ordenamiento</a:t>
+            </a:r>
+            <a:r>
+              <a:rPr lang="en-US" baseline="0" dirty="0" smtClean="0"/>
+              <a:t> para </a:t>
+            </a:r>
+            <a:r>
+              <a:rPr lang="en-US" baseline="0" dirty="0" err="1" smtClean="0"/>
+              <a:t>una</a:t>
+            </a:r>
+            <a:r>
+              <a:rPr lang="en-US" baseline="0" dirty="0" smtClean="0"/>
+              <a:t> major </a:t>
+            </a:r>
+            <a:r>
+              <a:rPr lang="en-US" baseline="0" dirty="0" err="1" smtClean="0"/>
+              <a:t>visualización</a:t>
+            </a:r>
+            <a:r>
+              <a:rPr lang="en-US" baseline="0" dirty="0" smtClean="0"/>
+              <a:t>.</a:t>
+            </a:r>
+          </a:p>
+          <a:p>
+            <a:r>
+              <a:rPr lang="en-US" baseline="0" dirty="0" err="1" smtClean="0"/>
+              <a:t>Arrastrar</a:t>
+            </a:r>
+            <a:r>
+              <a:rPr lang="en-US" baseline="0" dirty="0" smtClean="0"/>
+              <a:t> y </a:t>
+            </a:r>
+            <a:r>
+              <a:rPr lang="en-US" baseline="0" dirty="0" err="1" smtClean="0"/>
+              <a:t>soltar</a:t>
+            </a:r>
+            <a:r>
+              <a:rPr lang="en-US" baseline="0" dirty="0" smtClean="0"/>
+              <a:t> para reorganizer el </a:t>
+            </a:r>
+            <a:r>
+              <a:rPr lang="en-US" baseline="0" dirty="0" err="1" smtClean="0"/>
+              <a:t>código</a:t>
+            </a:r>
+            <a:r>
+              <a:rPr lang="en-US" baseline="0" dirty="0" smtClean="0"/>
+              <a:t>.</a:t>
+            </a:r>
+          </a:p>
+          <a:p>
             <a:endParaRPr lang="en-US" dirty="0" smtClean="0"/>
           </a:p>
           <a:p>
             <a:r>
-              <a:rPr lang="en-US" dirty="0" smtClean="0"/>
-              <a:t>Visualize and navigate through the contents of your C# and C++ files from a tree view hierarchy.</a:t>
-            </a:r>
-          </a:p>
-          <a:p>
-            <a:r>
-              <a:rPr lang="en-US" dirty="0" smtClean="0"/>
-              <a:t>Quickly switch between different sorting methods to get a better overview.</a:t>
-            </a:r>
-          </a:p>
-          <a:p>
-            <a:r>
-              <a:rPr lang="en-US" dirty="0" smtClean="0"/>
-              <a:t>Drag and drop to reorganize the code.</a:t>
-            </a:r>
-            <a:endParaRPr lang="es-MX" dirty="0" smtClean="0"/>
-          </a:p>
-          <a:p>
-            <a:endParaRPr lang="es-MX" dirty="0" smtClean="0"/>
-          </a:p>
-          <a:p>
-            <a:r>
-              <a:rPr lang="es-MX" dirty="0" smtClean="0"/>
-              <a:t>Formateo de Comentarios</a:t>
+              <a:rPr lang="es-MX" dirty="0" smtClean="0"/>
+              <a:t>Formateo </a:t>
+            </a:r>
+            <a:r>
+              <a:rPr lang="es-MX" dirty="0" smtClean="0"/>
+              <a:t>de Comentarios</a:t>
             </a:r>
           </a:p>
           <a:p>
@@ -1193,6 +1285,35 @@
             <a:r>
               <a:rPr lang="en-US" baseline="0" dirty="0" err="1" smtClean="0"/>
               <a:t>seleccionado</a:t>
+            </a:r>
+            <a:r>
+              <a:rPr lang="en-US" baseline="0" dirty="0" smtClean="0"/>
+              <a:t>.</a:t>
+            </a:r>
+          </a:p>
+          <a:p>
+            <a:endParaRPr lang="en-US" baseline="0" dirty="0" smtClean="0"/>
+          </a:p>
+          <a:p>
+            <a:r>
+              <a:rPr lang="en-US" baseline="0" dirty="0" err="1" smtClean="0"/>
+              <a:t>Mencionar</a:t>
+            </a:r>
+            <a:r>
+              <a:rPr lang="en-US" baseline="0" dirty="0" smtClean="0"/>
+              <a:t> las </a:t>
+            </a:r>
+            <a:r>
+              <a:rPr lang="en-US" baseline="0" dirty="0" err="1" smtClean="0"/>
+              <a:t>demás</a:t>
+            </a:r>
+            <a:r>
+              <a:rPr lang="en-US" baseline="0" dirty="0" smtClean="0"/>
+              <a:t> </a:t>
+            </a:r>
+            <a:r>
+              <a:rPr lang="en-US" baseline="0" dirty="0" err="1" smtClean="0"/>
+              <a:t>características</a:t>
             </a:r>
             <a:r>
               <a:rPr lang="en-US" baseline="0" dirty="0" smtClean="0"/>
@@ -2018,29 +2139,6 @@
           <a:p>
             <a:endParaRPr lang="es-MX" baseline="0" dirty="0" smtClean="0"/>
           </a:p>
-          <a:p>
-            <a:r>
-              <a:rPr lang="es-MX" baseline="0" dirty="0" smtClean="0"/>
-              <a:t>Existen 3 versiones, la gratuita, </a:t>
-            </a:r>
-            <a:r>
-              <a:rPr lang="es-MX" baseline="0" dirty="0" err="1" smtClean="0"/>
-              <a:t>profesiona</a:t>
-            </a:r>
-            <a:r>
-              <a:rPr lang="es-MX" baseline="0" dirty="0" smtClean="0"/>
-              <a:t> y Enterprise, las últimas dos tienen mas características como la documentación por lote de archivos.</a:t>
-            </a:r>
-          </a:p>
-          <a:p>
-            <a:endParaRPr lang="es-MX" baseline="0" dirty="0" smtClean="0"/>
-          </a:p>
-          <a:p>
-            <a:r>
-              <a:rPr lang="es-MX" baseline="0" dirty="0" smtClean="0"/>
-              <a:t>Para instalar esta extensión es necesario descargar la versión gratuita, o adquirir una de paga, e instalarla.</a:t>
-            </a:r>
-          </a:p>
         </p:txBody>
       </p:sp>
       <p:sp>
@@ -2124,91 +2222,18 @@
           <a:lstStyle/>
           <a:p>
             <a:r>
-              <a:rPr lang="es-MX" dirty="0" smtClean="0"/>
-              <a:t>Ahora veremos</a:t>
-            </a:r>
-            <a:r>
-              <a:rPr lang="es-MX" baseline="0" dirty="0" smtClean="0"/>
-              <a:t> las </a:t>
-            </a:r>
-            <a:r>
-              <a:rPr lang="es-MX" dirty="0" smtClean="0"/>
-              <a:t>funcionalidades del </a:t>
-            </a:r>
-            <a:r>
-              <a:rPr lang="es-MX" dirty="0" err="1" smtClean="0"/>
-              <a:t>License</a:t>
-            </a:r>
-            <a:r>
-              <a:rPr lang="es-MX" dirty="0" smtClean="0"/>
-              <a:t> </a:t>
-            </a:r>
-            <a:r>
-              <a:rPr lang="es-MX" dirty="0" err="1" smtClean="0"/>
-              <a:t>Header</a:t>
-            </a:r>
-            <a:r>
-              <a:rPr lang="es-MX" baseline="0" dirty="0" smtClean="0"/>
-              <a:t> Manager</a:t>
-            </a:r>
-            <a:endParaRPr lang="es-MX" dirty="0" smtClean="0"/>
-          </a:p>
-          <a:p>
-            <a:endParaRPr lang="es-MX" dirty="0" smtClean="0"/>
-          </a:p>
-          <a:p>
-            <a:pPr marL="228600" indent="-228600">
-              <a:buAutoNum type="arabicPeriod"/>
-            </a:pPr>
-            <a:r>
-              <a:rPr lang="es-MX" dirty="0" smtClean="0"/>
-              <a:t>Abrir el archivo </a:t>
-            </a:r>
-            <a:r>
-              <a:rPr lang="es-MX" dirty="0" err="1" smtClean="0"/>
-              <a:t>GhostDocBefore</a:t>
-            </a:r>
-            <a:r>
-              <a:rPr lang="es-MX" dirty="0" smtClean="0"/>
-              <a:t> y mostrar las propiedades, miembros y enumeradores que</a:t>
-            </a:r>
-            <a:r>
-              <a:rPr lang="es-MX" baseline="0" dirty="0" smtClean="0"/>
-              <a:t> contiene la clase. Ejecutar el </a:t>
-            </a:r>
-            <a:r>
-              <a:rPr lang="es-MX" baseline="0" dirty="0" err="1" smtClean="0"/>
-              <a:t>Document</a:t>
-            </a:r>
-            <a:r>
-              <a:rPr lang="es-MX" baseline="0" dirty="0" smtClean="0"/>
-              <a:t> </a:t>
-            </a:r>
-            <a:r>
-              <a:rPr lang="es-MX" baseline="0" dirty="0" err="1" smtClean="0"/>
-              <a:t>This</a:t>
-            </a:r>
-            <a:r>
-              <a:rPr lang="es-MX" baseline="0" dirty="0" smtClean="0"/>
-              <a:t> desde el menú contextual y mostrar el resultado.</a:t>
-            </a:r>
-          </a:p>
-          <a:p>
-            <a:pPr marL="228600" indent="-228600">
-              <a:buAutoNum type="arabicPeriod"/>
-            </a:pPr>
-            <a:endParaRPr lang="es-MX" dirty="0" smtClean="0"/>
-          </a:p>
-          <a:p>
-            <a:r>
-              <a:rPr lang="es-MX" dirty="0" smtClean="0"/>
-              <a:t>Recoger preguntas de</a:t>
-            </a:r>
-            <a:r>
-              <a:rPr lang="es-MX" baseline="0" dirty="0" smtClean="0"/>
-              <a:t> los asistentes remotos.</a:t>
-            </a:r>
-            <a:endParaRPr lang="es-MX" dirty="0" smtClean="0"/>
+              <a:rPr lang="es-MX" baseline="0" dirty="0" smtClean="0"/>
+              <a:t>Existen 3 versiones, la gratuita, profesional y Enterprise, las últimas dos tienen mas características como la documentación por lote de archivos.</a:t>
+            </a:r>
+          </a:p>
+          <a:p>
+            <a:endParaRPr lang="es-MX" baseline="0" dirty="0" smtClean="0"/>
+          </a:p>
+          <a:p>
+            <a:r>
+              <a:rPr lang="es-MX" baseline="0" dirty="0" smtClean="0"/>
+              <a:t>Para instalar esta extensión es necesario descargar la versión gratuita, o adquirir una de paga, e instalarla.</a:t>
+            </a:r>
           </a:p>
           <a:p>
             <a:endParaRPr lang="es-MX" dirty="0"/>
@@ -2241,7 +2266,7 @@
     </p:spTree>
     <p:extLst>
       <p:ext uri="{BB962C8B-B14F-4D97-AF65-F5344CB8AC3E}">
-        <p14:creationId xmlns:p14="http://schemas.microsoft.com/office/powerpoint/2010/main" val="2164220609"/>
+        <p14:creationId xmlns:p14="http://schemas.microsoft.com/office/powerpoint/2010/main" val="2122807662"/>
       </p:ext>
     </p:extLst>
   </p:cSld>
@@ -2297,8 +2322,92 @@
           <a:p>
             <a:r>
               <a:rPr lang="es-MX" dirty="0" smtClean="0"/>
-              <a:t>Ahora tomaremos un break de 5-10 minutos.</a:t>
-            </a:r>
+              <a:t>Ahora veremos</a:t>
+            </a:r>
+            <a:r>
+              <a:rPr lang="es-MX" baseline="0" dirty="0" smtClean="0"/>
+              <a:t> las </a:t>
+            </a:r>
+            <a:r>
+              <a:rPr lang="es-MX" dirty="0" smtClean="0"/>
+              <a:t>funcionalidades del </a:t>
+            </a:r>
+            <a:r>
+              <a:rPr lang="es-MX" dirty="0" err="1" smtClean="0"/>
+              <a:t>License</a:t>
+            </a:r>
+            <a:r>
+              <a:rPr lang="es-MX" dirty="0" smtClean="0"/>
+              <a:t> </a:t>
+            </a:r>
+            <a:r>
+              <a:rPr lang="es-MX" dirty="0" err="1" smtClean="0"/>
+              <a:t>Header</a:t>
+            </a:r>
+            <a:r>
+              <a:rPr lang="es-MX" baseline="0" dirty="0" smtClean="0"/>
+              <a:t> Manager</a:t>
+            </a:r>
+            <a:endParaRPr lang="es-MX" dirty="0" smtClean="0"/>
+          </a:p>
+          <a:p>
+            <a:endParaRPr lang="es-MX" dirty="0" smtClean="0"/>
+          </a:p>
+          <a:p>
+            <a:pPr marL="228600" indent="-228600">
+              <a:buAutoNum type="arabicPeriod"/>
+            </a:pPr>
+            <a:r>
+              <a:rPr lang="es-MX" dirty="0" smtClean="0"/>
+              <a:t>Abrir el archivo </a:t>
+            </a:r>
+            <a:r>
+              <a:rPr lang="es-MX" dirty="0" err="1" smtClean="0"/>
+              <a:t>GhostDocBefore</a:t>
+            </a:r>
+            <a:r>
+              <a:rPr lang="es-MX" dirty="0" smtClean="0"/>
+              <a:t> y mostrar las propiedades, miembros y enumeradores que</a:t>
+            </a:r>
+            <a:r>
+              <a:rPr lang="es-MX" baseline="0" dirty="0" smtClean="0"/>
+              <a:t> contiene la clase. Ejecutar el </a:t>
+            </a:r>
+            <a:r>
+              <a:rPr lang="es-MX" baseline="0" dirty="0" err="1" smtClean="0"/>
+              <a:t>Document</a:t>
+            </a:r>
+            <a:r>
+              <a:rPr lang="es-MX" baseline="0" dirty="0" smtClean="0"/>
+              <a:t> </a:t>
+            </a:r>
+            <a:r>
+              <a:rPr lang="es-MX" baseline="0" dirty="0" err="1" smtClean="0"/>
+              <a:t>This</a:t>
+            </a:r>
+            <a:r>
+              <a:rPr lang="es-MX" baseline="0" dirty="0" smtClean="0"/>
+              <a:t> desde el menú contextual y mostrar el resultado.</a:t>
+            </a:r>
+          </a:p>
+          <a:p>
+            <a:pPr marL="228600" indent="-228600">
+              <a:buAutoNum type="arabicPeriod"/>
+            </a:pPr>
+            <a:endParaRPr lang="es-MX" dirty="0" smtClean="0"/>
+          </a:p>
+          <a:p>
+            <a:r>
+              <a:rPr lang="es-MX" dirty="0" smtClean="0"/>
+              <a:t>Recoger preguntas de</a:t>
+            </a:r>
+            <a:r>
+              <a:rPr lang="es-MX" baseline="0" dirty="0" smtClean="0"/>
+              <a:t> los asistentes remotos.</a:t>
+            </a:r>
+            <a:endParaRPr lang="es-MX" dirty="0" smtClean="0"/>
+          </a:p>
+          <a:p>
             <a:endParaRPr lang="es-MX" dirty="0"/>
           </a:p>
         </p:txBody>
@@ -2329,7 +2438,7 @@
     </p:spTree>
     <p:extLst>
       <p:ext uri="{BB962C8B-B14F-4D97-AF65-F5344CB8AC3E}">
-        <p14:creationId xmlns:p14="http://schemas.microsoft.com/office/powerpoint/2010/main" val="530246809"/>
+        <p14:creationId xmlns:p14="http://schemas.microsoft.com/office/powerpoint/2010/main" val="2164220609"/>
       </p:ext>
     </p:extLst>
   </p:cSld>
@@ -2383,6 +2492,10 @@
           <a:bodyPr/>
           <a:lstStyle/>
           <a:p>
+            <a:r>
+              <a:rPr lang="es-MX" dirty="0" smtClean="0"/>
+              <a:t>Ahora tomaremos un break de 5-10 minutos.</a:t>
+            </a:r>
             <a:endParaRPr lang="es-MX" dirty="0"/>
           </a:p>
         </p:txBody>
@@ -2413,7 +2526,7 @@
     </p:spTree>
     <p:extLst>
       <p:ext uri="{BB962C8B-B14F-4D97-AF65-F5344CB8AC3E}">
-        <p14:creationId xmlns:p14="http://schemas.microsoft.com/office/powerpoint/2010/main" val="772711076"/>
+        <p14:creationId xmlns:p14="http://schemas.microsoft.com/office/powerpoint/2010/main" val="530246809"/>
       </p:ext>
     </p:extLst>
   </p:cSld>
@@ -2467,127 +2580,6 @@
           <a:bodyPr/>
           <a:lstStyle/>
           <a:p>
-            <a:r>
-              <a:rPr lang="es-MX" dirty="0" smtClean="0"/>
-              <a:t>¿Qué es </a:t>
-            </a:r>
-            <a:r>
-              <a:rPr lang="es-MX" dirty="0" err="1" smtClean="0"/>
-              <a:t>stylecop</a:t>
-            </a:r>
-            <a:r>
-              <a:rPr lang="es-MX" dirty="0" smtClean="0"/>
-              <a:t>?</a:t>
-            </a:r>
-          </a:p>
-          <a:p>
-            <a:r>
-              <a:rPr lang="es-MX" dirty="0" smtClean="0"/>
-              <a:t>Style </a:t>
-            </a:r>
-            <a:r>
-              <a:rPr lang="es-MX" dirty="0" err="1" smtClean="0"/>
-              <a:t>cop</a:t>
-            </a:r>
-            <a:r>
-              <a:rPr lang="es-MX" dirty="0" smtClean="0"/>
-              <a:t> es una herramienta que agrega</a:t>
-            </a:r>
-            <a:r>
-              <a:rPr lang="es-MX" baseline="0" dirty="0" smtClean="0"/>
-              <a:t> un conjunto de reglas o “violaciones” al estilo de documentación y las anexa a las ya existentes del </a:t>
-            </a:r>
-            <a:r>
-              <a:rPr lang="es-MX" baseline="0" dirty="0" err="1" smtClean="0"/>
-              <a:t>code</a:t>
-            </a:r>
-            <a:r>
-              <a:rPr lang="es-MX" baseline="0" dirty="0" smtClean="0"/>
-              <a:t> </a:t>
-            </a:r>
-            <a:r>
-              <a:rPr lang="es-MX" baseline="0" dirty="0" err="1" smtClean="0"/>
-              <a:t>analysis</a:t>
-            </a:r>
-            <a:r>
-              <a:rPr lang="es-MX" baseline="0" dirty="0" smtClean="0"/>
-              <a:t> para ayudar a estandarizar el formato de codificación.</a:t>
-            </a:r>
-          </a:p>
-          <a:p>
-            <a:endParaRPr lang="es-MX" baseline="0" dirty="0" smtClean="0"/>
-          </a:p>
-          <a:p>
-            <a:r>
-              <a:rPr lang="es-MX" baseline="0" dirty="0" smtClean="0"/>
-              <a:t>Originalmente fue escrito para estandarizar la codificación dentro de Microsoft, pero publicaron esta herramienta en formato de código abierto, para que estuviera disponible al público. Actualmente esta herramienta es utilizada gran parte de los equipos de desarrollo dentro de Microsoft aunque no es una herramienta “oficial” de la empresa.</a:t>
-            </a:r>
-          </a:p>
-          <a:p>
-            <a:endParaRPr lang="es-MX" baseline="0" dirty="0" smtClean="0"/>
-          </a:p>
-          <a:p>
-            <a:r>
-              <a:rPr lang="es-MX" baseline="0" dirty="0" smtClean="0"/>
-              <a:t>También es posible extender las reglas, creando uno mismo las propias a través del SDK de </a:t>
-            </a:r>
-            <a:r>
-              <a:rPr lang="es-MX" baseline="0" dirty="0" err="1" smtClean="0"/>
-              <a:t>Stylecop</a:t>
-            </a:r>
-            <a:r>
-              <a:rPr lang="es-MX" baseline="0" dirty="0" smtClean="0"/>
-              <a:t> o a través de un </a:t>
-            </a:r>
-            <a:r>
-              <a:rPr lang="es-MX" baseline="0" dirty="0" err="1" smtClean="0"/>
-              <a:t>addi</a:t>
-            </a:r>
-            <a:r>
-              <a:rPr lang="es-MX" baseline="0" dirty="0" smtClean="0"/>
-              <a:t>-in llamado </a:t>
-            </a:r>
-            <a:r>
-              <a:rPr lang="es-MX" baseline="0" dirty="0" err="1" smtClean="0"/>
-              <a:t>stylecopplus</a:t>
-            </a:r>
-            <a:r>
-              <a:rPr lang="es-MX" baseline="0" dirty="0" smtClean="0"/>
-              <a:t>, que pueden descargar desde la ruta mostrada en pantalla.</a:t>
-            </a:r>
-          </a:p>
-          <a:p>
-            <a:endParaRPr lang="es-MX" baseline="0" dirty="0" smtClean="0"/>
-          </a:p>
-          <a:p>
-            <a:r>
-              <a:rPr lang="es-MX" baseline="0" dirty="0" smtClean="0"/>
-              <a:t>Para instalar </a:t>
-            </a:r>
-            <a:r>
-              <a:rPr lang="es-MX" baseline="0" dirty="0" err="1" smtClean="0"/>
-              <a:t>stylecop</a:t>
-            </a:r>
-            <a:r>
-              <a:rPr lang="es-MX" baseline="0" dirty="0" smtClean="0"/>
-              <a:t>, es necesario ingresar a la </a:t>
-            </a:r>
-            <a:r>
-              <a:rPr lang="es-MX" baseline="0" dirty="0" err="1" smtClean="0"/>
-              <a:t>url</a:t>
-            </a:r>
-            <a:r>
-              <a:rPr lang="es-MX" baseline="0" dirty="0" smtClean="0"/>
-              <a:t> del proyecto y descárgalo, o directamente en las extensiones del visual </a:t>
-            </a:r>
-            <a:r>
-              <a:rPr lang="es-MX" baseline="0" dirty="0" err="1" smtClean="0"/>
-              <a:t>studio</a:t>
-            </a:r>
-            <a:r>
-              <a:rPr lang="es-MX" baseline="0" dirty="0" smtClean="0"/>
-              <a:t>.</a:t>
-            </a:r>
             <a:endParaRPr lang="es-MX" dirty="0"/>
           </a:p>
         </p:txBody>
@@ -2618,7 +2610,7 @@
     </p:spTree>
     <p:extLst>
       <p:ext uri="{BB962C8B-B14F-4D97-AF65-F5344CB8AC3E}">
-        <p14:creationId xmlns:p14="http://schemas.microsoft.com/office/powerpoint/2010/main" val="3351635922"/>
+        <p14:creationId xmlns:p14="http://schemas.microsoft.com/office/powerpoint/2010/main" val="772711076"/>
       </p:ext>
     </p:extLst>
   </p:cSld>
@@ -2813,11 +2805,100 @@
           <a:p>
             <a:r>
               <a:rPr lang="es-MX" dirty="0" smtClean="0"/>
-              <a:t>Entre las reglas que agrega</a:t>
+              <a:t>¿Qué es </a:t>
+            </a:r>
+            <a:r>
+              <a:rPr lang="es-MX" dirty="0" err="1" smtClean="0"/>
+              <a:t>stylecop</a:t>
+            </a:r>
+            <a:r>
+              <a:rPr lang="es-MX" dirty="0" smtClean="0"/>
+              <a:t>?</a:t>
+            </a:r>
+          </a:p>
+          <a:p>
+            <a:r>
+              <a:rPr lang="es-MX" dirty="0" smtClean="0"/>
+              <a:t>Style </a:t>
+            </a:r>
+            <a:r>
+              <a:rPr lang="es-MX" dirty="0" err="1" smtClean="0"/>
+              <a:t>cop</a:t>
+            </a:r>
+            <a:r>
+              <a:rPr lang="es-MX" dirty="0" smtClean="0"/>
+              <a:t> es una herramienta que agrega</a:t>
+            </a:r>
+            <a:r>
+              <a:rPr lang="es-MX" baseline="0" dirty="0" smtClean="0"/>
+              <a:t> un conjunto de reglas o “violaciones” al estilo de documentación y las anexa a las ya existentes del </a:t>
+            </a:r>
+            <a:r>
+              <a:rPr lang="es-MX" baseline="0" dirty="0" err="1" smtClean="0"/>
+              <a:t>code</a:t>
             </a:r>
             <a:r>
               <a:rPr lang="es-MX" baseline="0" dirty="0" smtClean="0"/>
               <a:t> </a:t>
+            </a:r>
+            <a:r>
+              <a:rPr lang="es-MX" baseline="0" dirty="0" err="1" smtClean="0"/>
+              <a:t>analysis</a:t>
+            </a:r>
+            <a:r>
+              <a:rPr lang="es-MX" baseline="0" dirty="0" smtClean="0"/>
+              <a:t> para ayudar a estandarizar el formato de codificación.</a:t>
+            </a:r>
+          </a:p>
+          <a:p>
+            <a:endParaRPr lang="es-MX" baseline="0" dirty="0" smtClean="0"/>
+          </a:p>
+          <a:p>
+            <a:r>
+              <a:rPr lang="es-MX" baseline="0" dirty="0" smtClean="0"/>
+              <a:t>Originalmente fue escrito para estandarizar la codificación dentro de Microsoft, pero publicaron esta herramienta en formato de código abierto, para que estuviera disponible al público. Actualmente esta herramienta es utilizada gran parte de los equipos de desarrollo dentro de Microsoft aunque no es una herramienta “oficial” de la empresa.</a:t>
+            </a:r>
+          </a:p>
+          <a:p>
+            <a:endParaRPr lang="es-MX" baseline="0" dirty="0" smtClean="0"/>
+          </a:p>
+          <a:p>
+            <a:r>
+              <a:rPr lang="es-MX" baseline="0" dirty="0" smtClean="0"/>
+              <a:t>También es posible extender las reglas, creando uno mismo las propias a través del SDK de </a:t>
+            </a:r>
+            <a:r>
+              <a:rPr lang="es-MX" baseline="0" dirty="0" err="1" smtClean="0"/>
+              <a:t>Stylecop</a:t>
+            </a:r>
+            <a:r>
+              <a:rPr lang="es-MX" baseline="0" dirty="0" smtClean="0"/>
+              <a:t> o a través de un </a:t>
+            </a:r>
+            <a:r>
+              <a:rPr lang="es-MX" baseline="0" dirty="0" err="1" smtClean="0"/>
+              <a:t>addi</a:t>
+            </a:r>
+            <a:r>
+              <a:rPr lang="es-MX" baseline="0" dirty="0" smtClean="0"/>
+              <a:t>-in llamado </a:t>
+            </a:r>
+            <a:r>
+              <a:rPr lang="es-MX" baseline="0" dirty="0" err="1" smtClean="0"/>
+              <a:t>stylecopplus</a:t>
+            </a:r>
+            <a:r>
+              <a:rPr lang="es-MX" baseline="0" dirty="0" smtClean="0"/>
+              <a:t>, que pueden descargar desde la ruta mostrada en pantalla.</a:t>
+            </a:r>
+          </a:p>
+          <a:p>
+            <a:endParaRPr lang="es-MX" baseline="0" dirty="0" smtClean="0"/>
+          </a:p>
+          <a:p>
+            <a:r>
+              <a:rPr lang="es-MX" baseline="0" dirty="0" smtClean="0"/>
+              <a:t>Para instalar </a:t>
             </a:r>
             <a:r>
               <a:rPr lang="es-MX" baseline="0" dirty="0" err="1" smtClean="0"/>
@@ -2825,38 +2906,23 @@
             </a:r>
             <a:r>
               <a:rPr lang="es-MX" baseline="0" dirty="0" smtClean="0"/>
-              <a:t> se encuentran:</a:t>
-            </a:r>
-          </a:p>
-          <a:p>
-            <a:r>
-              <a:rPr lang="es-MX" baseline="0" dirty="0" smtClean="0"/>
-              <a:t>(enlistar las mostradas en la diapositiva)</a:t>
-            </a:r>
-          </a:p>
-          <a:p>
-            <a:endParaRPr lang="es-MX" baseline="0" dirty="0" smtClean="0"/>
-          </a:p>
-          <a:p>
-            <a:r>
-              <a:rPr lang="es-MX" baseline="0" dirty="0" smtClean="0"/>
-              <a:t>Algunas limitantes es que el </a:t>
+              <a:t>, es necesario ingresar a la </a:t>
             </a:r>
             <a:r>
               <a:rPr lang="es-MX" baseline="0" dirty="0" err="1" smtClean="0"/>
-              <a:t>spellchecker</a:t>
-            </a:r>
-            <a:r>
-              <a:rPr lang="es-MX" baseline="0" dirty="0" smtClean="0"/>
-              <a:t> únicamente reconoce el idioma inglés por lo que es recomendable desactivar la regla SA1650, en la configuración del </a:t>
+              <a:t>url</a:t>
+            </a:r>
+            <a:r>
+              <a:rPr lang="es-MX" baseline="0" dirty="0" smtClean="0"/>
+              <a:t> del proyecto y descárgalo, o directamente en las extensiones del visual </a:t>
             </a:r>
             <a:r>
               <a:rPr lang="es-MX" baseline="0" dirty="0" err="1" smtClean="0"/>
-              <a:t>stylecop</a:t>
-            </a:r>
-            <a:r>
-              <a:rPr lang="es-MX" baseline="0" dirty="0" smtClean="0"/>
-              <a:t> o escribiendo un mensaje de supresión directamente en el código.</a:t>
+              <a:t>studio</a:t>
+            </a:r>
+            <a:r>
+              <a:rPr lang="es-MX" baseline="0" dirty="0" smtClean="0"/>
+              <a:t>.</a:t>
             </a:r>
             <a:endParaRPr lang="es-MX" dirty="0"/>
           </a:p>
@@ -2888,7 +2954,7 @@
     </p:spTree>
     <p:extLst>
       <p:ext uri="{BB962C8B-B14F-4D97-AF65-F5344CB8AC3E}">
-        <p14:creationId xmlns:p14="http://schemas.microsoft.com/office/powerpoint/2010/main" val="1045442264"/>
+        <p14:creationId xmlns:p14="http://schemas.microsoft.com/office/powerpoint/2010/main" val="3351635922"/>
       </p:ext>
     </p:extLst>
   </p:cSld>
@@ -2944,32 +3010,11 @@
           <a:p>
             <a:r>
               <a:rPr lang="es-MX" dirty="0" smtClean="0"/>
-              <a:t>Ahora les mostraré como utilizar el </a:t>
-            </a:r>
-            <a:r>
-              <a:rPr lang="es-MX" dirty="0" err="1" smtClean="0"/>
-              <a:t>stylecop</a:t>
-            </a:r>
-            <a:endParaRPr lang="es-MX" dirty="0" smtClean="0"/>
-          </a:p>
-          <a:p>
-            <a:endParaRPr lang="es-MX" dirty="0" smtClean="0"/>
-          </a:p>
-          <a:p>
-            <a:pPr marL="228600" indent="-228600">
-              <a:buAutoNum type="arabicPeriod"/>
-            </a:pPr>
-            <a:r>
-              <a:rPr lang="es-MX" baseline="0" dirty="0" smtClean="0"/>
-              <a:t>Abrir el archivo </a:t>
-            </a:r>
-            <a:r>
-              <a:rPr lang="es-MX" baseline="0" dirty="0" err="1" smtClean="0"/>
-              <a:t>StyleCopBefore</a:t>
-            </a:r>
-            <a:r>
-              <a:rPr lang="es-MX" baseline="0" dirty="0" smtClean="0"/>
-              <a:t> y ejecutar el </a:t>
+              <a:t>Entre las reglas que agrega</a:t>
+            </a:r>
+            <a:r>
+              <a:rPr lang="es-MX" baseline="0" dirty="0" smtClean="0"/>
+              <a:t> </a:t>
             </a:r>
             <a:r>
               <a:rPr lang="es-MX" baseline="0" dirty="0" err="1" smtClean="0"/>
@@ -2977,24 +3022,30 @@
             </a:r>
             <a:r>
               <a:rPr lang="es-MX" baseline="0" dirty="0" smtClean="0"/>
-              <a:t> desde el menú contextual. Mostrar las violaciones mostradas en la ventana Lista de errores.</a:t>
-            </a:r>
-          </a:p>
-          <a:p>
-            <a:pPr marL="228600" indent="-228600">
-              <a:buAutoNum type="arabicPeriod"/>
-            </a:pPr>
-            <a:r>
-              <a:rPr lang="es-MX" baseline="0" dirty="0" smtClean="0"/>
-              <a:t>Abrir el archivo </a:t>
+              <a:t> se encuentran:</a:t>
+            </a:r>
+          </a:p>
+          <a:p>
+            <a:r>
+              <a:rPr lang="es-MX" baseline="0" dirty="0" smtClean="0"/>
+              <a:t>(enlistar las mostradas en la diapositiva)</a:t>
+            </a:r>
+          </a:p>
+          <a:p>
+            <a:endParaRPr lang="es-MX" baseline="0" dirty="0" smtClean="0"/>
+          </a:p>
+          <a:p>
+            <a:r>
+              <a:rPr lang="es-MX" baseline="0" dirty="0" smtClean="0"/>
+              <a:t>Algunas limitantes es que el </a:t>
             </a:r>
             <a:r>
               <a:rPr lang="es-MX" baseline="0" dirty="0" err="1" smtClean="0"/>
-              <a:t>StyleCopAfter</a:t>
-            </a:r>
-            <a:r>
-              <a:rPr lang="es-MX" baseline="0" dirty="0" smtClean="0"/>
-              <a:t> y ejecutar el </a:t>
+              <a:t>spellchecker</a:t>
+            </a:r>
+            <a:r>
+              <a:rPr lang="es-MX" baseline="0" dirty="0" smtClean="0"/>
+              <a:t> únicamente reconoce el idioma inglés por lo que es recomendable desactivar la regla SA1650, en la configuración del </a:t>
             </a:r>
             <a:r>
               <a:rPr lang="es-MX" baseline="0" dirty="0" err="1" smtClean="0"/>
@@ -3002,25 +3053,8 @@
             </a:r>
             <a:r>
               <a:rPr lang="es-MX" baseline="0" dirty="0" smtClean="0"/>
-              <a:t> desde el menú contextual. Mostrar que no existen violaciones.</a:t>
-            </a:r>
-            <a:endParaRPr lang="es-MX" dirty="0" smtClean="0"/>
-          </a:p>
-          <a:p>
-            <a:endParaRPr lang="es-MX" dirty="0" smtClean="0"/>
-          </a:p>
-          <a:p>
-            <a:r>
-              <a:rPr lang="es-MX" dirty="0" smtClean="0"/>
-              <a:t>Recoger preguntas de</a:t>
-            </a:r>
-            <a:r>
-              <a:rPr lang="es-MX" baseline="0" dirty="0" smtClean="0"/>
-              <a:t> los asistentes remotos.</a:t>
-            </a:r>
-            <a:endParaRPr lang="es-MX" dirty="0" smtClean="0"/>
-          </a:p>
-          <a:p>
+              <a:t> o escribiendo un mensaje de supresión directamente en el código.</a:t>
+            </a:r>
             <a:endParaRPr lang="es-MX" dirty="0"/>
           </a:p>
         </p:txBody>
@@ -3051,7 +3085,7 @@
     </p:spTree>
     <p:extLst>
       <p:ext uri="{BB962C8B-B14F-4D97-AF65-F5344CB8AC3E}">
-        <p14:creationId xmlns:p14="http://schemas.microsoft.com/office/powerpoint/2010/main" val="1963679543"/>
+        <p14:creationId xmlns:p14="http://schemas.microsoft.com/office/powerpoint/2010/main" val="1045442264"/>
       </p:ext>
     </p:extLst>
   </p:cSld>
@@ -3107,157 +3141,81 @@
           <a:p>
             <a:r>
               <a:rPr lang="es-MX" dirty="0" smtClean="0"/>
-              <a:t>¿Qué es </a:t>
+              <a:t>Ahora les mostraré como utilizar el </a:t>
             </a:r>
             <a:r>
               <a:rPr lang="es-MX" dirty="0" err="1" smtClean="0"/>
-              <a:t>VsDocman</a:t>
-            </a:r>
-            <a:r>
-              <a:rPr lang="es-MX" dirty="0" smtClean="0"/>
-              <a:t>?</a:t>
-            </a:r>
-          </a:p>
-          <a:p>
+              <a:t>stylecop</a:t>
+            </a:r>
             <a:endParaRPr lang="es-MX" dirty="0" smtClean="0"/>
           </a:p>
           <a:p>
-            <a:r>
-              <a:rPr lang="es-MX" dirty="0" err="1" smtClean="0"/>
-              <a:t>VSDocman</a:t>
-            </a:r>
-            <a:r>
-              <a:rPr lang="es-MX" dirty="0" smtClean="0"/>
-              <a:t> es una</a:t>
-            </a:r>
-            <a:r>
-              <a:rPr lang="es-MX" baseline="0" dirty="0" smtClean="0"/>
-              <a:t> herramienta para la generación de la documentación, en sí, a nivel profesional. Puede generar documentación estilo MSDN para proyectos de </a:t>
+            <a:endParaRPr lang="es-MX" dirty="0" smtClean="0"/>
+          </a:p>
+          <a:p>
+            <a:pPr marL="228600" indent="-228600">
+              <a:buAutoNum type="arabicPeriod"/>
+            </a:pPr>
+            <a:r>
+              <a:rPr lang="es-MX" baseline="0" dirty="0" smtClean="0"/>
+              <a:t>Abrir el archivo </a:t>
             </a:r>
             <a:r>
               <a:rPr lang="es-MX" baseline="0" dirty="0" err="1" smtClean="0"/>
-              <a:t>c#</a:t>
-            </a:r>
-            <a:r>
-              <a:rPr lang="es-MX" baseline="0" dirty="0" smtClean="0"/>
-              <a:t> y VB.NET.</a:t>
-            </a:r>
-          </a:p>
-          <a:p>
-            <a:endParaRPr lang="es-MX" baseline="0" dirty="0" smtClean="0"/>
-          </a:p>
-          <a:p>
-            <a:r>
-              <a:rPr lang="es-MX" baseline="0" dirty="0" smtClean="0"/>
-              <a:t>También cuenta con un editor de comentarios WYSIWYG (</a:t>
+              <a:t>StyleCopBefore</a:t>
+            </a:r>
+            <a:r>
+              <a:rPr lang="es-MX" baseline="0" dirty="0" smtClean="0"/>
+              <a:t> y ejecutar el </a:t>
             </a:r>
             <a:r>
               <a:rPr lang="es-MX" baseline="0" dirty="0" err="1" smtClean="0"/>
-              <a:t>What</a:t>
-            </a:r>
-            <a:r>
-              <a:rPr lang="es-MX" baseline="0" dirty="0" smtClean="0"/>
-              <a:t> </a:t>
+              <a:t>stylecop</a:t>
+            </a:r>
+            <a:r>
+              <a:rPr lang="es-MX" baseline="0" dirty="0" smtClean="0"/>
+              <a:t> desde el menú contextual. Mostrar las violaciones mostradas en la ventana Lista de errores.</a:t>
+            </a:r>
+          </a:p>
+          <a:p>
+            <a:pPr marL="228600" indent="-228600">
+              <a:buAutoNum type="arabicPeriod"/>
+            </a:pPr>
+            <a:r>
+              <a:rPr lang="es-MX" baseline="0" dirty="0" smtClean="0"/>
+              <a:t>Abrir el archivo </a:t>
             </a:r>
             <a:r>
               <a:rPr lang="es-MX" baseline="0" dirty="0" err="1" smtClean="0"/>
-              <a:t>you</a:t>
-            </a:r>
-            <a:r>
-              <a:rPr lang="es-MX" baseline="0" dirty="0" smtClean="0"/>
-              <a:t> </a:t>
+              <a:t>StyleCopAfter</a:t>
+            </a:r>
+            <a:r>
+              <a:rPr lang="es-MX" baseline="0" dirty="0" smtClean="0"/>
+              <a:t> y ejecutar el </a:t>
             </a:r>
             <a:r>
               <a:rPr lang="es-MX" baseline="0" dirty="0" err="1" smtClean="0"/>
-              <a:t>see</a:t>
-            </a:r>
-            <a:r>
-              <a:rPr lang="es-MX" baseline="0" dirty="0" smtClean="0"/>
-              <a:t> </a:t>
-            </a:r>
-            <a:r>
-              <a:rPr lang="es-MX" baseline="0" dirty="0" err="1" smtClean="0"/>
-              <a:t>is</a:t>
-            </a:r>
-            <a:r>
-              <a:rPr lang="es-MX" baseline="0" dirty="0" smtClean="0"/>
-              <a:t> </a:t>
-            </a:r>
-            <a:r>
-              <a:rPr lang="es-MX" baseline="0" dirty="0" err="1" smtClean="0"/>
-              <a:t>what</a:t>
-            </a:r>
-            <a:r>
-              <a:rPr lang="es-MX" baseline="0" dirty="0" smtClean="0"/>
-              <a:t> </a:t>
-            </a:r>
-            <a:r>
-              <a:rPr lang="es-MX" baseline="0" dirty="0" err="1" smtClean="0"/>
-              <a:t>you</a:t>
-            </a:r>
-            <a:r>
-              <a:rPr lang="es-MX" baseline="0" dirty="0" smtClean="0"/>
-              <a:t> </a:t>
-            </a:r>
-            <a:r>
-              <a:rPr lang="es-MX" baseline="0" dirty="0" err="1" smtClean="0"/>
-              <a:t>get</a:t>
-            </a:r>
-            <a:r>
-              <a:rPr lang="es-MX" baseline="0" dirty="0" smtClean="0"/>
-              <a:t>), para ver tiempo real cómo quedará tu documentación. A esta documentación se le pueden agregar tablas, imágenes, diagramas de clases, enlaces, formato de texto como negritas, itálicas, colores, etc.</a:t>
-            </a:r>
-          </a:p>
-          <a:p>
-            <a:endParaRPr lang="es-MX" baseline="0" dirty="0" smtClean="0"/>
-          </a:p>
-          <a:p>
-            <a:r>
-              <a:rPr lang="es-MX" baseline="0" dirty="0" smtClean="0"/>
-              <a:t>La compilación de la documentación puede ser por proyecto o solución.</a:t>
-            </a:r>
-          </a:p>
-          <a:p>
-            <a:endParaRPr lang="es-MX" baseline="0" dirty="0" smtClean="0"/>
-          </a:p>
-          <a:p>
-            <a:r>
-              <a:rPr lang="es-MX" baseline="0" dirty="0" smtClean="0"/>
-              <a:t>Actualmente esta herramienta es de paga, pero ofrece una versión de prueba de 15 días, al terminarse los 15 días, pone una marca de agua de </a:t>
-            </a:r>
-            <a:r>
-              <a:rPr lang="es-MX" baseline="0" dirty="0" err="1" smtClean="0"/>
-              <a:t>vsdoc</a:t>
-            </a:r>
-            <a:r>
-              <a:rPr lang="es-MX" baseline="0" dirty="0" smtClean="0"/>
-              <a:t> en la documentación. La versión pagada, permite incrustar el logotipo de tu empresa a la documentación.</a:t>
-            </a:r>
-          </a:p>
-          <a:p>
-            <a:endParaRPr lang="es-MX" baseline="0" dirty="0" smtClean="0"/>
-          </a:p>
-          <a:p>
-            <a:r>
-              <a:rPr lang="es-MX" baseline="0" dirty="0" smtClean="0"/>
-              <a:t>Para obtener </a:t>
-            </a:r>
-            <a:r>
-              <a:rPr lang="es-MX" baseline="0" dirty="0" err="1" smtClean="0"/>
-              <a:t>VSDocman</a:t>
-            </a:r>
-            <a:r>
-              <a:rPr lang="es-MX" baseline="0" dirty="0" smtClean="0"/>
-              <a:t>, se puede descargar desde la web del autor, o agregando la extensión al visual </a:t>
-            </a:r>
-            <a:r>
-              <a:rPr lang="es-MX" baseline="0" dirty="0" err="1" smtClean="0"/>
-              <a:t>studio</a:t>
-            </a:r>
-            <a:r>
-              <a:rPr lang="es-MX" baseline="0" dirty="0" smtClean="0"/>
-              <a:t>.</a:t>
-            </a:r>
+              <a:t>stylecop</a:t>
+            </a:r>
+            <a:r>
+              <a:rPr lang="es-MX" baseline="0" dirty="0" smtClean="0"/>
+              <a:t> desde el menú contextual. Mostrar que no existen violaciones.</a:t>
+            </a:r>
+            <a:endParaRPr lang="es-MX" dirty="0" smtClean="0"/>
+          </a:p>
+          <a:p>
+            <a:endParaRPr lang="es-MX" dirty="0" smtClean="0"/>
+          </a:p>
+          <a:p>
+            <a:r>
+              <a:rPr lang="es-MX" dirty="0" smtClean="0"/>
+              <a:t>Recoger preguntas de</a:t>
+            </a:r>
+            <a:r>
+              <a:rPr lang="es-MX" baseline="0" dirty="0" smtClean="0"/>
+              <a:t> los asistentes remotos.</a:t>
+            </a:r>
+            <a:endParaRPr lang="es-MX" dirty="0" smtClean="0"/>
           </a:p>
           <a:p>
             <a:endParaRPr lang="es-MX" dirty="0"/>
@@ -3281,7 +3239,7 @@
           <a:p>
             <a:fld id="{79656E07-8C6A-4FBF-B48D-F1AA47D045AD}" type="slidenum">
               <a:rPr lang="es-MX" smtClean="0"/>
-              <a:t>25</a:t>
+              <a:t>24</a:t>
             </a:fld>
             <a:endParaRPr lang="es-MX"/>
           </a:p>
@@ -3290,7 +3248,7 @@
     </p:spTree>
     <p:extLst>
       <p:ext uri="{BB962C8B-B14F-4D97-AF65-F5344CB8AC3E}">
-        <p14:creationId xmlns:p14="http://schemas.microsoft.com/office/powerpoint/2010/main" val="308047530"/>
+        <p14:creationId xmlns:p14="http://schemas.microsoft.com/office/powerpoint/2010/main" val="1963679543"/>
       </p:ext>
     </p:extLst>
   </p:cSld>
@@ -3346,93 +3304,121 @@
           <a:p>
             <a:r>
               <a:rPr lang="es-MX" dirty="0" smtClean="0"/>
-              <a:t>Los formatos en que se puede compilar la</a:t>
-            </a:r>
-            <a:r>
-              <a:rPr lang="es-MX" baseline="0" dirty="0" smtClean="0"/>
-              <a:t> documentación son los siguientes:</a:t>
-            </a:r>
-          </a:p>
-          <a:p>
-            <a:r>
-              <a:rPr lang="es-MX" baseline="0" dirty="0" smtClean="0"/>
-              <a:t>Microsoft Help </a:t>
+              <a:t>¿Qué es </a:t>
+            </a:r>
+            <a:r>
+              <a:rPr lang="es-MX" dirty="0" err="1" smtClean="0"/>
+              <a:t>VsDocman</a:t>
+            </a:r>
+            <a:r>
+              <a:rPr lang="es-MX" dirty="0" smtClean="0"/>
+              <a:t>?</a:t>
+            </a:r>
+          </a:p>
+          <a:p>
+            <a:endParaRPr lang="es-MX" dirty="0" smtClean="0"/>
+          </a:p>
+          <a:p>
+            <a:r>
+              <a:rPr lang="es-MX" dirty="0" err="1" smtClean="0"/>
+              <a:t>VSDocman</a:t>
+            </a:r>
+            <a:r>
+              <a:rPr lang="es-MX" dirty="0" smtClean="0"/>
+              <a:t> es una</a:t>
+            </a:r>
+            <a:r>
+              <a:rPr lang="es-MX" baseline="0" dirty="0" smtClean="0"/>
+              <a:t> herramienta para la generación de la documentación, en sí, a nivel profesional. Puede generar documentación estilo MSDN para proyectos de </a:t>
             </a:r>
             <a:r>
               <a:rPr lang="es-MX" baseline="0" dirty="0" err="1" smtClean="0"/>
-              <a:t>Viewer</a:t>
-            </a:r>
+              <a:t>c#</a:t>
+            </a:r>
+            <a:r>
+              <a:rPr lang="es-MX" baseline="0" dirty="0" smtClean="0"/>
+              <a:t> y VB.NET.</a:t>
+            </a:r>
+          </a:p>
+          <a:p>
             <a:endParaRPr lang="es-MX" baseline="0" dirty="0" smtClean="0"/>
           </a:p>
           <a:p>
             <a:r>
               <a:rPr lang="es-MX" baseline="0" dirty="0" smtClean="0"/>
-              <a:t>MS Help2</a:t>
-            </a:r>
-          </a:p>
-          <a:p>
+              <a:t>También cuenta con un editor de comentarios WYSIWYG (</a:t>
+            </a:r>
             <a:r>
               <a:rPr lang="es-MX" baseline="0" dirty="0" err="1" smtClean="0"/>
-              <a:t>Html</a:t>
-            </a:r>
-            <a:r>
-              <a:rPr lang="es-MX" baseline="0" dirty="0" smtClean="0"/>
-              <a:t> Help 1.x</a:t>
-            </a:r>
-          </a:p>
-          <a:p>
+              <a:t>What</a:t>
+            </a:r>
+            <a:r>
+              <a:rPr lang="es-MX" baseline="0" dirty="0" smtClean="0"/>
+              <a:t> </a:t>
+            </a:r>
             <a:r>
               <a:rPr lang="es-MX" baseline="0" dirty="0" err="1" smtClean="0"/>
-              <a:t>Html</a:t>
-            </a:r>
-            <a:r>
-              <a:rPr lang="es-MX" baseline="0" dirty="0" smtClean="0"/>
-              <a:t>, con índice, búsqueda y tabla de contenidos</a:t>
-            </a:r>
-          </a:p>
-          <a:p>
-            <a:r>
-              <a:rPr lang="es-MX" baseline="0" dirty="0" smtClean="0"/>
-              <a:t>Word</a:t>
-            </a:r>
-          </a:p>
-          <a:p>
-            <a:r>
-              <a:rPr lang="es-MX" baseline="0" dirty="0" smtClean="0"/>
-              <a:t>RTF</a:t>
-            </a:r>
-          </a:p>
-          <a:p>
-            <a:r>
-              <a:rPr lang="es-MX" baseline="0" dirty="0" smtClean="0"/>
-              <a:t>XML, para procesarla posteriormente por otras herramientas</a:t>
-            </a:r>
-          </a:p>
-          <a:p>
+              <a:t>you</a:t>
+            </a:r>
+            <a:r>
+              <a:rPr lang="es-MX" baseline="0" dirty="0" smtClean="0"/>
+              <a:t> </a:t>
+            </a:r>
             <a:r>
               <a:rPr lang="es-MX" baseline="0" dirty="0" err="1" smtClean="0"/>
-              <a:t>Ó</a:t>
-            </a:r>
-            <a:r>
-              <a:rPr lang="es-MX" baseline="0" dirty="0" smtClean="0"/>
-              <a:t>, puedes definir tu propio formato para cualquier documento basado en texto como </a:t>
+              <a:t>see</a:t>
+            </a:r>
+            <a:r>
+              <a:rPr lang="es-MX" baseline="0" dirty="0" smtClean="0"/>
+              <a:t> </a:t>
             </a:r>
             <a:r>
               <a:rPr lang="es-MX" baseline="0" dirty="0" err="1" smtClean="0"/>
-              <a:t>LaTEX</a:t>
-            </a:r>
-            <a:r>
-              <a:rPr lang="es-MX" baseline="0" dirty="0" smtClean="0"/>
-              <a:t>, un </a:t>
+              <a:t>is</a:t>
+            </a:r>
+            <a:r>
+              <a:rPr lang="es-MX" baseline="0" dirty="0" smtClean="0"/>
+              <a:t> </a:t>
             </a:r>
             <a:r>
               <a:rPr lang="es-MX" baseline="0" dirty="0" err="1" smtClean="0"/>
-              <a:t>html</a:t>
-            </a:r>
-            <a:r>
-              <a:rPr lang="es-MX" baseline="0" dirty="0" smtClean="0"/>
-              <a:t> personalizado, entre otros.</a:t>
-            </a:r>
+              <a:t>what</a:t>
+            </a:r>
+            <a:r>
+              <a:rPr lang="es-MX" baseline="0" dirty="0" smtClean="0"/>
+              <a:t> </a:t>
+            </a:r>
+            <a:r>
+              <a:rPr lang="es-MX" baseline="0" dirty="0" err="1" smtClean="0"/>
+              <a:t>you</a:t>
+            </a:r>
+            <a:r>
+              <a:rPr lang="es-MX" baseline="0" dirty="0" smtClean="0"/>
+              <a:t> </a:t>
+            </a:r>
+            <a:r>
+              <a:rPr lang="es-MX" baseline="0" dirty="0" err="1" smtClean="0"/>
+              <a:t>get</a:t>
+            </a:r>
+            <a:r>
+              <a:rPr lang="es-MX" baseline="0" dirty="0" smtClean="0"/>
+              <a:t>), para ver tiempo real cómo quedará tu documentación. A esta documentación se le pueden agregar tablas, imágenes, diagramas de clases, enlaces, formato de texto como negritas, itálicas, colores, etc.</a:t>
+            </a:r>
+          </a:p>
+          <a:p>
+            <a:endParaRPr lang="es-MX" baseline="0" dirty="0" smtClean="0"/>
+          </a:p>
+          <a:p>
+            <a:r>
+              <a:rPr lang="es-MX" baseline="0" dirty="0" smtClean="0"/>
+              <a:t>La compilación de la documentación puede ser por proyecto o solución.</a:t>
+            </a:r>
+          </a:p>
+          <a:p>
+            <a:endParaRPr lang="es-MX" baseline="0" dirty="0" smtClean="0"/>
+          </a:p>
+          <a:p>
+            <a:endParaRPr lang="es-MX" dirty="0"/>
           </a:p>
         </p:txBody>
       </p:sp>
@@ -3462,7 +3448,7 @@
     </p:spTree>
     <p:extLst>
       <p:ext uri="{BB962C8B-B14F-4D97-AF65-F5344CB8AC3E}">
-        <p14:creationId xmlns:p14="http://schemas.microsoft.com/office/powerpoint/2010/main" val="2433412103"/>
+        <p14:creationId xmlns:p14="http://schemas.microsoft.com/office/powerpoint/2010/main" val="308047530"/>
       </p:ext>
     </p:extLst>
   </p:cSld>
@@ -3517,73 +3503,25 @@
           <a:lstStyle/>
           <a:p>
             <a:r>
-              <a:rPr lang="es-MX" dirty="0" smtClean="0"/>
-              <a:t>Finalmente,</a:t>
-            </a:r>
-            <a:r>
-              <a:rPr lang="es-MX" baseline="0" dirty="0" smtClean="0"/>
-              <a:t> podremos ver el resultado de todas las herramientas en conjunto y generaremos un Archivo de documentación de un proyecto.</a:t>
+              <a:rPr lang="es-MX" baseline="0" dirty="0" smtClean="0"/>
+              <a:t>Actualmente esta herramienta es de paga, pero ofrece una versión de prueba de 15 días, al terminarse los 15 días, pone una marca de agua de </a:t>
+            </a:r>
+            <a:r>
+              <a:rPr lang="es-MX" baseline="0" dirty="0" err="1" smtClean="0"/>
+              <a:t>vsdoc</a:t>
+            </a:r>
+            <a:r>
+              <a:rPr lang="es-MX" baseline="0" dirty="0" smtClean="0"/>
+              <a:t> en la documentación. La versión pagada, permite incrustar el logotipo de tu empresa a la documentación.</a:t>
             </a:r>
           </a:p>
           <a:p>
             <a:endParaRPr lang="es-MX" baseline="0" dirty="0" smtClean="0"/>
           </a:p>
           <a:p>
-            <a:pPr marL="228600" indent="-228600">
-              <a:buAutoNum type="arabicPeriod"/>
-            </a:pPr>
-            <a:r>
-              <a:rPr lang="es-MX" baseline="0" dirty="0" smtClean="0"/>
-              <a:t>Abrir el Archivo </a:t>
-            </a:r>
-            <a:r>
-              <a:rPr lang="es-MX" baseline="0" dirty="0" err="1" smtClean="0"/>
-              <a:t>VsDocman</a:t>
-            </a:r>
-            <a:r>
-              <a:rPr lang="es-MX" baseline="0" dirty="0" smtClean="0"/>
-              <a:t>. Seleccionar un Miembro o método y hacer clic derecho </a:t>
-            </a:r>
-            <a:r>
-              <a:rPr lang="es-MX" baseline="0" dirty="0" err="1" smtClean="0"/>
-              <a:t>XMLComment</a:t>
-            </a:r>
-            <a:r>
-              <a:rPr lang="es-MX" baseline="0" dirty="0" smtClean="0"/>
-              <a:t> y mostrar la pantalla del editor de comentarios. Mostrar que se pueden agregar imágenes, tablas, listas, hipervínculos, agregar otras secciones como el </a:t>
-            </a:r>
-            <a:r>
-              <a:rPr lang="es-MX" baseline="0" dirty="0" err="1" smtClean="0"/>
-              <a:t>example</a:t>
-            </a:r>
-            <a:r>
-              <a:rPr lang="es-MX" baseline="0" dirty="0" smtClean="0"/>
-              <a:t>, o el </a:t>
-            </a:r>
-            <a:r>
-              <a:rPr lang="es-MX" baseline="0" dirty="0" err="1" smtClean="0"/>
-              <a:t>exceptions</a:t>
-            </a:r>
-            <a:r>
-              <a:rPr lang="es-MX" baseline="0" dirty="0" smtClean="0"/>
-              <a:t>. Cambiarse entre la modalidad </a:t>
-            </a:r>
-            <a:r>
-              <a:rPr lang="es-MX" baseline="0" dirty="0" err="1" smtClean="0"/>
-              <a:t>wysiwig</a:t>
-            </a:r>
-            <a:r>
-              <a:rPr lang="es-MX" baseline="0" dirty="0" smtClean="0"/>
-              <a:t> y la avanzada.</a:t>
-            </a:r>
-          </a:p>
-          <a:p>
-            <a:pPr marL="228600" indent="-228600">
-              <a:buAutoNum type="arabicPeriod"/>
-            </a:pPr>
-            <a:r>
-              <a:rPr lang="es-MX" baseline="0" dirty="0" smtClean="0"/>
-              <a:t>Hacer clic en el botón </a:t>
+            <a:r>
+              <a:rPr lang="es-MX" baseline="0" dirty="0" smtClean="0"/>
+              <a:t>Para obtener </a:t>
             </a:r>
             <a:r>
               <a:rPr lang="es-MX" baseline="0" dirty="0" err="1" smtClean="0"/>
@@ -3591,89 +3529,16 @@
             </a:r>
             <a:r>
               <a:rPr lang="es-MX" baseline="0" dirty="0" smtClean="0"/>
-              <a:t> y mostrar las propiedades del </a:t>
+              <a:t>, se puede descargar desde la web del autor, o agregando la extensión al visual </a:t>
             </a:r>
             <a:r>
               <a:rPr lang="es-MX" baseline="0" dirty="0" err="1" smtClean="0"/>
-              <a:t>projecto</a:t>
-            </a:r>
-            <a:r>
-              <a:rPr lang="es-MX" baseline="0" dirty="0" smtClean="0"/>
-              <a:t> (navegar por varias opciones), ir a la opción Output/</a:t>
-            </a:r>
-            <a:r>
-              <a:rPr lang="es-MX" baseline="0" dirty="0" err="1" smtClean="0"/>
-              <a:t>documentation</a:t>
-            </a:r>
-            <a:r>
-              <a:rPr lang="es-MX" baseline="0" dirty="0" smtClean="0"/>
-              <a:t> </a:t>
-            </a:r>
-            <a:r>
-              <a:rPr lang="es-MX" baseline="0" dirty="0" err="1" smtClean="0"/>
-              <a:t>form</a:t>
-            </a:r>
-            <a:r>
-              <a:rPr lang="es-MX" baseline="0" dirty="0" smtClean="0"/>
-              <a:t> y mostrarles los formatos disponibles, las opciones.</a:t>
-            </a:r>
-          </a:p>
-          <a:p>
-            <a:pPr marL="228600" indent="-228600">
-              <a:buAutoNum type="arabicPeriod"/>
-            </a:pPr>
-            <a:r>
-              <a:rPr lang="es-MX" baseline="0" dirty="0" smtClean="0"/>
-              <a:t>Generar documentación en inglés. Mostrar el resultado.</a:t>
-            </a:r>
-          </a:p>
-          <a:p>
-            <a:pPr marL="228600" indent="-228600">
-              <a:buAutoNum type="arabicPeriod"/>
-            </a:pPr>
-            <a:r>
-              <a:rPr lang="es-MX" baseline="0" dirty="0" smtClean="0"/>
-              <a:t>Ir a la opción Project </a:t>
-            </a:r>
-            <a:r>
-              <a:rPr lang="es-MX" baseline="0" dirty="0" err="1" smtClean="0"/>
-              <a:t>Properties</a:t>
-            </a:r>
-            <a:r>
-              <a:rPr lang="es-MX" baseline="0" dirty="0" smtClean="0"/>
-              <a:t>/Output/</a:t>
-            </a:r>
-            <a:r>
-              <a:rPr lang="es-MX" baseline="0" dirty="0" err="1" smtClean="0"/>
-              <a:t>documentationform</a:t>
-            </a:r>
-            <a:r>
-              <a:rPr lang="es-MX" baseline="0" dirty="0" smtClean="0"/>
-              <a:t> y cambiar el idioma de la documentación a es-ES.</a:t>
-            </a:r>
-          </a:p>
-          <a:p>
-            <a:pPr marL="228600" indent="-228600">
-              <a:buAutoNum type="arabicPeriod"/>
-            </a:pPr>
-            <a:r>
-              <a:rPr lang="es-MX" baseline="0" dirty="0" smtClean="0"/>
-              <a:t>Generar documentación en español, mencionar que tiene algunos bugs.</a:t>
-            </a:r>
-          </a:p>
-          <a:p>
-            <a:endParaRPr lang="es-MX" baseline="0" dirty="0" smtClean="0"/>
-          </a:p>
-          <a:p>
-            <a:r>
-              <a:rPr lang="es-MX" dirty="0" smtClean="0"/>
-              <a:t>Recoger preguntas de</a:t>
-            </a:r>
-            <a:r>
-              <a:rPr lang="es-MX" baseline="0" dirty="0" smtClean="0"/>
-              <a:t> los asistentes remotos.</a:t>
-            </a:r>
-            <a:endParaRPr lang="es-MX" dirty="0" smtClean="0"/>
+              <a:t>studio</a:t>
+            </a:r>
+            <a:r>
+              <a:rPr lang="es-MX" baseline="0" dirty="0" smtClean="0"/>
+              <a:t>.</a:t>
+            </a:r>
           </a:p>
           <a:p>
             <a:endParaRPr lang="es-MX" dirty="0"/>
@@ -3706,7 +3571,7 @@
     </p:spTree>
     <p:extLst>
       <p:ext uri="{BB962C8B-B14F-4D97-AF65-F5344CB8AC3E}">
-        <p14:creationId xmlns:p14="http://schemas.microsoft.com/office/powerpoint/2010/main" val="1499007729"/>
+        <p14:creationId xmlns:p14="http://schemas.microsoft.com/office/powerpoint/2010/main" val="4293648072"/>
       </p:ext>
     </p:extLst>
   </p:cSld>
@@ -3762,218 +3627,92 @@
           <a:p>
             <a:r>
               <a:rPr lang="es-MX" dirty="0" smtClean="0"/>
-              <a:t>En éste módulo, hablaremos un poco de cómo todas estas herramientas se complementan entre sí y “extienden” por </a:t>
-            </a:r>
-            <a:r>
-              <a:rPr lang="es-MX" dirty="0" err="1" smtClean="0"/>
-              <a:t>asi</a:t>
-            </a:r>
-            <a:r>
-              <a:rPr lang="es-MX" dirty="0" smtClean="0"/>
-              <a:t> decirlo, al </a:t>
-            </a:r>
-            <a:r>
-              <a:rPr lang="es-MX" dirty="0" err="1" smtClean="0"/>
-              <a:t>code</a:t>
-            </a:r>
-            <a:r>
-              <a:rPr lang="es-MX" dirty="0" smtClean="0"/>
-              <a:t> </a:t>
-            </a:r>
-            <a:r>
-              <a:rPr lang="es-MX" dirty="0" err="1" smtClean="0"/>
-              <a:t>analysis</a:t>
-            </a:r>
-            <a:r>
-              <a:rPr lang="es-MX" dirty="0" smtClean="0"/>
-              <a:t> del visual </a:t>
-            </a:r>
-            <a:r>
-              <a:rPr lang="es-MX" dirty="0" err="1" smtClean="0"/>
-              <a:t>studio</a:t>
-            </a:r>
-            <a:r>
-              <a:rPr lang="es-MX" dirty="0" smtClean="0"/>
-              <a:t>, y como</a:t>
-            </a:r>
-            <a:r>
-              <a:rPr lang="es-MX" baseline="0" dirty="0" smtClean="0"/>
-              <a:t> ayudan a realizar algunas tareas del </a:t>
+              <a:t>Los formatos en que se puede compilar la</a:t>
+            </a:r>
+            <a:r>
+              <a:rPr lang="es-MX" baseline="0" dirty="0" smtClean="0"/>
+              <a:t> documentación son los siguientes:</a:t>
+            </a:r>
+          </a:p>
+          <a:p>
+            <a:r>
+              <a:rPr lang="es-MX" baseline="0" dirty="0" smtClean="0"/>
+              <a:t>Microsoft Help </a:t>
             </a:r>
             <a:r>
               <a:rPr lang="es-MX" baseline="0" dirty="0" err="1" smtClean="0"/>
-              <a:t>coding</a:t>
-            </a:r>
-            <a:r>
-              <a:rPr lang="es-MX" baseline="0" dirty="0" smtClean="0"/>
-              <a:t> </a:t>
-            </a:r>
+              <a:t>Viewer</a:t>
+            </a:r>
+            <a:endParaRPr lang="es-MX" baseline="0" dirty="0" smtClean="0"/>
+          </a:p>
+          <a:p>
+            <a:r>
+              <a:rPr lang="es-MX" baseline="0" dirty="0" smtClean="0"/>
+              <a:t>MS Help2</a:t>
+            </a:r>
+          </a:p>
+          <a:p>
             <a:r>
               <a:rPr lang="es-MX" baseline="0" dirty="0" err="1" smtClean="0"/>
-              <a:t>guidelines</a:t>
-            </a:r>
-            <a:r>
-              <a:rPr lang="es-MX" baseline="0" dirty="0" smtClean="0"/>
-              <a:t> de </a:t>
-            </a:r>
+              <a:t>Html</a:t>
+            </a:r>
+            <a:r>
+              <a:rPr lang="es-MX" baseline="0" dirty="0" smtClean="0"/>
+              <a:t> Help 1.x</a:t>
+            </a:r>
+          </a:p>
+          <a:p>
             <a:r>
               <a:rPr lang="es-MX" baseline="0" dirty="0" err="1" smtClean="0"/>
-              <a:t>dotnet</a:t>
-            </a:r>
-            <a:r>
-              <a:rPr lang="es-MX" baseline="0" dirty="0" smtClean="0"/>
-              <a:t>.</a:t>
-            </a:r>
-          </a:p>
-          <a:p>
-            <a:endParaRPr lang="es-MX" baseline="0" dirty="0" smtClean="0"/>
-          </a:p>
-          <a:p>
-            <a:r>
-              <a:rPr lang="es-MX" baseline="0" dirty="0" smtClean="0"/>
-              <a:t>Empecemos por hablar un poco de lo que es el </a:t>
-            </a:r>
+              <a:t>Html</a:t>
+            </a:r>
+            <a:r>
+              <a:rPr lang="es-MX" baseline="0" dirty="0" smtClean="0"/>
+              <a:t>, con índice, búsqueda y tabla de contenidos</a:t>
+            </a:r>
+          </a:p>
+          <a:p>
+            <a:r>
+              <a:rPr lang="es-MX" baseline="0" dirty="0" smtClean="0"/>
+              <a:t>Word</a:t>
+            </a:r>
+          </a:p>
+          <a:p>
+            <a:r>
+              <a:rPr lang="es-MX" baseline="0" dirty="0" smtClean="0"/>
+              <a:t>RTF</a:t>
+            </a:r>
+          </a:p>
+          <a:p>
+            <a:r>
+              <a:rPr lang="es-MX" baseline="0" dirty="0" smtClean="0"/>
+              <a:t>XML, para procesarla posteriormente por otras herramientas</a:t>
+            </a:r>
+          </a:p>
+          <a:p>
             <a:r>
               <a:rPr lang="es-MX" baseline="0" dirty="0" err="1" smtClean="0"/>
-              <a:t>code</a:t>
-            </a:r>
-            <a:r>
-              <a:rPr lang="es-MX" baseline="0" dirty="0" smtClean="0"/>
-              <a:t> </a:t>
+              <a:t>Ó</a:t>
+            </a:r>
+            <a:r>
+              <a:rPr lang="es-MX" baseline="0" dirty="0" smtClean="0"/>
+              <a:t>, puedes definir tu propio formato para cualquier documento basado en texto como </a:t>
             </a:r>
             <a:r>
               <a:rPr lang="es-MX" baseline="0" dirty="0" err="1" smtClean="0"/>
-              <a:t>analysis</a:t>
-            </a:r>
-            <a:endParaRPr lang="es-MX" baseline="0" dirty="0" smtClean="0"/>
-          </a:p>
-          <a:p>
-            <a:endParaRPr lang="es-MX" baseline="0" dirty="0" smtClean="0"/>
-          </a:p>
-          <a:p>
-            <a:r>
-              <a:rPr lang="es-MX" baseline="0" dirty="0" smtClean="0"/>
-              <a:t>Es una herramienta integrada en el </a:t>
+              <a:t>LaTEX</a:t>
+            </a:r>
+            <a:r>
+              <a:rPr lang="es-MX" baseline="0" dirty="0" smtClean="0"/>
+              <a:t>, un </a:t>
             </a:r>
             <a:r>
               <a:rPr lang="es-MX" baseline="0" dirty="0" err="1" smtClean="0"/>
-              <a:t>Ide</a:t>
-            </a:r>
-            <a:r>
-              <a:rPr lang="es-MX" baseline="0" dirty="0" smtClean="0"/>
-              <a:t> de Visual Studio, también conocida como </a:t>
-            </a:r>
-            <a:r>
-              <a:rPr lang="es-MX" baseline="0" dirty="0" err="1" smtClean="0"/>
-              <a:t>FxCop</a:t>
-            </a:r>
-            <a:r>
-              <a:rPr lang="es-MX" baseline="0" dirty="0" smtClean="0"/>
-              <a:t>, que analiza los ensamblados de las aplicaciones, en lugar del código fuente, como lo hace </a:t>
-            </a:r>
-            <a:r>
-              <a:rPr lang="es-MX" baseline="0" dirty="0" err="1" smtClean="0"/>
-              <a:t>StyleCop</a:t>
-            </a:r>
-            <a:r>
-              <a:rPr lang="es-MX" baseline="0" dirty="0" smtClean="0"/>
-              <a:t>, y éste reporta en la ventana lista de errores las violaciones encontradas de acuerdo al conjunto de reglas que se haya seleccionado para dicho proyecto.</a:t>
-            </a:r>
-          </a:p>
-          <a:p>
-            <a:endParaRPr lang="es-MX" baseline="0" dirty="0" smtClean="0"/>
-          </a:p>
-          <a:p>
-            <a:r>
-              <a:rPr lang="es-MX" baseline="0" dirty="0" smtClean="0"/>
-              <a:t>Es posible configurar el proyecto para que realice un </a:t>
-            </a:r>
-            <a:r>
-              <a:rPr lang="es-MX" baseline="0" dirty="0" err="1" smtClean="0"/>
-              <a:t>code</a:t>
-            </a:r>
-            <a:r>
-              <a:rPr lang="es-MX" baseline="0" dirty="0" smtClean="0"/>
-              <a:t> </a:t>
-            </a:r>
-            <a:r>
-              <a:rPr lang="es-MX" baseline="0" dirty="0" err="1" smtClean="0"/>
-              <a:t>analysis</a:t>
-            </a:r>
-            <a:r>
-              <a:rPr lang="es-MX" baseline="0" dirty="0" smtClean="0"/>
-              <a:t> antes de cada </a:t>
-            </a:r>
-            <a:r>
-              <a:rPr lang="es-MX" baseline="0" dirty="0" err="1" smtClean="0"/>
-              <a:t>build</a:t>
-            </a:r>
-            <a:r>
-              <a:rPr lang="es-MX" baseline="0" dirty="0" smtClean="0"/>
-              <a:t>.</a:t>
-            </a:r>
-          </a:p>
-          <a:p>
-            <a:r>
-              <a:rPr lang="es-MX" baseline="0" dirty="0" smtClean="0"/>
-              <a:t>Cuando se realiza un </a:t>
-            </a:r>
-            <a:r>
-              <a:rPr lang="es-MX" baseline="0" dirty="0" err="1" smtClean="0"/>
-              <a:t>code</a:t>
-            </a:r>
-            <a:r>
-              <a:rPr lang="es-MX" baseline="0" dirty="0" smtClean="0"/>
-              <a:t> </a:t>
-            </a:r>
-            <a:r>
-              <a:rPr lang="es-MX" baseline="0" dirty="0" err="1" smtClean="0"/>
-              <a:t>analysis</a:t>
-            </a:r>
-            <a:r>
-              <a:rPr lang="es-MX" baseline="0" dirty="0" smtClean="0"/>
-              <a:t> es posible configurarlo para que lo ejecute contra un conjunto de reglas predefinido, </a:t>
-            </a:r>
-            <a:r>
-              <a:rPr lang="es-MX" baseline="0" dirty="0" err="1" smtClean="0"/>
-              <a:t>ó</a:t>
-            </a:r>
-            <a:r>
-              <a:rPr lang="es-MX" baseline="0" dirty="0" smtClean="0"/>
-              <a:t> bien, puedes configurar tu conjunto de reglas a utilizar.</a:t>
-            </a:r>
-          </a:p>
-          <a:p>
-            <a:endParaRPr lang="es-MX" baseline="0" dirty="0" smtClean="0"/>
-          </a:p>
-          <a:p>
-            <a:r>
-              <a:rPr lang="es-MX" baseline="0" dirty="0" smtClean="0"/>
-              <a:t>El </a:t>
-            </a:r>
-            <a:r>
-              <a:rPr lang="es-MX" baseline="0" dirty="0" err="1" smtClean="0"/>
-              <a:t>Code</a:t>
-            </a:r>
-            <a:r>
-              <a:rPr lang="es-MX" baseline="0" dirty="0" smtClean="0"/>
-              <a:t> </a:t>
-            </a:r>
-            <a:r>
-              <a:rPr lang="es-MX" baseline="0" dirty="0" err="1" smtClean="0"/>
-              <a:t>Analysis</a:t>
-            </a:r>
-            <a:r>
-              <a:rPr lang="es-MX" baseline="0" dirty="0" smtClean="0"/>
-              <a:t> se relaciona con la regla PS2210 que dicta que se debe hacer el </a:t>
-            </a:r>
-            <a:r>
-              <a:rPr lang="es-MX" baseline="0" dirty="0" err="1" smtClean="0"/>
-              <a:t>build</a:t>
-            </a:r>
-            <a:r>
-              <a:rPr lang="es-MX" baseline="0" dirty="0" smtClean="0"/>
-              <a:t> con el mayor nivel de advertencia.</a:t>
+              <a:t>html</a:t>
+            </a:r>
+            <a:r>
+              <a:rPr lang="es-MX" baseline="0" dirty="0" smtClean="0"/>
+              <a:t> personalizado, entre otros.</a:t>
             </a:r>
           </a:p>
         </p:txBody>
@@ -3995,7 +3734,7 @@
           <a:p>
             <a:fld id="{79656E07-8C6A-4FBF-B48D-F1AA47D045AD}" type="slidenum">
               <a:rPr lang="es-MX" smtClean="0"/>
-              <a:t>29</a:t>
+              <a:t>28</a:t>
             </a:fld>
             <a:endParaRPr lang="es-MX"/>
           </a:p>
@@ -4004,7 +3743,7 @@
     </p:spTree>
     <p:extLst>
       <p:ext uri="{BB962C8B-B14F-4D97-AF65-F5344CB8AC3E}">
-        <p14:creationId xmlns:p14="http://schemas.microsoft.com/office/powerpoint/2010/main" val="3465520565"/>
+        <p14:creationId xmlns:p14="http://schemas.microsoft.com/office/powerpoint/2010/main" val="2433412103"/>
       </p:ext>
     </p:extLst>
   </p:cSld>
@@ -4060,7 +3799,92 @@
           <a:p>
             <a:r>
               <a:rPr lang="es-MX" dirty="0" smtClean="0"/>
-              <a:t>El</a:t>
+              <a:t>Finalmente,</a:t>
+            </a:r>
+            <a:r>
+              <a:rPr lang="es-MX" baseline="0" dirty="0" smtClean="0"/>
+              <a:t> podremos ver el resultado de todas las herramientas en conjunto y generaremos un Archivo de documentación de un proyecto.</a:t>
+            </a:r>
+          </a:p>
+          <a:p>
+            <a:endParaRPr lang="es-MX" baseline="0" dirty="0" smtClean="0"/>
+          </a:p>
+          <a:p>
+            <a:pPr marL="228600" indent="-228600">
+              <a:buAutoNum type="arabicPeriod"/>
+            </a:pPr>
+            <a:r>
+              <a:rPr lang="es-MX" baseline="0" dirty="0" smtClean="0"/>
+              <a:t>Abrir el Archivo </a:t>
+            </a:r>
+            <a:r>
+              <a:rPr lang="es-MX" baseline="0" dirty="0" err="1" smtClean="0"/>
+              <a:t>VsDocman</a:t>
+            </a:r>
+            <a:r>
+              <a:rPr lang="es-MX" baseline="0" dirty="0" smtClean="0"/>
+              <a:t>. Seleccionar un Miembro o método y hacer clic derecho </a:t>
+            </a:r>
+            <a:r>
+              <a:rPr lang="es-MX" baseline="0" dirty="0" err="1" smtClean="0"/>
+              <a:t>XMLComment</a:t>
+            </a:r>
+            <a:r>
+              <a:rPr lang="es-MX" baseline="0" dirty="0" smtClean="0"/>
+              <a:t> y mostrar la pantalla del editor de comentarios. Mostrar que se pueden agregar imágenes, tablas, listas, hipervínculos, agregar otras secciones como el </a:t>
+            </a:r>
+            <a:r>
+              <a:rPr lang="es-MX" baseline="0" dirty="0" err="1" smtClean="0"/>
+              <a:t>example</a:t>
+            </a:r>
+            <a:r>
+              <a:rPr lang="es-MX" baseline="0" dirty="0" smtClean="0"/>
+              <a:t>, o el </a:t>
+            </a:r>
+            <a:r>
+              <a:rPr lang="es-MX" baseline="0" dirty="0" err="1" smtClean="0"/>
+              <a:t>exceptions</a:t>
+            </a:r>
+            <a:r>
+              <a:rPr lang="es-MX" baseline="0" dirty="0" smtClean="0"/>
+              <a:t>. Cambiarse entre la modalidad </a:t>
+            </a:r>
+            <a:r>
+              <a:rPr lang="es-MX" baseline="0" dirty="0" err="1" smtClean="0"/>
+              <a:t>wysiwig</a:t>
+            </a:r>
+            <a:r>
+              <a:rPr lang="es-MX" baseline="0" dirty="0" smtClean="0"/>
+              <a:t> y la avanzada.</a:t>
+            </a:r>
+          </a:p>
+          <a:p>
+            <a:pPr marL="228600" indent="-228600">
+              <a:buAutoNum type="arabicPeriod"/>
+            </a:pPr>
+            <a:r>
+              <a:rPr lang="es-MX" baseline="0" dirty="0" smtClean="0"/>
+              <a:t>Hacer clic en el botón </a:t>
+            </a:r>
+            <a:r>
+              <a:rPr lang="es-MX" baseline="0" dirty="0" err="1" smtClean="0"/>
+              <a:t>VSDocman</a:t>
+            </a:r>
+            <a:r>
+              <a:rPr lang="es-MX" baseline="0" dirty="0" smtClean="0"/>
+              <a:t> y mostrar las propiedades del </a:t>
+            </a:r>
+            <a:r>
+              <a:rPr lang="es-MX" baseline="0" dirty="0" err="1" smtClean="0"/>
+              <a:t>projecto</a:t>
+            </a:r>
+            <a:r>
+              <a:rPr lang="es-MX" baseline="0" dirty="0" smtClean="0"/>
+              <a:t> (navegar por varias opciones), ir a la opción Output/</a:t>
+            </a:r>
+            <a:r>
+              <a:rPr lang="es-MX" baseline="0" dirty="0" err="1" smtClean="0"/>
+              <a:t>documentation</a:t>
             </a:r>
             <a:r>
               <a:rPr lang="es-MX" baseline="0" dirty="0" smtClean="0"/>
@@ -4068,11 +3892,54 @@
             </a:r>
             <a:r>
               <a:rPr lang="es-MX" baseline="0" dirty="0" err="1" smtClean="0"/>
-              <a:t>Codemaid</a:t>
-            </a:r>
-            <a:r>
-              <a:rPr lang="es-MX" baseline="0" dirty="0" smtClean="0"/>
-              <a:t>.</a:t>
+              <a:t>form</a:t>
+            </a:r>
+            <a:r>
+              <a:rPr lang="es-MX" baseline="0" dirty="0" smtClean="0"/>
+              <a:t> y mostrarles los formatos disponibles, las opciones.</a:t>
+            </a:r>
+          </a:p>
+          <a:p>
+            <a:pPr marL="228600" indent="-228600">
+              <a:buAutoNum type="arabicPeriod"/>
+            </a:pPr>
+            <a:r>
+              <a:rPr lang="es-MX" baseline="0" dirty="0" smtClean="0"/>
+              <a:t>Generar documentación en inglés. Mostrar el resultado.</a:t>
+            </a:r>
+          </a:p>
+          <a:p>
+            <a:pPr marL="228600" indent="-228600">
+              <a:buAutoNum type="arabicPeriod"/>
+            </a:pPr>
+            <a:r>
+              <a:rPr lang="es-MX" baseline="0" dirty="0" smtClean="0"/>
+              <a:t>Ir a la opción Project </a:t>
+            </a:r>
+            <a:r>
+              <a:rPr lang="es-MX" baseline="0" dirty="0" err="1" smtClean="0"/>
+              <a:t>Properties</a:t>
+            </a:r>
+            <a:r>
+              <a:rPr lang="es-MX" baseline="0" dirty="0" smtClean="0"/>
+              <a:t>/Output/</a:t>
+            </a:r>
+            <a:r>
+              <a:rPr lang="es-MX" baseline="0" dirty="0" err="1" smtClean="0"/>
+              <a:t>documentationform</a:t>
+            </a:r>
+            <a:r>
+              <a:rPr lang="es-MX" baseline="0" dirty="0" smtClean="0"/>
+              <a:t> y cambiar el idioma de la documentación a es-ES.</a:t>
+            </a:r>
+          </a:p>
+          <a:p>
+            <a:pPr marL="228600" indent="-228600">
+              <a:buAutoNum type="arabicPeriod"/>
+            </a:pPr>
+            <a:r>
+              <a:rPr lang="es-MX" baseline="0" dirty="0" smtClean="0"/>
+              <a:t>Generar documentación en español, mencionar que tiene algunos bugs.</a:t>
             </a:r>
           </a:p>
           <a:p>
@@ -4080,66 +3947,17 @@
           </a:p>
           <a:p>
             <a:r>
-              <a:rPr lang="es-MX" baseline="0" dirty="0" smtClean="0"/>
-              <a:t>Con el </a:t>
-            </a:r>
-            <a:r>
-              <a:rPr lang="es-MX" baseline="0" dirty="0" err="1" smtClean="0"/>
-              <a:t>code</a:t>
-            </a:r>
-            <a:r>
-              <a:rPr lang="es-MX" baseline="0" dirty="0" smtClean="0"/>
-              <a:t> </a:t>
-            </a:r>
-            <a:r>
-              <a:rPr lang="es-MX" baseline="0" dirty="0" err="1" smtClean="0"/>
-              <a:t>maid</a:t>
-            </a:r>
-            <a:r>
-              <a:rPr lang="es-MX" baseline="0" dirty="0" smtClean="0"/>
-              <a:t> podemos utilizar la función de la complejidad </a:t>
-            </a:r>
-            <a:r>
-              <a:rPr lang="es-MX" baseline="0" dirty="0" err="1" smtClean="0"/>
-              <a:t>ciclomática</a:t>
-            </a:r>
-            <a:r>
-              <a:rPr lang="es-MX" baseline="0" dirty="0" smtClean="0"/>
-              <a:t>, para encontrar métodos que podamos </a:t>
-            </a:r>
-            <a:r>
-              <a:rPr lang="es-MX" baseline="0" dirty="0" err="1" smtClean="0"/>
-              <a:t>refactorizar</a:t>
-            </a:r>
-            <a:r>
-              <a:rPr lang="es-MX" baseline="0" dirty="0" smtClean="0"/>
-              <a:t> y cumplir con la regla PS1000 del </a:t>
-            </a:r>
-            <a:r>
-              <a:rPr lang="es-MX" baseline="0" dirty="0" err="1" smtClean="0"/>
-              <a:t>codign</a:t>
-            </a:r>
-            <a:r>
-              <a:rPr lang="es-MX" baseline="0" dirty="0" smtClean="0"/>
-              <a:t> </a:t>
-            </a:r>
-            <a:r>
-              <a:rPr lang="es-MX" baseline="0" dirty="0" err="1" smtClean="0"/>
-              <a:t>guidelines</a:t>
-            </a:r>
-            <a:r>
-              <a:rPr lang="es-MX" baseline="0" dirty="0" smtClean="0"/>
-              <a:t>.</a:t>
-            </a:r>
-          </a:p>
-          <a:p>
-            <a:endParaRPr lang="es-MX" baseline="0" dirty="0" smtClean="0"/>
-          </a:p>
-          <a:p>
-            <a:r>
-              <a:rPr lang="es-MX" baseline="0" dirty="0" smtClean="0"/>
-              <a:t>Las funcionalidades de Reorganizar y limpiar el código nos ayudar a cumplir con las reglas PS2400, PS2402, PS2406 y PS2407</a:t>
-            </a:r>
+              <a:rPr lang="es-MX" dirty="0" smtClean="0"/>
+              <a:t>Recoger preguntas de</a:t>
+            </a:r>
+            <a:r>
+              <a:rPr lang="es-MX" baseline="0" dirty="0" smtClean="0"/>
+              <a:t> los asistentes remotos.</a:t>
+            </a:r>
+            <a:endParaRPr lang="es-MX" dirty="0" smtClean="0"/>
+          </a:p>
+          <a:p>
+            <a:endParaRPr lang="es-MX" dirty="0"/>
           </a:p>
         </p:txBody>
       </p:sp>
@@ -4160,7 +3978,7 @@
           <a:p>
             <a:fld id="{79656E07-8C6A-4FBF-B48D-F1AA47D045AD}" type="slidenum">
               <a:rPr lang="es-MX" smtClean="0"/>
-              <a:t>30</a:t>
+              <a:t>29</a:t>
             </a:fld>
             <a:endParaRPr lang="es-MX"/>
           </a:p>
@@ -4169,7 +3987,7 @@
     </p:spTree>
     <p:extLst>
       <p:ext uri="{BB962C8B-B14F-4D97-AF65-F5344CB8AC3E}">
-        <p14:creationId xmlns:p14="http://schemas.microsoft.com/office/powerpoint/2010/main" val="2900085709"/>
+        <p14:creationId xmlns:p14="http://schemas.microsoft.com/office/powerpoint/2010/main" val="1499007729"/>
       </p:ext>
     </p:extLst>
   </p:cSld>
@@ -4223,42 +4041,45 @@
           <a:bodyPr/>
           <a:lstStyle/>
           <a:p>
-            <a:pPr marL="0" marR="0" indent="0" algn="l" defTabSz="914400" rtl="0" eaLnBrk="1" fontAlgn="auto" latinLnBrk="0" hangingPunct="1">
-              <a:lnSpc>
-                <a:spcPct val="100000"/>
-              </a:lnSpc>
-              <a:spcBef>
-                <a:spcPts val="0"/>
-              </a:spcBef>
-              <a:spcAft>
-                <a:spcPts val="0"/>
-              </a:spcAft>
-              <a:buClrTx/>
-              <a:buSzTx/>
-              <a:buFontTx/>
-              <a:buNone/>
-              <a:tabLst/>
-              <a:defRPr/>
-            </a:pPr>
-            <a:r>
-              <a:rPr lang="es-MX" baseline="0" dirty="0" smtClean="0"/>
-              <a:t>El </a:t>
-            </a:r>
-            <a:r>
-              <a:rPr lang="es-MX" baseline="0" dirty="0" err="1" smtClean="0"/>
-              <a:t>License</a:t>
-            </a:r>
-            <a:r>
-              <a:rPr lang="es-MX" baseline="0" dirty="0" smtClean="0"/>
+            <a:r>
+              <a:rPr lang="es-MX" dirty="0" smtClean="0"/>
+              <a:t>En éste módulo, hablaremos un poco de cómo todas estas herramientas se complementan entre sí y “extienden” por </a:t>
+            </a:r>
+            <a:r>
+              <a:rPr lang="es-MX" dirty="0" err="1" smtClean="0"/>
+              <a:t>asi</a:t>
+            </a:r>
+            <a:r>
+              <a:rPr lang="es-MX" dirty="0" smtClean="0"/>
+              <a:t> decirlo, al </a:t>
+            </a:r>
+            <a:r>
+              <a:rPr lang="es-MX" dirty="0" err="1" smtClean="0"/>
+              <a:t>code</a:t>
+            </a:r>
+            <a:r>
+              <a:rPr lang="es-MX" dirty="0" smtClean="0"/>
               <a:t> </a:t>
             </a:r>
             <a:r>
-              <a:rPr lang="es-MX" baseline="0" dirty="0" err="1" smtClean="0"/>
-              <a:t>header</a:t>
-            </a:r>
-            <a:r>
-              <a:rPr lang="es-MX" baseline="0" dirty="0" smtClean="0"/>
-              <a:t> manager, aunque no ayuda a realizar alguna regla del general </a:t>
+              <a:rPr lang="es-MX" dirty="0" err="1" smtClean="0"/>
+              <a:t>analysis</a:t>
+            </a:r>
+            <a:r>
+              <a:rPr lang="es-MX" dirty="0" smtClean="0"/>
+              <a:t> del visual </a:t>
+            </a:r>
+            <a:r>
+              <a:rPr lang="es-MX" dirty="0" err="1" smtClean="0"/>
+              <a:t>studio</a:t>
+            </a:r>
+            <a:r>
+              <a:rPr lang="es-MX" dirty="0" smtClean="0"/>
+              <a:t>, y como</a:t>
+            </a:r>
+            <a:r>
+              <a:rPr lang="es-MX" baseline="0" dirty="0" smtClean="0"/>
+              <a:t> ayudan a realizar algunas tareas del </a:t>
             </a:r>
             <a:r>
               <a:rPr lang="es-MX" baseline="0" dirty="0" err="1" smtClean="0"/>
@@ -4274,20 +4095,167 @@
             </a:r>
             <a:r>
               <a:rPr lang="es-MX" baseline="0" dirty="0" smtClean="0"/>
-              <a:t>, nos ayuda a identificar el archivo en el cual estamos trabajando, además de cumplir con las reglas SA1633, a SA1638 que agregar el </a:t>
+              <a:t> de </a:t>
             </a:r>
             <a:r>
               <a:rPr lang="es-MX" baseline="0" dirty="0" err="1" smtClean="0"/>
-              <a:t>styleCop</a:t>
+              <a:t>dotnet</a:t>
             </a:r>
             <a:r>
               <a:rPr lang="es-MX" baseline="0" dirty="0" smtClean="0"/>
               <a:t>.</a:t>
             </a:r>
-            <a:endParaRPr lang="es-MX" dirty="0" smtClean="0"/>
-          </a:p>
-          <a:p>
-            <a:endParaRPr lang="es-MX" dirty="0"/>
+          </a:p>
+          <a:p>
+            <a:endParaRPr lang="es-MX" baseline="0" dirty="0" smtClean="0"/>
+          </a:p>
+          <a:p>
+            <a:r>
+              <a:rPr lang="es-MX" baseline="0" dirty="0" smtClean="0"/>
+              <a:t>Empecemos por hablar un poco de lo que es el </a:t>
+            </a:r>
+            <a:r>
+              <a:rPr lang="es-MX" baseline="0" dirty="0" err="1" smtClean="0"/>
+              <a:t>code</a:t>
+            </a:r>
+            <a:r>
+              <a:rPr lang="es-MX" baseline="0" dirty="0" smtClean="0"/>
+              <a:t> </a:t>
+            </a:r>
+            <a:r>
+              <a:rPr lang="es-MX" baseline="0" dirty="0" err="1" smtClean="0"/>
+              <a:t>analysis</a:t>
+            </a:r>
+            <a:endParaRPr lang="es-MX" baseline="0" dirty="0" smtClean="0"/>
+          </a:p>
+          <a:p>
+            <a:endParaRPr lang="es-MX" baseline="0" dirty="0" smtClean="0"/>
+          </a:p>
+          <a:p>
+            <a:r>
+              <a:rPr lang="es-MX" baseline="0" dirty="0" smtClean="0"/>
+              <a:t>Es una herramienta integrada en el </a:t>
+            </a:r>
+            <a:r>
+              <a:rPr lang="es-MX" baseline="0" dirty="0" err="1" smtClean="0"/>
+              <a:t>Ide</a:t>
+            </a:r>
+            <a:r>
+              <a:rPr lang="es-MX" baseline="0" dirty="0" smtClean="0"/>
+              <a:t> de Visual Studio, también conocida como </a:t>
+            </a:r>
+            <a:r>
+              <a:rPr lang="es-MX" baseline="0" dirty="0" err="1" smtClean="0"/>
+              <a:t>FxCop</a:t>
+            </a:r>
+            <a:r>
+              <a:rPr lang="es-MX" baseline="0" dirty="0" smtClean="0"/>
+              <a:t>, que analiza los ensamblados de las aplicaciones, en lugar del código fuente, como lo hace </a:t>
+            </a:r>
+            <a:r>
+              <a:rPr lang="es-MX" baseline="0" dirty="0" err="1" smtClean="0"/>
+              <a:t>StyleCop</a:t>
+            </a:r>
+            <a:r>
+              <a:rPr lang="es-MX" baseline="0" dirty="0" smtClean="0"/>
+              <a:t>, y éste reporta en la ventana lista de errores las violaciones encontradas de acuerdo al conjunto de reglas que se haya seleccionado para dicho proyecto.</a:t>
+            </a:r>
+          </a:p>
+          <a:p>
+            <a:endParaRPr lang="es-MX" baseline="0" dirty="0" smtClean="0"/>
+          </a:p>
+          <a:p>
+            <a:r>
+              <a:rPr lang="es-MX" baseline="0" dirty="0" smtClean="0"/>
+              <a:t>Es posible configurar el proyecto para que realice un </a:t>
+            </a:r>
+            <a:r>
+              <a:rPr lang="es-MX" baseline="0" dirty="0" err="1" smtClean="0"/>
+              <a:t>code</a:t>
+            </a:r>
+            <a:r>
+              <a:rPr lang="es-MX" baseline="0" dirty="0" smtClean="0"/>
+              <a:t> </a:t>
+            </a:r>
+            <a:r>
+              <a:rPr lang="es-MX" baseline="0" dirty="0" err="1" smtClean="0"/>
+              <a:t>analysis</a:t>
+            </a:r>
+            <a:r>
+              <a:rPr lang="es-MX" baseline="0" dirty="0" smtClean="0"/>
+              <a:t> antes de cada </a:t>
+            </a:r>
+            <a:r>
+              <a:rPr lang="es-MX" baseline="0" dirty="0" err="1" smtClean="0"/>
+              <a:t>build</a:t>
+            </a:r>
+            <a:r>
+              <a:rPr lang="es-MX" baseline="0" dirty="0" smtClean="0"/>
+              <a:t>.</a:t>
+            </a:r>
+          </a:p>
+          <a:p>
+            <a:r>
+              <a:rPr lang="es-MX" baseline="0" dirty="0" smtClean="0"/>
+              <a:t>Cuando se realiza un </a:t>
+            </a:r>
+            <a:r>
+              <a:rPr lang="es-MX" baseline="0" dirty="0" err="1" smtClean="0"/>
+              <a:t>code</a:t>
+            </a:r>
+            <a:r>
+              <a:rPr lang="es-MX" baseline="0" dirty="0" smtClean="0"/>
+              <a:t> </a:t>
+            </a:r>
+            <a:r>
+              <a:rPr lang="es-MX" baseline="0" dirty="0" err="1" smtClean="0"/>
+              <a:t>analysis</a:t>
+            </a:r>
+            <a:r>
+              <a:rPr lang="es-MX" baseline="0" dirty="0" smtClean="0"/>
+              <a:t> es posible configurarlo para que lo ejecute contra un conjunto de reglas predefinido, </a:t>
+            </a:r>
+            <a:r>
+              <a:rPr lang="es-MX" baseline="0" dirty="0" err="1" smtClean="0"/>
+              <a:t>ó</a:t>
+            </a:r>
+            <a:r>
+              <a:rPr lang="es-MX" baseline="0" dirty="0" smtClean="0"/>
+              <a:t> bien, puedes configurar tu conjunto de reglas a utilizar.</a:t>
+            </a:r>
+          </a:p>
+          <a:p>
+            <a:endParaRPr lang="es-MX" baseline="0" dirty="0" smtClean="0"/>
+          </a:p>
+          <a:p>
+            <a:r>
+              <a:rPr lang="es-MX" baseline="0" dirty="0" smtClean="0"/>
+              <a:t>El </a:t>
+            </a:r>
+            <a:r>
+              <a:rPr lang="es-MX" baseline="0" dirty="0" err="1" smtClean="0"/>
+              <a:t>Code</a:t>
+            </a:r>
+            <a:r>
+              <a:rPr lang="es-MX" baseline="0" dirty="0" smtClean="0"/>
+              <a:t> </a:t>
+            </a:r>
+            <a:r>
+              <a:rPr lang="es-MX" baseline="0" dirty="0" err="1" smtClean="0"/>
+              <a:t>Analysis</a:t>
+            </a:r>
+            <a:r>
+              <a:rPr lang="es-MX" baseline="0" dirty="0" smtClean="0"/>
+              <a:t> se relaciona con la regla PS2210 que dicta que se debe hacer el </a:t>
+            </a:r>
+            <a:r>
+              <a:rPr lang="es-MX" baseline="0" dirty="0" err="1" smtClean="0"/>
+              <a:t>build</a:t>
+            </a:r>
+            <a:r>
+              <a:rPr lang="es-MX" baseline="0" dirty="0" smtClean="0"/>
+              <a:t> con el mayor nivel de advertencia.</a:t>
+            </a:r>
           </a:p>
         </p:txBody>
       </p:sp>
@@ -4317,7 +4285,7 @@
     </p:spTree>
     <p:extLst>
       <p:ext uri="{BB962C8B-B14F-4D97-AF65-F5344CB8AC3E}">
-        <p14:creationId xmlns:p14="http://schemas.microsoft.com/office/powerpoint/2010/main" val="945520314"/>
+        <p14:creationId xmlns:p14="http://schemas.microsoft.com/office/powerpoint/2010/main" val="3465520565"/>
       </p:ext>
     </p:extLst>
   </p:cSld>
@@ -4373,15 +4341,32 @@
           <a:p>
             <a:r>
               <a:rPr lang="es-MX" dirty="0" smtClean="0"/>
-              <a:t>Debido</a:t>
-            </a:r>
-            <a:r>
-              <a:rPr lang="es-MX" baseline="0" dirty="0" smtClean="0"/>
-              <a:t> a que el </a:t>
+              <a:t>El</a:t>
+            </a:r>
+            <a:r>
+              <a:rPr lang="es-MX" baseline="0" dirty="0" smtClean="0"/>
+              <a:t> </a:t>
             </a:r>
             <a:r>
               <a:rPr lang="es-MX" baseline="0" dirty="0" err="1" smtClean="0"/>
-              <a:t>ghost</a:t>
+              <a:t>Codemaid</a:t>
+            </a:r>
+            <a:r>
+              <a:rPr lang="es-MX" baseline="0" dirty="0" smtClean="0"/>
+              <a:t>.</a:t>
+            </a:r>
+          </a:p>
+          <a:p>
+            <a:endParaRPr lang="es-MX" baseline="0" dirty="0" smtClean="0"/>
+          </a:p>
+          <a:p>
+            <a:r>
+              <a:rPr lang="es-MX" baseline="0" dirty="0" smtClean="0"/>
+              <a:t>Con el </a:t>
+            </a:r>
+            <a:r>
+              <a:rPr lang="es-MX" baseline="0" dirty="0" err="1" smtClean="0"/>
+              <a:t>code</a:t>
             </a:r>
             <a:r>
               <a:rPr lang="es-MX" baseline="0" dirty="0" smtClean="0"/>
@@ -4389,19 +4374,43 @@
             </a:r>
             <a:r>
               <a:rPr lang="es-MX" baseline="0" dirty="0" err="1" smtClean="0"/>
-              <a:t>doc</a:t>
-            </a:r>
-            <a:r>
-              <a:rPr lang="es-MX" baseline="0" dirty="0" smtClean="0"/>
-              <a:t> genera la documentación XML de nuestras clases y métodos, nos ayuda a cumplir con las reglas PS2301, PS2305, PS2306 y PS2307, además de que podremos hacer uso del </a:t>
+              <a:t>maid</a:t>
+            </a:r>
+            <a:r>
+              <a:rPr lang="es-MX" baseline="0" dirty="0" smtClean="0"/>
+              <a:t> podemos utilizar la función de la complejidad </a:t>
             </a:r>
             <a:r>
               <a:rPr lang="es-MX" baseline="0" dirty="0" err="1" smtClean="0"/>
-              <a:t>intellisense</a:t>
-            </a:r>
-            <a:r>
-              <a:rPr lang="es-MX" baseline="0" dirty="0" smtClean="0"/>
-              <a:t> al momento de utilizar algún método.</a:t>
+              <a:t>ciclomática</a:t>
+            </a:r>
+            <a:r>
+              <a:rPr lang="es-MX" baseline="0" dirty="0" smtClean="0"/>
+              <a:t>, para encontrar métodos que podamos </a:t>
+            </a:r>
+            <a:r>
+              <a:rPr lang="es-MX" baseline="0" dirty="0" err="1" smtClean="0"/>
+              <a:t>refactorizar</a:t>
+            </a:r>
+            <a:r>
+              <a:rPr lang="es-MX" baseline="0" dirty="0" smtClean="0"/>
+              <a:t> y cumplir con la regla PS1000 del </a:t>
+            </a:r>
+            <a:r>
+              <a:rPr lang="es-MX" baseline="0" dirty="0" err="1" smtClean="0"/>
+              <a:t>codign</a:t>
+            </a:r>
+            <a:r>
+              <a:rPr lang="es-MX" baseline="0" dirty="0" smtClean="0"/>
+              <a:t> </a:t>
+            </a:r>
+            <a:r>
+              <a:rPr lang="es-MX" baseline="0" dirty="0" err="1" smtClean="0"/>
+              <a:t>guidelines</a:t>
+            </a:r>
+            <a:r>
+              <a:rPr lang="es-MX" baseline="0" dirty="0" smtClean="0"/>
+              <a:t>.</a:t>
             </a:r>
           </a:p>
           <a:p>
@@ -4410,49 +4419,8 @@
           <a:p>
             <a:r>
               <a:rPr lang="es-MX" baseline="0" dirty="0" smtClean="0"/>
-              <a:t>El </a:t>
-            </a:r>
-            <a:r>
-              <a:rPr lang="es-MX" baseline="0" dirty="0" err="1" smtClean="0"/>
-              <a:t>StyleCop</a:t>
-            </a:r>
-            <a:r>
-              <a:rPr lang="es-MX" baseline="0" dirty="0" smtClean="0"/>
-              <a:t> añade reglas per sé, y éstas reglas complementan a las descritas en </a:t>
-            </a:r>
-            <a:r>
-              <a:rPr lang="es-MX" baseline="0" dirty="0" err="1" smtClean="0"/>
-              <a:t>Coding</a:t>
-            </a:r>
-            <a:r>
-              <a:rPr lang="es-MX" baseline="0" dirty="0" smtClean="0"/>
-              <a:t> </a:t>
-            </a:r>
-            <a:r>
-              <a:rPr lang="es-MX" baseline="0" dirty="0" err="1" smtClean="0"/>
-              <a:t>Guidelines</a:t>
-            </a:r>
-            <a:r>
-              <a:rPr lang="es-MX" baseline="0" dirty="0" smtClean="0"/>
-              <a:t>, y debido a que e integra directamente con el </a:t>
-            </a:r>
-            <a:r>
-              <a:rPr lang="es-MX" baseline="0" dirty="0" err="1" smtClean="0"/>
-              <a:t>Code</a:t>
-            </a:r>
-            <a:r>
-              <a:rPr lang="es-MX" baseline="0" dirty="0" smtClean="0"/>
-              <a:t> </a:t>
-            </a:r>
-            <a:r>
-              <a:rPr lang="es-MX" baseline="0" dirty="0" err="1" smtClean="0"/>
-              <a:t>Analysis</a:t>
-            </a:r>
-            <a:r>
-              <a:rPr lang="es-MX" baseline="0" dirty="0" smtClean="0"/>
-              <a:t> prácticamente es transparente la integración.</a:t>
-            </a:r>
-            <a:endParaRPr lang="es-MX" dirty="0"/>
+              <a:t>Las funcionalidades de Reorganizar y limpiar el código nos ayudar a cumplir con las reglas PS2400, PS2402, PS2406 y PS2407</a:t>
+            </a:r>
           </a:p>
         </p:txBody>
       </p:sp>
@@ -4482,7 +4450,7 @@
     </p:spTree>
     <p:extLst>
       <p:ext uri="{BB962C8B-B14F-4D97-AF65-F5344CB8AC3E}">
-        <p14:creationId xmlns:p14="http://schemas.microsoft.com/office/powerpoint/2010/main" val="1397620572"/>
+        <p14:creationId xmlns:p14="http://schemas.microsoft.com/office/powerpoint/2010/main" val="2900085709"/>
       </p:ext>
     </p:extLst>
   </p:cSld>
@@ -4554,75 +4522,28 @@
               <a:defRPr/>
             </a:pPr>
             <a:r>
-              <a:rPr lang="es-MX" dirty="0" smtClean="0"/>
-              <a:t>Debido</a:t>
-            </a:r>
-            <a:r>
-              <a:rPr lang="es-MX" baseline="0" dirty="0" smtClean="0"/>
-              <a:t> a que el </a:t>
+              <a:rPr lang="es-MX" baseline="0" dirty="0" smtClean="0"/>
+              <a:t>El </a:t>
             </a:r>
             <a:r>
               <a:rPr lang="es-MX" baseline="0" dirty="0" err="1" smtClean="0"/>
-              <a:t>VSDocman</a:t>
-            </a:r>
-            <a:r>
-              <a:rPr lang="es-MX" baseline="0" dirty="0" smtClean="0"/>
-              <a:t> genera la documentación del proyecto, nos ayuda a cumplir con las reglas PS2301, PS2305, PS2306 y PS2307 (que también lo hace el </a:t>
+              <a:t>License</a:t>
+            </a:r>
+            <a:r>
+              <a:rPr lang="es-MX" baseline="0" dirty="0" smtClean="0"/>
+              <a:t> </a:t>
             </a:r>
             <a:r>
               <a:rPr lang="es-MX" baseline="0" dirty="0" err="1" smtClean="0"/>
-              <a:t>GhostDoc</a:t>
-            </a:r>
-            <a:r>
-              <a:rPr lang="es-MX" baseline="0" dirty="0" smtClean="0"/>
-              <a:t>), podemos generar la documentación de nuestro métodos y poderlos poner a disposición de los demás equipos, para que conozcan las clases que existen actualmente y mejorar así la “arquitectura” de nuestros sistemas y evitar el doble trabajo.</a:t>
-            </a:r>
-          </a:p>
-          <a:p>
-            <a:pPr marL="0" marR="0" indent="0" algn="l" defTabSz="914400" rtl="0" eaLnBrk="1" fontAlgn="auto" latinLnBrk="0" hangingPunct="1">
-              <a:lnSpc>
-                <a:spcPct val="100000"/>
-              </a:lnSpc>
-              <a:spcBef>
-                <a:spcPts val="0"/>
-              </a:spcBef>
-              <a:spcAft>
-                <a:spcPts val="0"/>
-              </a:spcAft>
-              <a:buClrTx/>
-              <a:buSzTx/>
-              <a:buFontTx/>
-              <a:buNone/>
-              <a:tabLst/>
-              <a:defRPr/>
-            </a:pPr>
-            <a:endParaRPr lang="es-MX" baseline="0" dirty="0" smtClean="0"/>
-          </a:p>
-          <a:p>
-            <a:pPr marL="0" marR="0" indent="0" algn="l" defTabSz="914400" rtl="0" eaLnBrk="1" fontAlgn="auto" latinLnBrk="0" hangingPunct="1">
-              <a:lnSpc>
-                <a:spcPct val="100000"/>
-              </a:lnSpc>
-              <a:spcBef>
-                <a:spcPts val="0"/>
-              </a:spcBef>
-              <a:spcAft>
-                <a:spcPts val="0"/>
-              </a:spcAft>
-              <a:buClrTx/>
-              <a:buSzTx/>
-              <a:buFontTx/>
-              <a:buNone/>
-              <a:tabLst/>
-              <a:defRPr/>
-            </a:pPr>
-            <a:r>
-              <a:rPr lang="es-MX" baseline="0" dirty="0" smtClean="0"/>
-              <a:t>También les proporciono un archivo de Excel, en el cual he recabado todas las reglas del </a:t>
+              <a:t>header</a:t>
+            </a:r>
+            <a:r>
+              <a:rPr lang="es-MX" baseline="0" dirty="0" smtClean="0"/>
+              <a:t> manager, aunque no ayuda a realizar alguna regla del general </a:t>
             </a:r>
             <a:r>
               <a:rPr lang="es-MX" baseline="0" dirty="0" err="1" smtClean="0"/>
-              <a:t>Code</a:t>
+              <a:t>coding</a:t>
             </a:r>
             <a:r>
               <a:rPr lang="es-MX" baseline="0" dirty="0" smtClean="0"/>
@@ -4630,36 +4551,21 @@
             </a:r>
             <a:r>
               <a:rPr lang="es-MX" baseline="0" dirty="0" err="1" smtClean="0"/>
-              <a:t>Analysis</a:t>
-            </a:r>
-            <a:r>
-              <a:rPr lang="es-MX" baseline="0" dirty="0" smtClean="0"/>
-              <a:t>, </a:t>
+              <a:t>guidelines</a:t>
+            </a:r>
+            <a:r>
+              <a:rPr lang="es-MX" baseline="0" dirty="0" smtClean="0"/>
+              <a:t>, nos ayuda a identificar el archivo en el cual estamos trabajando, además de cumplir con las reglas SA1633, a SA1638 que agregar el </a:t>
             </a:r>
             <a:r>
               <a:rPr lang="es-MX" baseline="0" dirty="0" err="1" smtClean="0"/>
-              <a:t>StyleCop</a:t>
-            </a:r>
-            <a:r>
-              <a:rPr lang="es-MX" baseline="0" dirty="0" smtClean="0"/>
-              <a:t> y del </a:t>
-            </a:r>
-            <a:r>
-              <a:rPr lang="es-MX" baseline="0" dirty="0" err="1" smtClean="0"/>
-              <a:t>Coding</a:t>
-            </a:r>
-            <a:r>
-              <a:rPr lang="es-MX" baseline="0" dirty="0" smtClean="0"/>
-              <a:t> </a:t>
-            </a:r>
-            <a:r>
-              <a:rPr lang="es-MX" baseline="0" dirty="0" err="1" smtClean="0"/>
-              <a:t>Guidelines</a:t>
-            </a:r>
-            <a:r>
-              <a:rPr lang="es-MX" baseline="0" dirty="0" smtClean="0"/>
-              <a:t>, para su consulta y si lo desean implementarlas en sus procedimientos de calidad de software.</a:t>
-            </a:r>
+              <a:t>styleCop</a:t>
+            </a:r>
+            <a:r>
+              <a:rPr lang="es-MX" baseline="0" dirty="0" smtClean="0"/>
+              <a:t>.</a:t>
+            </a:r>
+            <a:endParaRPr lang="es-MX" dirty="0" smtClean="0"/>
           </a:p>
           <a:p>
             <a:endParaRPr lang="es-MX" dirty="0"/>
@@ -4692,7 +4598,7 @@
     </p:spTree>
     <p:extLst>
       <p:ext uri="{BB962C8B-B14F-4D97-AF65-F5344CB8AC3E}">
-        <p14:creationId xmlns:p14="http://schemas.microsoft.com/office/powerpoint/2010/main" val="3939389868"/>
+        <p14:creationId xmlns:p14="http://schemas.microsoft.com/office/powerpoint/2010/main" val="945520314"/>
       </p:ext>
     </p:extLst>
   </p:cSld>
@@ -4766,27 +4672,15 @@
             </a:pPr>
             <a:r>
               <a:rPr lang="es-MX" baseline="0" dirty="0" smtClean="0"/>
-              <a:t>Diapositivas (enviar enlace a través de Skype a los asistentes remotos)</a:t>
-            </a:r>
-          </a:p>
-          <a:p>
-            <a:pPr marL="628650" lvl="1" indent="-171450">
-              <a:buFontTx/>
-              <a:buChar char="-"/>
-            </a:pPr>
-            <a:r>
-              <a:rPr lang="es-MX" baseline="0" dirty="0" smtClean="0"/>
-              <a:t>Código fuente de prueba  (enviar enlace a los asistentes remotos)</a:t>
-            </a:r>
-          </a:p>
-          <a:p>
-            <a:pPr marL="628650" lvl="1" indent="-171450">
-              <a:buFontTx/>
-              <a:buChar char="-"/>
-            </a:pPr>
-            <a:r>
-              <a:rPr lang="es-MX" baseline="0" dirty="0" smtClean="0"/>
-              <a:t>Reglas de codificación (enviar enlace a los asistentes remotos)</a:t>
+              <a:t>Pueden acceder al repositorio en </a:t>
+            </a:r>
+            <a:r>
+              <a:rPr lang="es-MX" baseline="0" dirty="0" err="1" smtClean="0"/>
+              <a:t>github</a:t>
+            </a:r>
+            <a:r>
+              <a:rPr lang="es-MX" baseline="0" dirty="0" smtClean="0"/>
+              <a:t> (compartir el enlace en Skype)</a:t>
             </a:r>
           </a:p>
           <a:p>
@@ -4920,12 +4814,86 @@
           <a:p>
             <a:r>
               <a:rPr lang="es-MX" dirty="0" smtClean="0"/>
-              <a:t>Les</a:t>
-            </a:r>
-            <a:r>
-              <a:rPr lang="es-MX" baseline="0" dirty="0" smtClean="0"/>
-              <a:t> sugiero las siguientes lecturas adicionales para quienes quieran ahondar mas en los temas vistos en esta capacitación</a:t>
-            </a:r>
+              <a:t>Debido</a:t>
+            </a:r>
+            <a:r>
+              <a:rPr lang="es-MX" baseline="0" dirty="0" smtClean="0"/>
+              <a:t> a que el </a:t>
+            </a:r>
+            <a:r>
+              <a:rPr lang="es-MX" baseline="0" dirty="0" err="1" smtClean="0"/>
+              <a:t>ghost</a:t>
+            </a:r>
+            <a:r>
+              <a:rPr lang="es-MX" baseline="0" dirty="0" smtClean="0"/>
+              <a:t> </a:t>
+            </a:r>
+            <a:r>
+              <a:rPr lang="es-MX" baseline="0" dirty="0" err="1" smtClean="0"/>
+              <a:t>doc</a:t>
+            </a:r>
+            <a:r>
+              <a:rPr lang="es-MX" baseline="0" dirty="0" smtClean="0"/>
+              <a:t> genera la documentación XML de nuestras clases y métodos, nos ayuda a cumplir con las reglas PS2301, PS2305, PS2306 y PS2307, además de que podremos hacer uso del </a:t>
+            </a:r>
+            <a:r>
+              <a:rPr lang="es-MX" baseline="0" dirty="0" err="1" smtClean="0"/>
+              <a:t>intellisense</a:t>
+            </a:r>
+            <a:r>
+              <a:rPr lang="es-MX" baseline="0" dirty="0" smtClean="0"/>
+              <a:t> al momento de utilizar algún método.</a:t>
+            </a:r>
+          </a:p>
+          <a:p>
+            <a:endParaRPr lang="es-MX" baseline="0" dirty="0" smtClean="0"/>
+          </a:p>
+          <a:p>
+            <a:r>
+              <a:rPr lang="es-MX" baseline="0" dirty="0" smtClean="0"/>
+              <a:t>El </a:t>
+            </a:r>
+            <a:r>
+              <a:rPr lang="es-MX" baseline="0" dirty="0" err="1" smtClean="0"/>
+              <a:t>StyleCop</a:t>
+            </a:r>
+            <a:r>
+              <a:rPr lang="es-MX" baseline="0" dirty="0" smtClean="0"/>
+              <a:t> añade reglas per sé, y éstas reglas complementan a las descritas en </a:t>
+            </a:r>
+            <a:r>
+              <a:rPr lang="es-MX" baseline="0" dirty="0" err="1" smtClean="0"/>
+              <a:t>Coding</a:t>
+            </a:r>
+            <a:r>
+              <a:rPr lang="es-MX" baseline="0" dirty="0" smtClean="0"/>
+              <a:t> </a:t>
+            </a:r>
+            <a:r>
+              <a:rPr lang="es-MX" baseline="0" dirty="0" err="1" smtClean="0"/>
+              <a:t>Guidelines</a:t>
+            </a:r>
+            <a:r>
+              <a:rPr lang="es-MX" baseline="0" dirty="0" smtClean="0"/>
+              <a:t>, y debido a que e integra directamente con el </a:t>
+            </a:r>
+            <a:r>
+              <a:rPr lang="es-MX" baseline="0" dirty="0" err="1" smtClean="0"/>
+              <a:t>Code</a:t>
+            </a:r>
+            <a:r>
+              <a:rPr lang="es-MX" baseline="0" dirty="0" smtClean="0"/>
+              <a:t> </a:t>
+            </a:r>
+            <a:r>
+              <a:rPr lang="es-MX" baseline="0" dirty="0" err="1" smtClean="0"/>
+              <a:t>Analysis</a:t>
+            </a:r>
+            <a:r>
+              <a:rPr lang="es-MX" baseline="0" dirty="0" smtClean="0"/>
+              <a:t> prácticamente es transparente la integración.</a:t>
+            </a:r>
+            <a:endParaRPr lang="es-MX" dirty="0"/>
           </a:p>
         </p:txBody>
       </p:sp>
@@ -4955,7 +4923,7 @@
     </p:spTree>
     <p:extLst>
       <p:ext uri="{BB962C8B-B14F-4D97-AF65-F5344CB8AC3E}">
-        <p14:creationId xmlns:p14="http://schemas.microsoft.com/office/powerpoint/2010/main" val="4086232534"/>
+        <p14:creationId xmlns:p14="http://schemas.microsoft.com/office/powerpoint/2010/main" val="1397620572"/>
       </p:ext>
     </p:extLst>
   </p:cSld>
@@ -5009,15 +4977,133 @@
           <a:bodyPr/>
           <a:lstStyle/>
           <a:p>
-            <a:r>
-              <a:rPr lang="es-MX" dirty="0" smtClean="0"/>
-              <a:t>Si Alguien desea Realizar alguna pregunta por favor hágalo,</a:t>
-            </a:r>
-            <a:r>
-              <a:rPr lang="es-MX" baseline="0" dirty="0" smtClean="0"/>
-              <a:t> los que están remotos por favor escriban sus preguntas en el grupo de Skype.</a:t>
-            </a:r>
-            <a:endParaRPr lang="es-MX" dirty="0" smtClean="0"/>
+            <a:pPr marL="0" marR="0" indent="0" algn="l" defTabSz="914400" rtl="0" eaLnBrk="1" fontAlgn="auto" latinLnBrk="0" hangingPunct="1">
+              <a:lnSpc>
+                <a:spcPct val="100000"/>
+              </a:lnSpc>
+              <a:spcBef>
+                <a:spcPts val="0"/>
+              </a:spcBef>
+              <a:spcAft>
+                <a:spcPts val="0"/>
+              </a:spcAft>
+              <a:buClrTx/>
+              <a:buSzTx/>
+              <a:buFontTx/>
+              <a:buNone/>
+              <a:tabLst/>
+              <a:defRPr/>
+            </a:pPr>
+            <a:r>
+              <a:rPr lang="es-MX" dirty="0" smtClean="0"/>
+              <a:t>Debido</a:t>
+            </a:r>
+            <a:r>
+              <a:rPr lang="es-MX" baseline="0" dirty="0" smtClean="0"/>
+              <a:t> a que el </a:t>
+            </a:r>
+            <a:r>
+              <a:rPr lang="es-MX" baseline="0" dirty="0" err="1" smtClean="0"/>
+              <a:t>VSDocman</a:t>
+            </a:r>
+            <a:r>
+              <a:rPr lang="es-MX" baseline="0" dirty="0" smtClean="0"/>
+              <a:t> genera la documentación del proyecto, nos ayuda a cumplir con las reglas PS2301, PS2305, PS2306 y PS2307 (que también lo hace el </a:t>
+            </a:r>
+            <a:r>
+              <a:rPr lang="es-MX" baseline="0" dirty="0" err="1" smtClean="0"/>
+              <a:t>GhostDoc</a:t>
+            </a:r>
+            <a:r>
+              <a:rPr lang="es-MX" baseline="0" dirty="0" smtClean="0"/>
+              <a:t>), podemos generar la documentación de nuestro métodos y poderlos poner a disposición de los demás equipos, para que conozcan las clases que existen actualmente y mejorar así la “arquitectura” de nuestros sistemas y evitar el doble trabajo.</a:t>
+            </a:r>
+          </a:p>
+          <a:p>
+            <a:pPr marL="0" marR="0" indent="0" algn="l" defTabSz="914400" rtl="0" eaLnBrk="1" fontAlgn="auto" latinLnBrk="0" hangingPunct="1">
+              <a:lnSpc>
+                <a:spcPct val="100000"/>
+              </a:lnSpc>
+              <a:spcBef>
+                <a:spcPts val="0"/>
+              </a:spcBef>
+              <a:spcAft>
+                <a:spcPts val="0"/>
+              </a:spcAft>
+              <a:buClrTx/>
+              <a:buSzTx/>
+              <a:buFontTx/>
+              <a:buNone/>
+              <a:tabLst/>
+              <a:defRPr/>
+            </a:pPr>
+            <a:endParaRPr lang="es-MX" baseline="0" dirty="0" smtClean="0"/>
+          </a:p>
+          <a:p>
+            <a:pPr marL="0" marR="0" indent="0" algn="l" defTabSz="914400" rtl="0" eaLnBrk="1" fontAlgn="auto" latinLnBrk="0" hangingPunct="1">
+              <a:lnSpc>
+                <a:spcPct val="100000"/>
+              </a:lnSpc>
+              <a:spcBef>
+                <a:spcPts val="0"/>
+              </a:spcBef>
+              <a:spcAft>
+                <a:spcPts val="0"/>
+              </a:spcAft>
+              <a:buClrTx/>
+              <a:buSzTx/>
+              <a:buFontTx/>
+              <a:buNone/>
+              <a:tabLst/>
+              <a:defRPr/>
+            </a:pPr>
+            <a:r>
+              <a:rPr lang="es-MX" baseline="0" dirty="0" smtClean="0"/>
+              <a:t>También les proporciono un archivo de Excel, en el cual he recabado todas las reglas del </a:t>
+            </a:r>
+            <a:r>
+              <a:rPr lang="es-MX" baseline="0" dirty="0" err="1" smtClean="0"/>
+              <a:t>Code</a:t>
+            </a:r>
+            <a:r>
+              <a:rPr lang="es-MX" baseline="0" dirty="0" smtClean="0"/>
+              <a:t> </a:t>
+            </a:r>
+            <a:r>
+              <a:rPr lang="es-MX" baseline="0" dirty="0" err="1" smtClean="0"/>
+              <a:t>Analysis</a:t>
+            </a:r>
+            <a:r>
+              <a:rPr lang="es-MX" baseline="0" dirty="0" smtClean="0"/>
+              <a:t>, </a:t>
+            </a:r>
+            <a:r>
+              <a:rPr lang="es-MX" baseline="0" dirty="0" err="1" smtClean="0"/>
+              <a:t>StyleCop</a:t>
+            </a:r>
+            <a:r>
+              <a:rPr lang="es-MX" baseline="0" dirty="0" smtClean="0"/>
+              <a:t> y del </a:t>
+            </a:r>
+            <a:r>
+              <a:rPr lang="es-MX" baseline="0" dirty="0" err="1" smtClean="0"/>
+              <a:t>Coding</a:t>
+            </a:r>
+            <a:r>
+              <a:rPr lang="es-MX" baseline="0" dirty="0" smtClean="0"/>
+              <a:t> </a:t>
+            </a:r>
+            <a:r>
+              <a:rPr lang="es-MX" baseline="0" dirty="0" err="1" smtClean="0"/>
+              <a:t>Guidelines</a:t>
+            </a:r>
+            <a:r>
+              <a:rPr lang="es-MX" baseline="0" dirty="0" smtClean="0"/>
+              <a:t>, para su consulta y si lo desean implementarlas en sus procedimientos de calidad de software.</a:t>
+            </a:r>
+          </a:p>
+          <a:p>
+            <a:endParaRPr lang="es-MX" dirty="0"/>
           </a:p>
         </p:txBody>
       </p:sp>
@@ -5038,7 +5124,7 @@
           <a:p>
             <a:fld id="{79656E07-8C6A-4FBF-B48D-F1AA47D045AD}" type="slidenum">
               <a:rPr lang="es-MX" smtClean="0"/>
-              <a:t>36</a:t>
+              <a:t>35</a:t>
             </a:fld>
             <a:endParaRPr lang="es-MX"/>
           </a:p>
@@ -5047,7 +5133,7 @@
     </p:spTree>
     <p:extLst>
       <p:ext uri="{BB962C8B-B14F-4D97-AF65-F5344CB8AC3E}">
-        <p14:creationId xmlns:p14="http://schemas.microsoft.com/office/powerpoint/2010/main" val="83864989"/>
+        <p14:creationId xmlns:p14="http://schemas.microsoft.com/office/powerpoint/2010/main" val="3939389868"/>
       </p:ext>
     </p:extLst>
   </p:cSld>
@@ -5103,37 +5189,12 @@
           <a:p>
             <a:r>
               <a:rPr lang="es-MX" dirty="0" smtClean="0"/>
-              <a:t>Los invitamos a que mas tarde asistan a la capacitación de </a:t>
-            </a:r>
-            <a:r>
-              <a:rPr lang="es-MX" dirty="0" err="1" smtClean="0"/>
-              <a:t>Search</a:t>
-            </a:r>
-            <a:r>
-              <a:rPr lang="es-MX" dirty="0" smtClean="0"/>
-              <a:t> </a:t>
-            </a:r>
-            <a:r>
-              <a:rPr lang="es-MX" dirty="0" err="1" smtClean="0"/>
-              <a:t>Engine</a:t>
-            </a:r>
-            <a:r>
-              <a:rPr lang="es-MX" dirty="0" smtClean="0"/>
-              <a:t> </a:t>
-            </a:r>
-            <a:r>
-              <a:rPr lang="es-MX" dirty="0" err="1" smtClean="0"/>
-              <a:t>Optimization</a:t>
-            </a:r>
-            <a:r>
-              <a:rPr lang="es-MX" baseline="0" dirty="0" smtClean="0"/>
-              <a:t> que será impartida en Sauce 10 de 5 a 6 de la tarde, el </a:t>
-            </a:r>
-            <a:r>
-              <a:rPr lang="es-MX" baseline="0" smtClean="0"/>
-              <a:t>instructor será Juan Lozano</a:t>
-            </a:r>
-            <a:endParaRPr lang="es-MX" dirty="0"/>
+              <a:t>Les</a:t>
+            </a:r>
+            <a:r>
+              <a:rPr lang="es-MX" baseline="0" dirty="0" smtClean="0"/>
+              <a:t> sugiero las siguientes lecturas adicionales para quienes quieran ahondar mas en los temas vistos en esta capacitación</a:t>
+            </a:r>
           </a:p>
         </p:txBody>
       </p:sp>
@@ -5154,7 +5215,7 @@
           <a:p>
             <a:fld id="{79656E07-8C6A-4FBF-B48D-F1AA47D045AD}" type="slidenum">
               <a:rPr lang="es-MX" smtClean="0"/>
-              <a:t>37</a:t>
+              <a:t>36</a:t>
             </a:fld>
             <a:endParaRPr lang="es-MX"/>
           </a:p>
@@ -5163,7 +5224,7 @@
     </p:spTree>
     <p:extLst>
       <p:ext uri="{BB962C8B-B14F-4D97-AF65-F5344CB8AC3E}">
-        <p14:creationId xmlns:p14="http://schemas.microsoft.com/office/powerpoint/2010/main" val="3713764129"/>
+        <p14:creationId xmlns:p14="http://schemas.microsoft.com/office/powerpoint/2010/main" val="4086232534"/>
       </p:ext>
     </p:extLst>
   </p:cSld>
@@ -5219,29 +5280,13 @@
           <a:p>
             <a:r>
               <a:rPr lang="es-MX" dirty="0" smtClean="0"/>
-              <a:t>Síganos</a:t>
-            </a:r>
-            <a:r>
-              <a:rPr lang="es-MX" baseline="0" dirty="0" smtClean="0"/>
-              <a:t> en el canal de </a:t>
-            </a:r>
-            <a:r>
-              <a:rPr lang="es-MX" baseline="0" dirty="0" err="1" smtClean="0"/>
-              <a:t>Dotnet</a:t>
-            </a:r>
-            <a:r>
-              <a:rPr lang="es-MX" baseline="0" dirty="0" smtClean="0"/>
-              <a:t> en </a:t>
-            </a:r>
-            <a:r>
-              <a:rPr lang="es-MX" baseline="0" dirty="0" err="1" smtClean="0"/>
-              <a:t>Youtube</a:t>
-            </a:r>
-            <a:r>
-              <a:rPr lang="es-MX" baseline="0" dirty="0" smtClean="0"/>
-              <a:t> donde podrán encontrar ésta y otras capacitaciones.</a:t>
-            </a:r>
-            <a:endParaRPr lang="es-MX" dirty="0"/>
+              <a:t>Si Alguien desea Realizar alguna pregunta por favor hágalo,</a:t>
+            </a:r>
+            <a:r>
+              <a:rPr lang="es-MX" baseline="0" dirty="0" smtClean="0"/>
+              <a:t> los que están remotos por favor escriban sus preguntas en el grupo de Skype.</a:t>
+            </a:r>
+            <a:endParaRPr lang="es-MX" dirty="0" smtClean="0"/>
           </a:p>
         </p:txBody>
       </p:sp>
@@ -5271,7 +5316,7 @@
     </p:spTree>
     <p:extLst>
       <p:ext uri="{BB962C8B-B14F-4D97-AF65-F5344CB8AC3E}">
-        <p14:creationId xmlns:p14="http://schemas.microsoft.com/office/powerpoint/2010/main" val="793008026"/>
+        <p14:creationId xmlns:p14="http://schemas.microsoft.com/office/powerpoint/2010/main" val="83864989"/>
       </p:ext>
     </p:extLst>
   </p:cSld>
@@ -5327,20 +5372,37 @@
           <a:p>
             <a:r>
               <a:rPr lang="es-MX" dirty="0" smtClean="0"/>
-              <a:t>Ahora</a:t>
-            </a:r>
-            <a:r>
-              <a:rPr lang="es-MX" baseline="0" dirty="0" smtClean="0"/>
-              <a:t> mi compañera </a:t>
-            </a:r>
-            <a:r>
-              <a:rPr lang="es-MX" baseline="0" dirty="0" err="1" smtClean="0"/>
-              <a:t>brenda</a:t>
-            </a:r>
-            <a:r>
-              <a:rPr lang="es-MX" baseline="0" dirty="0" smtClean="0"/>
-              <a:t> les hará llegar la lista de asistencia a la capacitación, Favor de anotarse en la lista.</a:t>
-            </a:r>
+              <a:t>Los invitamos a que mas tarde asistan a la capacitación de </a:t>
+            </a:r>
+            <a:r>
+              <a:rPr lang="es-MX" dirty="0" err="1" smtClean="0"/>
+              <a:t>Search</a:t>
+            </a:r>
+            <a:r>
+              <a:rPr lang="es-MX" dirty="0" smtClean="0"/>
+              <a:t> </a:t>
+            </a:r>
+            <a:r>
+              <a:rPr lang="es-MX" dirty="0" err="1" smtClean="0"/>
+              <a:t>Engine</a:t>
+            </a:r>
+            <a:r>
+              <a:rPr lang="es-MX" dirty="0" smtClean="0"/>
+              <a:t> </a:t>
+            </a:r>
+            <a:r>
+              <a:rPr lang="es-MX" dirty="0" err="1" smtClean="0"/>
+              <a:t>Optimization</a:t>
+            </a:r>
+            <a:r>
+              <a:rPr lang="es-MX" baseline="0" dirty="0" smtClean="0"/>
+              <a:t> que será impartida en Sauce 10 de 5 a 6 de la tarde, el </a:t>
+            </a:r>
+            <a:r>
+              <a:rPr lang="es-MX" baseline="0" smtClean="0"/>
+              <a:t>instructor será Juan Lozano</a:t>
+            </a:r>
+            <a:endParaRPr lang="es-MX" dirty="0"/>
           </a:p>
         </p:txBody>
       </p:sp>
@@ -5370,7 +5432,7 @@
     </p:spTree>
     <p:extLst>
       <p:ext uri="{BB962C8B-B14F-4D97-AF65-F5344CB8AC3E}">
-        <p14:creationId xmlns:p14="http://schemas.microsoft.com/office/powerpoint/2010/main" val="1968143930"/>
+        <p14:creationId xmlns:p14="http://schemas.microsoft.com/office/powerpoint/2010/main" val="3713764129"/>
       </p:ext>
     </p:extLst>
   </p:cSld>
@@ -5426,21 +5488,29 @@
           <a:p>
             <a:r>
               <a:rPr lang="es-MX" dirty="0" smtClean="0"/>
-              <a:t>Ahora vienen</a:t>
-            </a:r>
-            <a:r>
-              <a:rPr lang="es-MX" baseline="0" dirty="0" smtClean="0"/>
-              <a:t> las evaluaciones, la primera es la evaluación del tema. Les paso el examen y vayan contestándolo por favor léanlo, y pongan su nombre, equipo, y la fecha de hoy.</a:t>
-            </a:r>
-          </a:p>
-          <a:p>
-            <a:endParaRPr lang="es-MX" baseline="0" dirty="0" smtClean="0"/>
-          </a:p>
-          <a:p>
-            <a:r>
-              <a:rPr lang="es-MX" baseline="0" dirty="0" smtClean="0"/>
-              <a:t>Los que están remotos, en un momento Orvelin les compartirá el archivo del examen, por favor contéstenlo y me lo envían por correo a rgonzalez@dotnet.com.mx ya que será su firma de asistencia a la capacitación.</a:t>
-            </a:r>
+              <a:t>Síganos</a:t>
+            </a:r>
+            <a:r>
+              <a:rPr lang="es-MX" baseline="0" dirty="0" smtClean="0"/>
+              <a:t> en el canal de </a:t>
+            </a:r>
+            <a:r>
+              <a:rPr lang="es-MX" baseline="0" dirty="0" err="1" smtClean="0"/>
+              <a:t>Dotnet</a:t>
+            </a:r>
+            <a:r>
+              <a:rPr lang="es-MX" baseline="0" dirty="0" smtClean="0"/>
+              <a:t> en </a:t>
+            </a:r>
+            <a:r>
+              <a:rPr lang="es-MX" baseline="0" dirty="0" err="1" smtClean="0"/>
+              <a:t>Youtube</a:t>
+            </a:r>
+            <a:r>
+              <a:rPr lang="es-MX" baseline="0" dirty="0" smtClean="0"/>
+              <a:t> donde podrán encontrar ésta y otras capacitaciones.</a:t>
+            </a:r>
+            <a:endParaRPr lang="es-MX" dirty="0"/>
           </a:p>
         </p:txBody>
       </p:sp>
@@ -5470,7 +5540,7 @@
     </p:spTree>
     <p:extLst>
       <p:ext uri="{BB962C8B-B14F-4D97-AF65-F5344CB8AC3E}">
-        <p14:creationId xmlns:p14="http://schemas.microsoft.com/office/powerpoint/2010/main" val="2244851400"/>
+        <p14:creationId xmlns:p14="http://schemas.microsoft.com/office/powerpoint/2010/main" val="793008026"/>
       </p:ext>
     </p:extLst>
   </p:cSld>
@@ -5526,16 +5596,132 @@
           <a:p>
             <a:r>
               <a:rPr lang="es-MX" dirty="0" smtClean="0"/>
-              <a:t>Ahora </a:t>
-            </a:r>
-            <a:r>
-              <a:rPr lang="es-MX" dirty="0" err="1" smtClean="0"/>
+              <a:t>Esto es todo muchas gracias por asistir,</a:t>
+            </a:r>
+            <a:r>
+              <a:rPr lang="es-MX" baseline="0" dirty="0" smtClean="0"/>
+              <a:t> Espero que haya sido de su agrado el tema que vimos hoy.</a:t>
+            </a:r>
+          </a:p>
+          <a:p>
+            <a:endParaRPr lang="es-MX" baseline="0" dirty="0" smtClean="0"/>
+          </a:p>
+          <a:p>
+            <a:r>
+              <a:rPr lang="es-MX" baseline="0" dirty="0" smtClean="0"/>
+              <a:t>Despedirse también del grupo de Skype</a:t>
+            </a:r>
+            <a:r>
+              <a:rPr lang="es-MX" baseline="0" dirty="0" smtClean="0"/>
+              <a:t>.</a:t>
+            </a:r>
+          </a:p>
+          <a:p>
+            <a:endParaRPr lang="es-MX" baseline="0" dirty="0" smtClean="0"/>
+          </a:p>
+          <a:p>
+            <a:r>
+              <a:rPr lang="es-MX" baseline="0" dirty="0" smtClean="0"/>
+              <a:t>-----</a:t>
+            </a:r>
+          </a:p>
+          <a:p>
+            <a:r>
+              <a:rPr lang="es-MX" dirty="0" smtClean="0"/>
+              <a:t>Ahora</a:t>
+            </a:r>
+            <a:r>
+              <a:rPr lang="es-MX" baseline="0" dirty="0" smtClean="0"/>
+              <a:t> mi compañera </a:t>
+            </a:r>
+            <a:r>
+              <a:rPr lang="es-MX" baseline="0" dirty="0" err="1" smtClean="0"/>
               <a:t>brenda</a:t>
             </a:r>
             <a:r>
               <a:rPr lang="es-MX" baseline="0" dirty="0" smtClean="0"/>
-              <a:t> les hará llegar la evaluación al instructor. </a:t>
-            </a:r>
+              <a:t> les hará llegar la lista de asistencia a la capacitación, Favor de anotarse en la lista.</a:t>
+            </a:r>
+          </a:p>
+          <a:p>
+            <a:endParaRPr lang="es-MX" baseline="0" dirty="0" smtClean="0"/>
+          </a:p>
+          <a:p>
+            <a:r>
+              <a:rPr lang="es-MX" baseline="0" dirty="0" err="1" smtClean="0"/>
+              <a:t>Orvelin</a:t>
+            </a:r>
+            <a:r>
+              <a:rPr lang="es-MX" baseline="0" dirty="0" smtClean="0"/>
+              <a:t> debe tomar los correos electrónicos de los asistentes por Skype, preguntar todos los nombres incluso de los que no estén conectados en sus cuentas o estén compartiendo pantalla.</a:t>
+            </a:r>
+          </a:p>
+          <a:p>
+            <a:endParaRPr lang="es-MX" baseline="0" dirty="0" smtClean="0"/>
+          </a:p>
+          <a:p>
+            <a:r>
+              <a:rPr lang="es-MX" baseline="0" dirty="0" smtClean="0"/>
+              <a:t>-----</a:t>
+            </a:r>
+          </a:p>
+          <a:p>
+            <a:r>
+              <a:rPr lang="es-MX" dirty="0" smtClean="0"/>
+              <a:t>Ahora vienen</a:t>
+            </a:r>
+            <a:r>
+              <a:rPr lang="es-MX" baseline="0" dirty="0" smtClean="0"/>
+              <a:t> las evaluaciones, la primera es la evaluación del tema. Les paso el examen y vayan contestándolo por favor léanlo, y pongan su nombre, equipo, y la fecha de hoy.</a:t>
+            </a:r>
+          </a:p>
+          <a:p>
+            <a:endParaRPr lang="es-MX" baseline="0" dirty="0" smtClean="0"/>
+          </a:p>
+          <a:p>
+            <a:pPr marL="0" marR="0" indent="0" algn="l" defTabSz="914400" rtl="0" eaLnBrk="1" fontAlgn="auto" latinLnBrk="0" hangingPunct="1">
+              <a:lnSpc>
+                <a:spcPct val="100000"/>
+              </a:lnSpc>
+              <a:spcBef>
+                <a:spcPts val="0"/>
+              </a:spcBef>
+              <a:spcAft>
+                <a:spcPts val="0"/>
+              </a:spcAft>
+              <a:buClrTx/>
+              <a:buSzTx/>
+              <a:buFontTx/>
+              <a:buNone/>
+              <a:tabLst/>
+              <a:defRPr/>
+            </a:pPr>
+            <a:r>
+              <a:rPr lang="es-MX" baseline="0" dirty="0" smtClean="0"/>
+              <a:t>Mencionar que el examen devuelto se considerará como su firma de asistencia al evento.</a:t>
+            </a:r>
+          </a:p>
+          <a:p>
+            <a:endParaRPr lang="es-MX" baseline="0" dirty="0" smtClean="0"/>
+          </a:p>
+          <a:p>
+            <a:r>
+              <a:rPr lang="es-MX" baseline="0" dirty="0" smtClean="0"/>
+              <a:t>Los que están remotos, en un momento </a:t>
+            </a:r>
+            <a:r>
+              <a:rPr lang="es-MX" baseline="0" dirty="0" err="1" smtClean="0"/>
+              <a:t>Orvelin</a:t>
+            </a:r>
+            <a:r>
+              <a:rPr lang="es-MX" baseline="0" dirty="0" smtClean="0"/>
+              <a:t> les compartirá el archivo del examen, por favor contéstenlo y me lo envían por correo a rgonzalez@dotnet.com.mx ya que será su firma de asistencia a la capacitación.</a:t>
+            </a:r>
+          </a:p>
+          <a:p>
+            <a:endParaRPr lang="es-MX" baseline="0" dirty="0" smtClean="0"/>
+          </a:p>
+          <a:p>
             <a:endParaRPr lang="es-MX" dirty="0"/>
           </a:p>
         </p:txBody>
@@ -5558,107 +5744,6 @@
             <a:fld id="{79656E07-8C6A-4FBF-B48D-F1AA47D045AD}" type="slidenum">
               <a:rPr lang="es-MX" smtClean="0"/>
               <a:t>41</a:t>
-            </a:fld>
-            <a:endParaRPr lang="es-MX"/>
-          </a:p>
-        </p:txBody>
-      </p:sp>
-    </p:spTree>
-    <p:extLst>
-      <p:ext uri="{BB962C8B-B14F-4D97-AF65-F5344CB8AC3E}">
-        <p14:creationId xmlns:p14="http://schemas.microsoft.com/office/powerpoint/2010/main" val="4038620187"/>
-      </p:ext>
-    </p:extLst>
-  </p:cSld>
-  <p:clrMapOvr>
-    <a:masterClrMapping/>
-  </p:clrMapOvr>
-</p:notes>
-</file>
-
-<file path=ppt/notesSlides/notesSlide37.xml><?xml version="1.0" encoding="utf-8"?>
-<p:notes xmlns:a="http://schemas.openxmlformats.org/drawingml/2006/main" xmlns:r="http://schemas.openxmlformats.org/officeDocument/2006/relationships" xmlns:p="http://schemas.openxmlformats.org/presentationml/2006/main">
-  <p:cSld>
-    <p:spTree>
-      <p:nvGrpSpPr>
-        <p:cNvPr id="1" name=""/>
-        <p:cNvGrpSpPr/>
-        <p:nvPr/>
-      </p:nvGrpSpPr>
-      <p:grpSpPr>
-        <a:xfrm>
-          <a:off x="0" y="0"/>
-          <a:ext cx="0" cy="0"/>
-          <a:chOff x="0" y="0"/>
-          <a:chExt cx="0" cy="0"/>
-        </a:xfrm>
-      </p:grpSpPr>
-      <p:sp>
-        <p:nvSpPr>
-          <p:cNvPr id="2" name="Marcador de imagen de diapositiva 1"/>
-          <p:cNvSpPr>
-            <a:spLocks noGrp="1" noRot="1" noChangeAspect="1"/>
-          </p:cNvSpPr>
-          <p:nvPr>
-            <p:ph type="sldImg"/>
-          </p:nvPr>
-        </p:nvSpPr>
-        <p:spPr/>
-      </p:sp>
-      <p:sp>
-        <p:nvSpPr>
-          <p:cNvPr id="3" name="Marcador de notas 2"/>
-          <p:cNvSpPr>
-            <a:spLocks noGrp="1"/>
-          </p:cNvSpPr>
-          <p:nvPr>
-            <p:ph type="body" idx="1"/>
-          </p:nvPr>
-        </p:nvSpPr>
-        <p:spPr/>
-        <p:txBody>
-          <a:bodyPr/>
-          <a:lstStyle/>
-          <a:p>
-            <a:r>
-              <a:rPr lang="es-MX" dirty="0" smtClean="0"/>
-              <a:t>Esto es todo muchas gracias por asistir,</a:t>
-            </a:r>
-            <a:r>
-              <a:rPr lang="es-MX" baseline="0" dirty="0" smtClean="0"/>
-              <a:t> Espero que haya sido de su agrado el tema que vimos hoy.</a:t>
-            </a:r>
-          </a:p>
-          <a:p>
-            <a:endParaRPr lang="es-MX" baseline="0" dirty="0" smtClean="0"/>
-          </a:p>
-          <a:p>
-            <a:r>
-              <a:rPr lang="es-MX" baseline="0" dirty="0" smtClean="0"/>
-              <a:t>Despedirse también del grupo de Skype.</a:t>
-            </a:r>
-            <a:endParaRPr lang="es-MX" dirty="0"/>
-          </a:p>
-        </p:txBody>
-      </p:sp>
-      <p:sp>
-        <p:nvSpPr>
-          <p:cNvPr id="4" name="Marcador de número de diapositiva 3"/>
-          <p:cNvSpPr>
-            <a:spLocks noGrp="1"/>
-          </p:cNvSpPr>
-          <p:nvPr>
-            <p:ph type="sldNum" sz="quarter" idx="10"/>
-          </p:nvPr>
-        </p:nvSpPr>
-        <p:spPr/>
-        <p:txBody>
-          <a:bodyPr/>
-          <a:lstStyle/>
-          <a:p>
-            <a:fld id="{79656E07-8C6A-4FBF-B48D-F1AA47D045AD}" type="slidenum">
-              <a:rPr lang="es-MX" smtClean="0"/>
-              <a:t>42</a:t>
             </a:fld>
             <a:endParaRPr lang="es-MX"/>
           </a:p>
@@ -5748,7 +5833,15 @@
           <a:p>
             <a:r>
               <a:rPr lang="es-MX" baseline="0" dirty="0" smtClean="0"/>
-              <a:t>Y poder generar documentación de calidad para que pueda ser entendida por otros desarrolladores.</a:t>
+              <a:t>Y </a:t>
+            </a:r>
+            <a:r>
+              <a:rPr lang="es-MX" baseline="0" dirty="0" smtClean="0"/>
+              <a:t>generar </a:t>
+            </a:r>
+            <a:r>
+              <a:rPr lang="es-MX" baseline="0" dirty="0" smtClean="0"/>
+              <a:t>documentación de calidad para que pueda ser entendida por otros desarrolladores.</a:t>
             </a:r>
           </a:p>
         </p:txBody>
@@ -6647,7 +6740,7 @@
           <a:p>
             <a:fld id="{A931F6B3-CD47-4206-B749-CD72DDF053C5}" type="datetime1">
               <a:rPr lang="es-MX" smtClean="0"/>
-              <a:t>25/06/2015</a:t>
+              <a:t>29/06/2015</a:t>
             </a:fld>
             <a:endParaRPr lang="es-MX"/>
           </a:p>
@@ -6824,7 +6917,7 @@
           <a:p>
             <a:fld id="{4262A572-AE7F-4219-8A85-809F99F3D4AB}" type="datetime1">
               <a:rPr lang="es-MX" smtClean="0"/>
-              <a:t>25/06/2015</a:t>
+              <a:t>29/06/2015</a:t>
             </a:fld>
             <a:endParaRPr lang="es-MX"/>
           </a:p>
@@ -7011,7 +7104,7 @@
           <a:p>
             <a:fld id="{66CCEF96-F226-45E2-8661-C840F85AD794}" type="datetime1">
               <a:rPr lang="es-MX" smtClean="0"/>
-              <a:t>25/06/2015</a:t>
+              <a:t>29/06/2015</a:t>
             </a:fld>
             <a:endParaRPr lang="es-MX"/>
           </a:p>
@@ -7593,7 +7686,7 @@
           <a:p>
             <a:fld id="{3BE41F35-ACF0-4AFC-A3BD-E390FA01F4E9}" type="datetime1">
               <a:rPr lang="es-MX" smtClean="0"/>
-              <a:t>25/06/2015</a:t>
+              <a:t>29/06/2015</a:t>
             </a:fld>
             <a:endParaRPr lang="es-MX"/>
           </a:p>
@@ -7846,7 +7939,7 @@
           <a:p>
             <a:fld id="{F365C041-78C1-4227-AB4D-D3CB30849CD7}" type="datetime1">
               <a:rPr lang="es-MX" smtClean="0"/>
-              <a:t>25/06/2015</a:t>
+              <a:t>29/06/2015</a:t>
             </a:fld>
             <a:endParaRPr lang="es-MX"/>
           </a:p>
@@ -8085,7 +8178,7 @@
           <a:p>
             <a:fld id="{FF50141E-5829-4EAD-A784-15E74668DEE3}" type="datetime1">
               <a:rPr lang="es-MX" smtClean="0"/>
-              <a:t>25/06/2015</a:t>
+              <a:t>29/06/2015</a:t>
             </a:fld>
             <a:endParaRPr lang="es-MX"/>
           </a:p>
@@ -8459,7 +8552,7 @@
           <a:p>
             <a:fld id="{6834EC11-1EB3-4D9F-AE67-17043E77293B}" type="datetime1">
               <a:rPr lang="es-MX" smtClean="0"/>
-              <a:t>25/06/2015</a:t>
+              <a:t>29/06/2015</a:t>
             </a:fld>
             <a:endParaRPr lang="es-MX"/>
           </a:p>
@@ -8584,7 +8677,7 @@
           <a:p>
             <a:fld id="{570DD216-9B8D-4C0E-9430-D53D1839839A}" type="datetime1">
               <a:rPr lang="es-MX" smtClean="0"/>
-              <a:t>25/06/2015</a:t>
+              <a:t>29/06/2015</a:t>
             </a:fld>
             <a:endParaRPr lang="es-MX"/>
           </a:p>
@@ -8679,7 +8772,7 @@
           <a:p>
             <a:fld id="{170DF641-3654-48B1-9434-E8351B0061D2}" type="datetime1">
               <a:rPr lang="es-MX" smtClean="0"/>
-              <a:t>25/06/2015</a:t>
+              <a:t>29/06/2015</a:t>
             </a:fld>
             <a:endParaRPr lang="es-MX"/>
           </a:p>
@@ -8963,7 +9056,7 @@
           <a:p>
             <a:fld id="{E9DBD98D-C158-4C20-B6CA-6E4CA0399B9F}" type="datetime1">
               <a:rPr lang="es-MX" smtClean="0"/>
-              <a:t>25/06/2015</a:t>
+              <a:t>29/06/2015</a:t>
             </a:fld>
             <a:endParaRPr lang="es-MX"/>
           </a:p>
@@ -9223,7 +9316,7 @@
           <a:p>
             <a:fld id="{B47A13A0-6790-472E-B290-3C4A6F5FCF78}" type="datetime1">
               <a:rPr lang="es-MX" smtClean="0"/>
-              <a:t>25/06/2015</a:t>
+              <a:t>29/06/2015</a:t>
             </a:fld>
             <a:endParaRPr lang="es-MX"/>
           </a:p>
@@ -9443,7 +9536,7 @@
           <a:p>
             <a:fld id="{E0646E31-55C9-4132-AFB9-E69148D303C7}" type="datetime1">
               <a:rPr lang="es-MX" smtClean="0"/>
-              <a:t>25/06/2015</a:t>
+              <a:t>29/06/2015</a:t>
             </a:fld>
             <a:endParaRPr lang="es-MX"/>
           </a:p>
@@ -10607,7 +10700,6 @@
               <a:rPr lang="es-MX" dirty="0" smtClean="0"/>
               <a:t>)</a:t>
             </a:r>
-            <a:endParaRPr lang="es-MX" dirty="0" smtClean="0"/>
           </a:p>
           <a:p>
             <a:pPr lvl="1"/>
@@ -10629,7 +10721,13 @@
               <a:rPr lang="es-ES" dirty="0" smtClean="0">
                 <a:effectLst/>
               </a:rPr>
-              <a:t>Fue propuesta por Thomas </a:t>
+              <a:t>Propuesta </a:t>
+            </a:r>
+            <a:r>
+              <a:rPr lang="es-ES" dirty="0" smtClean="0">
+                <a:effectLst/>
+              </a:rPr>
+              <a:t>por Thomas </a:t>
             </a:r>
             <a:r>
               <a:rPr lang="es-ES" dirty="0" err="1" smtClean="0">
@@ -11845,35 +11943,9 @@
             </a:r>
           </a:p>
           <a:p>
-            <a:r>
-              <a:rPr lang="es-MX" dirty="0" smtClean="0"/>
-              <a:t>3 Versiones: Free, Professional y Enterprise, las dos últimas son de paga</a:t>
-            </a:r>
-          </a:p>
-          <a:p>
-            <a:r>
-              <a:rPr lang="es-MX" dirty="0" smtClean="0"/>
-              <a:t>Se descarga </a:t>
-            </a:r>
-            <a:r>
-              <a:rPr lang="es-MX" dirty="0"/>
-              <a:t>de </a:t>
-            </a:r>
-            <a:r>
-              <a:rPr lang="es-MX" dirty="0">
-                <a:hlinkClick r:id="rId3"/>
-              </a:rPr>
-              <a:t>http://</a:t>
-            </a:r>
-            <a:r>
-              <a:rPr lang="es-MX" dirty="0" smtClean="0">
-                <a:hlinkClick r:id="rId3"/>
-              </a:rPr>
-              <a:t>submain.com/products/ghostdoc.aspx</a:t>
-            </a:r>
-            <a:endParaRPr lang="es-MX" dirty="0" smtClean="0"/>
-          </a:p>
-          <a:p>
+            <a:pPr marL="0" indent="0">
+              <a:buNone/>
+            </a:pPr>
             <a:endParaRPr lang="es-MX" dirty="0" smtClean="0"/>
           </a:p>
           <a:p>
@@ -11973,23 +12045,57 @@
           </a:p>
         </p:txBody>
       </p:sp>
+      <p:sp>
+        <p:nvSpPr>
+          <p:cNvPr id="4" name="Marcador de contenido 3"/>
+          <p:cNvSpPr>
+            <a:spLocks noGrp="1"/>
+          </p:cNvSpPr>
+          <p:nvPr>
+            <p:ph sz="quarter" idx="11"/>
+          </p:nvPr>
+        </p:nvSpPr>
+        <p:spPr/>
+        <p:txBody>
+          <a:bodyPr/>
+          <a:lstStyle/>
+          <a:p>
+            <a:r>
+              <a:rPr lang="es-MX" dirty="0"/>
+              <a:t>3 Versiones: Free, Professional y Enterprise, las dos últimas son de paga</a:t>
+            </a:r>
+          </a:p>
+          <a:p>
+            <a:r>
+              <a:rPr lang="es-MX" dirty="0"/>
+              <a:t>Se descarga de </a:t>
+            </a:r>
+            <a:r>
+              <a:rPr lang="es-MX" dirty="0">
+                <a:hlinkClick r:id="rId3"/>
+              </a:rPr>
+              <a:t>http://submain.com/products/ghostdoc.aspx</a:t>
+            </a:r>
+            <a:endParaRPr lang="es-MX" dirty="0"/>
+          </a:p>
+          <a:p>
+            <a:pPr marL="0" indent="0">
+              <a:buNone/>
+            </a:pPr>
+            <a:endParaRPr lang="es-MX" dirty="0"/>
+          </a:p>
+        </p:txBody>
+      </p:sp>
     </p:spTree>
     <p:extLst>
       <p:ext uri="{BB962C8B-B14F-4D97-AF65-F5344CB8AC3E}">
-        <p14:creationId xmlns:p14="http://schemas.microsoft.com/office/powerpoint/2010/main" val="1297199587"/>
+        <p14:creationId xmlns:p14="http://schemas.microsoft.com/office/powerpoint/2010/main" val="3479234336"/>
       </p:ext>
     </p:extLst>
   </p:cSld>
   <p:clrMapOvr>
     <a:masterClrMapping/>
   </p:clrMapOvr>
-  <p:timing>
-    <p:tnLst>
-      <p:par>
-        <p:cTn id="1" dur="indefinite" restart="never" nodeType="tmRoot"/>
-      </p:par>
-    </p:tnLst>
-  </p:timing>
 </p:sld>
 </file>
 
@@ -12012,61 +12118,63 @@
       </p:grpSpPr>
       <p:sp>
         <p:nvSpPr>
-          <p:cNvPr id="2" name="Título 2"/>
-          <p:cNvSpPr txBox="1">
-            <a:spLocks/>
-          </p:cNvSpPr>
-          <p:nvPr/>
-        </p:nvSpPr>
-        <p:spPr>
-          <a:xfrm>
-            <a:off x="196946" y="4262280"/>
-            <a:ext cx="11414494" cy="720538"/>
-          </a:xfrm>
-          <a:prstGeom prst="rect">
-            <a:avLst/>
-          </a:prstGeom>
-        </p:spPr>
-        <p:txBody>
-          <a:bodyPr/>
-          <a:lstStyle>
-            <a:lvl1pPr algn="l" defTabSz="914400" rtl="0" eaLnBrk="1" latinLnBrk="0" hangingPunct="1">
-              <a:lnSpc>
-                <a:spcPct val="90000"/>
-              </a:lnSpc>
-              <a:spcBef>
-                <a:spcPct val="0"/>
-              </a:spcBef>
-              <a:buNone/>
-              <a:defRPr sz="4400" kern="1200">
-                <a:solidFill>
-                  <a:schemeClr val="tx1"/>
-                </a:solidFill>
-                <a:latin typeface="+mj-lt"/>
-                <a:ea typeface="+mj-ea"/>
-                <a:cs typeface="+mj-cs"/>
-              </a:defRPr>
-            </a:lvl1pPr>
-          </a:lstStyle>
-          <a:p>
-            <a:r>
-              <a:rPr lang="es-MX" dirty="0" smtClean="0">
-                <a:latin typeface="Segoe UI" panose="020B0502040204020203" pitchFamily="34" charset="0"/>
-                <a:cs typeface="Segoe UI" panose="020B0502040204020203" pitchFamily="34" charset="0"/>
-              </a:rPr>
-              <a:t>Break</a:t>
-            </a:r>
-            <a:endParaRPr lang="es-MX" dirty="0">
-              <a:latin typeface="Segoe UI" panose="020B0502040204020203" pitchFamily="34" charset="0"/>
-              <a:cs typeface="Segoe UI" panose="020B0502040204020203" pitchFamily="34" charset="0"/>
-            </a:endParaRPr>
+          <p:cNvPr id="2" name="Marcador de número de diapositiva 1"/>
+          <p:cNvSpPr>
+            <a:spLocks noGrp="1"/>
+          </p:cNvSpPr>
+          <p:nvPr>
+            <p:ph type="sldNum" sz="quarter" idx="10"/>
+          </p:nvPr>
+        </p:nvSpPr>
+        <p:spPr/>
+        <p:txBody>
+          <a:bodyPr/>
+          <a:lstStyle/>
+          <a:p>
+            <a:fld id="{8D7DDB18-5849-442D-BFB1-3A1104C431EC}" type="slidenum">
+              <a:rPr lang="es-MX" smtClean="0"/>
+              <a:pPr/>
+              <a:t>19</a:t>
+            </a:fld>
+            <a:endParaRPr lang="es-MX" dirty="0"/>
+          </a:p>
+        </p:txBody>
+      </p:sp>
+      <p:sp>
+        <p:nvSpPr>
+          <p:cNvPr id="3" name="Título 2"/>
+          <p:cNvSpPr>
+            <a:spLocks noGrp="1"/>
+          </p:cNvSpPr>
+          <p:nvPr>
+            <p:ph type="title"/>
+          </p:nvPr>
+        </p:nvSpPr>
+        <p:spPr/>
+        <p:txBody>
+          <a:bodyPr/>
+          <a:lstStyle/>
+          <a:p>
+            <a:r>
+              <a:rPr lang="es-MX" dirty="0" err="1" smtClean="0"/>
+              <a:t>Ghost</a:t>
+            </a:r>
+            <a:r>
+              <a:rPr lang="es-MX" dirty="0" smtClean="0"/>
+              <a:t> </a:t>
+            </a:r>
+            <a:r>
+              <a:rPr lang="es-MX" dirty="0" err="1" smtClean="0"/>
+              <a:t>Doc</a:t>
+            </a:r>
+            <a:endParaRPr lang="es-MX" dirty="0"/>
           </a:p>
         </p:txBody>
       </p:sp>
     </p:spTree>
     <p:extLst>
       <p:ext uri="{BB962C8B-B14F-4D97-AF65-F5344CB8AC3E}">
-        <p14:creationId xmlns:p14="http://schemas.microsoft.com/office/powerpoint/2010/main" val="3398647676"/>
+        <p14:creationId xmlns:p14="http://schemas.microsoft.com/office/powerpoint/2010/main" val="1297199587"/>
       </p:ext>
     </p:extLst>
   </p:cSld>
@@ -12355,6 +12463,96 @@
 <file path=ppt/slides/slide20.xml><?xml version="1.0" encoding="utf-8"?>
 <p:sld xmlns:a="http://schemas.openxmlformats.org/drawingml/2006/main" xmlns:r="http://schemas.openxmlformats.org/officeDocument/2006/relationships" xmlns:p="http://schemas.openxmlformats.org/presentationml/2006/main">
   <p:cSld>
+    <p:spTree>
+      <p:nvGrpSpPr>
+        <p:cNvPr id="1" name=""/>
+        <p:cNvGrpSpPr/>
+        <p:nvPr/>
+      </p:nvGrpSpPr>
+      <p:grpSpPr>
+        <a:xfrm>
+          <a:off x="0" y="0"/>
+          <a:ext cx="0" cy="0"/>
+          <a:chOff x="0" y="0"/>
+          <a:chExt cx="0" cy="0"/>
+        </a:xfrm>
+      </p:grpSpPr>
+      <p:sp>
+        <p:nvSpPr>
+          <p:cNvPr id="2" name="Título 2"/>
+          <p:cNvSpPr txBox="1">
+            <a:spLocks/>
+          </p:cNvSpPr>
+          <p:nvPr/>
+        </p:nvSpPr>
+        <p:spPr>
+          <a:xfrm>
+            <a:off x="196946" y="4262280"/>
+            <a:ext cx="11414494" cy="720538"/>
+          </a:xfrm>
+          <a:prstGeom prst="rect">
+            <a:avLst/>
+          </a:prstGeom>
+        </p:spPr>
+        <p:txBody>
+          <a:bodyPr/>
+          <a:lstStyle>
+            <a:lvl1pPr algn="l" defTabSz="914400" rtl="0" eaLnBrk="1" latinLnBrk="0" hangingPunct="1">
+              <a:lnSpc>
+                <a:spcPct val="90000"/>
+              </a:lnSpc>
+              <a:spcBef>
+                <a:spcPct val="0"/>
+              </a:spcBef>
+              <a:buNone/>
+              <a:defRPr sz="4400" kern="1200">
+                <a:solidFill>
+                  <a:schemeClr val="tx1"/>
+                </a:solidFill>
+                <a:latin typeface="+mj-lt"/>
+                <a:ea typeface="+mj-ea"/>
+                <a:cs typeface="+mj-cs"/>
+              </a:defRPr>
+            </a:lvl1pPr>
+          </a:lstStyle>
+          <a:p>
+            <a:r>
+              <a:rPr lang="es-MX" dirty="0" smtClean="0">
+                <a:latin typeface="Segoe UI" panose="020B0502040204020203" pitchFamily="34" charset="0"/>
+                <a:cs typeface="Segoe UI" panose="020B0502040204020203" pitchFamily="34" charset="0"/>
+              </a:rPr>
+              <a:t>Break</a:t>
+            </a:r>
+            <a:endParaRPr lang="es-MX" dirty="0">
+              <a:latin typeface="Segoe UI" panose="020B0502040204020203" pitchFamily="34" charset="0"/>
+              <a:cs typeface="Segoe UI" panose="020B0502040204020203" pitchFamily="34" charset="0"/>
+            </a:endParaRPr>
+          </a:p>
+        </p:txBody>
+      </p:sp>
+    </p:spTree>
+    <p:extLst>
+      <p:ext uri="{BB962C8B-B14F-4D97-AF65-F5344CB8AC3E}">
+        <p14:creationId xmlns:p14="http://schemas.microsoft.com/office/powerpoint/2010/main" val="3398647676"/>
+      </p:ext>
+    </p:extLst>
+  </p:cSld>
+  <p:clrMapOvr>
+    <a:masterClrMapping/>
+  </p:clrMapOvr>
+  <p:timing>
+    <p:tnLst>
+      <p:par>
+        <p:cTn id="1" dur="indefinite" restart="never" nodeType="tmRoot"/>
+      </p:par>
+    </p:tnLst>
+  </p:timing>
+</p:sld>
+</file>
+
+<file path=ppt/slides/slide21.xml><?xml version="1.0" encoding="utf-8"?>
+<p:sld xmlns:a="http://schemas.openxmlformats.org/drawingml/2006/main" xmlns:r="http://schemas.openxmlformats.org/officeDocument/2006/relationships" xmlns:p="http://schemas.openxmlformats.org/presentationml/2006/main">
+  <p:cSld>
     <p:bg>
       <p:bgPr>
         <a:solidFill>
@@ -12395,7 +12593,7 @@
             <a:fld id="{8D7DDB18-5849-442D-BFB1-3A1104C431EC}" type="slidenum">
               <a:rPr lang="es-MX" smtClean="0"/>
               <a:pPr/>
-              <a:t>20</a:t>
+              <a:t>21</a:t>
             </a:fld>
             <a:endParaRPr lang="es-MX" dirty="0"/>
           </a:p>
@@ -12457,251 +12655,6 @@
     <p:extLst>
       <p:ext uri="{BB962C8B-B14F-4D97-AF65-F5344CB8AC3E}">
         <p14:creationId xmlns:p14="http://schemas.microsoft.com/office/powerpoint/2010/main" val="2973510816"/>
-      </p:ext>
-    </p:extLst>
-  </p:cSld>
-  <p:clrMapOvr>
-    <a:masterClrMapping/>
-  </p:clrMapOvr>
-  <p:timing>
-    <p:tnLst>
-      <p:par>
-        <p:cTn id="1" dur="indefinite" restart="never" nodeType="tmRoot"/>
-      </p:par>
-    </p:tnLst>
-  </p:timing>
-</p:sld>
-</file>
-
-<file path=ppt/slides/slide21.xml><?xml version="1.0" encoding="utf-8"?>
-<p:sld xmlns:a="http://schemas.openxmlformats.org/drawingml/2006/main" xmlns:r="http://schemas.openxmlformats.org/officeDocument/2006/relationships" xmlns:p="http://schemas.openxmlformats.org/presentationml/2006/main">
-  <p:cSld>
-    <p:spTree>
-      <p:nvGrpSpPr>
-        <p:cNvPr id="1" name=""/>
-        <p:cNvGrpSpPr/>
-        <p:nvPr/>
-      </p:nvGrpSpPr>
-      <p:grpSpPr>
-        <a:xfrm>
-          <a:off x="0" y="0"/>
-          <a:ext cx="0" cy="0"/>
-          <a:chOff x="0" y="0"/>
-          <a:chExt cx="0" cy="0"/>
-        </a:xfrm>
-      </p:grpSpPr>
-      <p:sp>
-        <p:nvSpPr>
-          <p:cNvPr id="2" name="Marcador de número de diapositiva 1"/>
-          <p:cNvSpPr>
-            <a:spLocks noGrp="1"/>
-          </p:cNvSpPr>
-          <p:nvPr>
-            <p:ph type="sldNum" sz="quarter" idx="10"/>
-          </p:nvPr>
-        </p:nvSpPr>
-        <p:spPr/>
-        <p:txBody>
-          <a:bodyPr/>
-          <a:lstStyle/>
-          <a:p>
-            <a:fld id="{8D7DDB18-5849-442D-BFB1-3A1104C431EC}" type="slidenum">
-              <a:rPr lang="es-MX" smtClean="0"/>
-              <a:pPr/>
-              <a:t>21</a:t>
-            </a:fld>
-            <a:endParaRPr lang="es-MX" dirty="0"/>
-          </a:p>
-        </p:txBody>
-      </p:sp>
-      <p:sp>
-        <p:nvSpPr>
-          <p:cNvPr id="3" name="Título 2"/>
-          <p:cNvSpPr>
-            <a:spLocks noGrp="1"/>
-          </p:cNvSpPr>
-          <p:nvPr>
-            <p:ph type="title"/>
-          </p:nvPr>
-        </p:nvSpPr>
-        <p:spPr/>
-        <p:txBody>
-          <a:bodyPr/>
-          <a:lstStyle/>
-          <a:p>
-            <a:r>
-              <a:rPr lang="es-MX" dirty="0" smtClean="0"/>
-              <a:t>Style </a:t>
-            </a:r>
-            <a:r>
-              <a:rPr lang="es-MX" dirty="0" err="1" smtClean="0"/>
-              <a:t>Cop</a:t>
-            </a:r>
-            <a:endParaRPr lang="es-MX" dirty="0"/>
-          </a:p>
-        </p:txBody>
-      </p:sp>
-      <p:sp>
-        <p:nvSpPr>
-          <p:cNvPr id="4" name="Marcador de contenido 3"/>
-          <p:cNvSpPr>
-            <a:spLocks noGrp="1"/>
-          </p:cNvSpPr>
-          <p:nvPr>
-            <p:ph sz="quarter" idx="11"/>
-          </p:nvPr>
-        </p:nvSpPr>
-        <p:spPr/>
-        <p:txBody>
-          <a:bodyPr/>
-          <a:lstStyle/>
-          <a:p>
-            <a:r>
-              <a:rPr lang="es-MX" dirty="0" smtClean="0"/>
-              <a:t>Definir directrices para aplicar un estilo y formato de codificación coherentes para ayudar a los desarrolladores a evitar errores comunes.</a:t>
-            </a:r>
-          </a:p>
-          <a:p>
-            <a:r>
-              <a:rPr lang="es-MX" dirty="0" smtClean="0"/>
-              <a:t>Distintos estilos de codificación, incluso dentro de un mismo producto, o peor aún, dentro de un mismo archivo de código fuente.</a:t>
-            </a:r>
-          </a:p>
-          <a:p>
-            <a:r>
-              <a:rPr lang="es-MX" dirty="0" err="1" smtClean="0"/>
-              <a:t>StyleCop</a:t>
-            </a:r>
-            <a:r>
-              <a:rPr lang="es-MX" dirty="0" smtClean="0"/>
-              <a:t> fue escrito originalmente para proveer una forma simple y eficiente para asegurar un estilo y formatos de codificación comunes dentro de Microsoft.</a:t>
-            </a:r>
-          </a:p>
-          <a:p>
-            <a:r>
-              <a:rPr lang="es-MX" dirty="0" smtClean="0"/>
-              <a:t>Complemento para el </a:t>
-            </a:r>
-            <a:r>
-              <a:rPr lang="es-MX" dirty="0" err="1" smtClean="0"/>
-              <a:t>Code</a:t>
-            </a:r>
-            <a:r>
-              <a:rPr lang="es-MX" dirty="0" smtClean="0"/>
-              <a:t> </a:t>
-            </a:r>
-            <a:r>
-              <a:rPr lang="es-MX" dirty="0" err="1" smtClean="0"/>
-              <a:t>Analysis</a:t>
-            </a:r>
-            <a:endParaRPr lang="es-MX" dirty="0" smtClean="0"/>
-          </a:p>
-          <a:p>
-            <a:r>
-              <a:rPr lang="es-MX" dirty="0" smtClean="0"/>
-              <a:t>SDK propio para escribir sus propias reglas o extender las existentes o a través de un </a:t>
-            </a:r>
-            <a:r>
-              <a:rPr lang="es-MX" dirty="0" err="1" smtClean="0"/>
-              <a:t>add</a:t>
-            </a:r>
-            <a:r>
-              <a:rPr lang="es-MX" dirty="0" smtClean="0"/>
-              <a:t>-in disponible en</a:t>
-            </a:r>
-            <a:r>
-              <a:rPr lang="en-US" dirty="0" smtClean="0"/>
-              <a:t>: </a:t>
-            </a:r>
-            <a:r>
-              <a:rPr lang="en-US" dirty="0" smtClean="0">
-                <a:hlinkClick r:id="rId3"/>
-              </a:rPr>
-              <a:t>https</a:t>
-            </a:r>
-            <a:r>
-              <a:rPr lang="en-US" dirty="0">
-                <a:hlinkClick r:id="rId3"/>
-              </a:rPr>
-              <a:t>://stylecopplus.codeplex.com</a:t>
-            </a:r>
-            <a:r>
-              <a:rPr lang="en-US" dirty="0" smtClean="0">
-                <a:hlinkClick r:id="rId3"/>
-              </a:rPr>
-              <a:t>/</a:t>
-            </a:r>
-            <a:endParaRPr lang="en-US" dirty="0" smtClean="0"/>
-          </a:p>
-          <a:p>
-            <a:r>
-              <a:rPr lang="es-MX" dirty="0" smtClean="0"/>
-              <a:t>Se </a:t>
-            </a:r>
-            <a:r>
-              <a:rPr lang="es-MX" dirty="0"/>
-              <a:t>puede </a:t>
-            </a:r>
-            <a:r>
-              <a:rPr lang="es-MX" dirty="0" smtClean="0"/>
-              <a:t>descargar:</a:t>
-            </a:r>
-          </a:p>
-          <a:p>
-            <a:pPr lvl="1"/>
-            <a:r>
-              <a:rPr lang="es-MX" dirty="0" smtClean="0"/>
-              <a:t>Entrando a </a:t>
-            </a:r>
-            <a:r>
-              <a:rPr lang="es-MX" dirty="0" smtClean="0">
-                <a:hlinkClick r:id="rId4"/>
-              </a:rPr>
-              <a:t>https</a:t>
-            </a:r>
-            <a:r>
-              <a:rPr lang="es-MX" dirty="0">
-                <a:hlinkClick r:id="rId4"/>
-              </a:rPr>
-              <a:t>://stylecop.codeplex.com</a:t>
-            </a:r>
-            <a:r>
-              <a:rPr lang="es-MX" dirty="0" smtClean="0">
-                <a:hlinkClick r:id="rId4"/>
-              </a:rPr>
-              <a:t>/</a:t>
-            </a:r>
-            <a:endParaRPr lang="es-MX" dirty="0" smtClean="0"/>
-          </a:p>
-          <a:p>
-            <a:pPr lvl="1"/>
-            <a:r>
-              <a:rPr lang="es-MX" dirty="0"/>
-              <a:t>En VS en el menú Herramientas -&gt; Extensiones y actualizaciones -&gt; Buscar </a:t>
-            </a:r>
-            <a:r>
-              <a:rPr lang="es-MX" dirty="0" smtClean="0"/>
-              <a:t>Style </a:t>
-            </a:r>
-            <a:r>
-              <a:rPr lang="es-MX" dirty="0" err="1" smtClean="0"/>
-              <a:t>Cop</a:t>
-            </a:r>
-            <a:endParaRPr lang="es-MX" dirty="0"/>
-          </a:p>
-          <a:p>
-            <a:pPr lvl="1"/>
-            <a:endParaRPr lang="es-MX" dirty="0" smtClean="0"/>
-          </a:p>
-          <a:p>
-            <a:endParaRPr lang="es-MX" dirty="0"/>
-          </a:p>
-        </p:txBody>
-      </p:sp>
-    </p:spTree>
-    <p:extLst>
-      <p:ext uri="{BB962C8B-B14F-4D97-AF65-F5344CB8AC3E}">
-        <p14:creationId xmlns:p14="http://schemas.microsoft.com/office/powerpoint/2010/main" val="1008149856"/>
       </p:ext>
     </p:extLst>
   </p:cSld>
@@ -12803,94 +12756,142 @@
           <a:p>
             <a:r>
               <a:rPr lang="es-MX" dirty="0" smtClean="0"/>
-              <a:t>Agrega reglas de:</a:t>
+              <a:t>Definir directrices para aplicar un estilo y formato de codificación coherentes para ayudar a los desarrolladores a evitar errores comunes.</a:t>
+            </a:r>
+          </a:p>
+          <a:p>
+            <a:r>
+              <a:rPr lang="es-MX" dirty="0" smtClean="0"/>
+              <a:t>Distintos estilos de codificación, incluso dentro de un mismo producto, o peor aún, dentro de un mismo archivo de código fuente.</a:t>
+            </a:r>
+          </a:p>
+          <a:p>
+            <a:r>
+              <a:rPr lang="es-MX" dirty="0" err="1" smtClean="0"/>
+              <a:t>StyleCop</a:t>
+            </a:r>
+            <a:r>
+              <a:rPr lang="es-MX" dirty="0" smtClean="0"/>
+              <a:t> fue escrito originalmente para proveer una forma simple y eficiente para asegurar un estilo y formatos de codificación comunes dentro de Microsoft.</a:t>
+            </a:r>
+          </a:p>
+          <a:p>
+            <a:r>
+              <a:rPr lang="es-MX" dirty="0" smtClean="0"/>
+              <a:t>Complemento para el </a:t>
+            </a:r>
+            <a:r>
+              <a:rPr lang="es-MX" dirty="0" err="1" smtClean="0"/>
+              <a:t>Code</a:t>
+            </a:r>
+            <a:r>
+              <a:rPr lang="es-MX" dirty="0" smtClean="0"/>
+              <a:t> </a:t>
+            </a:r>
+            <a:r>
+              <a:rPr lang="es-MX" dirty="0" err="1" smtClean="0"/>
+              <a:t>Analysis</a:t>
+            </a:r>
+            <a:endParaRPr lang="es-MX" dirty="0" smtClean="0"/>
+          </a:p>
+          <a:p>
+            <a:r>
+              <a:rPr lang="es-MX" dirty="0" smtClean="0"/>
+              <a:t>SDK propio para escribir sus propias reglas o extender las existentes o a través de un </a:t>
+            </a:r>
+            <a:r>
+              <a:rPr lang="es-MX" dirty="0" err="1" smtClean="0"/>
+              <a:t>add</a:t>
+            </a:r>
+            <a:r>
+              <a:rPr lang="es-MX" dirty="0" smtClean="0"/>
+              <a:t>-in disponible en</a:t>
+            </a:r>
+            <a:r>
+              <a:rPr lang="en-US" dirty="0" smtClean="0"/>
+              <a:t>: </a:t>
+            </a:r>
+            <a:r>
+              <a:rPr lang="en-US" dirty="0" smtClean="0">
+                <a:hlinkClick r:id="rId3"/>
+              </a:rPr>
+              <a:t>https</a:t>
+            </a:r>
+            <a:r>
+              <a:rPr lang="en-US" dirty="0">
+                <a:hlinkClick r:id="rId3"/>
+              </a:rPr>
+              <a:t>://stylecopplus.codeplex.com</a:t>
+            </a:r>
+            <a:r>
+              <a:rPr lang="en-US" dirty="0" smtClean="0">
+                <a:hlinkClick r:id="rId3"/>
+              </a:rPr>
+              <a:t>/</a:t>
+            </a:r>
+            <a:endParaRPr lang="en-US" dirty="0" smtClean="0"/>
+          </a:p>
+          <a:p>
+            <a:r>
+              <a:rPr lang="es-MX" dirty="0" smtClean="0"/>
+              <a:t>Se </a:t>
+            </a:r>
+            <a:r>
+              <a:rPr lang="es-MX" dirty="0"/>
+              <a:t>puede </a:t>
+            </a:r>
+            <a:r>
+              <a:rPr lang="es-MX" dirty="0" smtClean="0"/>
+              <a:t>descargar:</a:t>
             </a:r>
           </a:p>
           <a:p>
             <a:pPr lvl="1"/>
             <a:r>
               <a:rPr lang="es-MX" dirty="0" smtClean="0"/>
-              <a:t>Documentación</a:t>
-            </a:r>
+              <a:t>Entrando a </a:t>
+            </a:r>
+            <a:r>
+              <a:rPr lang="es-MX" dirty="0" smtClean="0">
+                <a:hlinkClick r:id="rId4"/>
+              </a:rPr>
+              <a:t>https</a:t>
+            </a:r>
+            <a:r>
+              <a:rPr lang="es-MX" dirty="0">
+                <a:hlinkClick r:id="rId4"/>
+              </a:rPr>
+              <a:t>://stylecop.codeplex.com</a:t>
+            </a:r>
+            <a:r>
+              <a:rPr lang="es-MX" dirty="0" smtClean="0">
+                <a:hlinkClick r:id="rId4"/>
+              </a:rPr>
+              <a:t>/</a:t>
+            </a:r>
+            <a:endParaRPr lang="es-MX" dirty="0" smtClean="0"/>
           </a:p>
           <a:p>
             <a:pPr lvl="1"/>
             <a:r>
+              <a:rPr lang="es-MX" dirty="0"/>
+              <a:t>En VS en el menú Herramientas -&gt; Extensiones y actualizaciones -&gt; Buscar </a:t>
+            </a:r>
+            <a:r>
+              <a:rPr lang="es-MX" dirty="0" smtClean="0"/>
+              <a:t>Style </a:t>
+            </a:r>
+            <a:r>
               <a:rPr lang="es-MX" dirty="0" err="1" smtClean="0"/>
-              <a:t>Layout</a:t>
-            </a:r>
+              <a:t>Cop</a:t>
+            </a:r>
+            <a:endParaRPr lang="es-MX" dirty="0"/>
+          </a:p>
+          <a:p>
+            <a:pPr lvl="1"/>
             <a:endParaRPr lang="es-MX" dirty="0" smtClean="0"/>
           </a:p>
           <a:p>
-            <a:pPr lvl="1"/>
-            <a:r>
-              <a:rPr lang="es-MX" dirty="0" smtClean="0"/>
-              <a:t>Mantenibilidad</a:t>
-            </a:r>
-          </a:p>
-          <a:p>
-            <a:pPr lvl="1"/>
-            <a:r>
-              <a:rPr lang="es-MX" dirty="0" smtClean="0"/>
-              <a:t>Nombramiento (</a:t>
-            </a:r>
-            <a:r>
-              <a:rPr lang="es-MX" dirty="0" err="1" smtClean="0"/>
-              <a:t>Naming</a:t>
-            </a:r>
-            <a:r>
-              <a:rPr lang="es-MX" dirty="0" smtClean="0"/>
-              <a:t>)</a:t>
-            </a:r>
-          </a:p>
-          <a:p>
-            <a:pPr lvl="1"/>
-            <a:r>
-              <a:rPr lang="es-MX" dirty="0" smtClean="0"/>
-              <a:t>Ordenación</a:t>
-            </a:r>
-          </a:p>
-          <a:p>
-            <a:pPr lvl="1"/>
-            <a:r>
-              <a:rPr lang="es-MX" dirty="0" smtClean="0"/>
-              <a:t>Legibilidad (</a:t>
-            </a:r>
-            <a:r>
-              <a:rPr lang="es-MX" dirty="0" err="1" smtClean="0"/>
-              <a:t>Readability</a:t>
-            </a:r>
-            <a:r>
-              <a:rPr lang="es-MX" dirty="0" smtClean="0"/>
-              <a:t>)</a:t>
-            </a:r>
-          </a:p>
-          <a:p>
-            <a:pPr lvl="1"/>
-            <a:r>
-              <a:rPr lang="es-MX" dirty="0" smtClean="0"/>
-              <a:t>Espaciado</a:t>
-            </a:r>
-          </a:p>
-          <a:p>
-            <a:r>
-              <a:rPr lang="es-MX" dirty="0" smtClean="0"/>
-              <a:t>Lamentablemente el </a:t>
-            </a:r>
-            <a:r>
-              <a:rPr lang="es-MX" dirty="0" err="1" smtClean="0"/>
-              <a:t>spellchecker</a:t>
-            </a:r>
-            <a:r>
-              <a:rPr lang="es-MX" dirty="0" smtClean="0"/>
-              <a:t> únicamente reconoce el idioma inglés. Deshabilitar la regla SA1650. </a:t>
-            </a:r>
-          </a:p>
-          <a:p>
-            <a:r>
-              <a:rPr lang="es-MX" dirty="0" smtClean="0"/>
-              <a:t>Se pueden deshabilitar reglas a través de la configuración o directamente en código. </a:t>
-            </a:r>
             <a:endParaRPr lang="es-MX" dirty="0"/>
           </a:p>
         </p:txBody>
@@ -12898,7 +12899,7 @@
     </p:spTree>
     <p:extLst>
       <p:ext uri="{BB962C8B-B14F-4D97-AF65-F5344CB8AC3E}">
-        <p14:creationId xmlns:p14="http://schemas.microsoft.com/office/powerpoint/2010/main" val="1314542910"/>
+        <p14:creationId xmlns:p14="http://schemas.microsoft.com/office/powerpoint/2010/main" val="1008149856"/>
       </p:ext>
     </p:extLst>
   </p:cSld>
@@ -12983,6 +12984,203 @@
           </a:p>
         </p:txBody>
       </p:sp>
+      <p:sp>
+        <p:nvSpPr>
+          <p:cNvPr id="4" name="Marcador de contenido 3"/>
+          <p:cNvSpPr>
+            <a:spLocks noGrp="1"/>
+          </p:cNvSpPr>
+          <p:nvPr>
+            <p:ph sz="quarter" idx="11"/>
+          </p:nvPr>
+        </p:nvSpPr>
+        <p:spPr/>
+        <p:txBody>
+          <a:bodyPr/>
+          <a:lstStyle/>
+          <a:p>
+            <a:r>
+              <a:rPr lang="es-MX" dirty="0" smtClean="0"/>
+              <a:t>Agrega reglas de:</a:t>
+            </a:r>
+          </a:p>
+          <a:p>
+            <a:pPr lvl="1"/>
+            <a:r>
+              <a:rPr lang="es-MX" dirty="0" smtClean="0"/>
+              <a:t>Documentación</a:t>
+            </a:r>
+          </a:p>
+          <a:p>
+            <a:pPr lvl="1"/>
+            <a:r>
+              <a:rPr lang="es-MX" dirty="0" err="1" smtClean="0"/>
+              <a:t>Layout</a:t>
+            </a:r>
+            <a:endParaRPr lang="es-MX" dirty="0" smtClean="0"/>
+          </a:p>
+          <a:p>
+            <a:pPr lvl="1"/>
+            <a:r>
+              <a:rPr lang="es-MX" dirty="0" smtClean="0"/>
+              <a:t>Mantenibilidad</a:t>
+            </a:r>
+          </a:p>
+          <a:p>
+            <a:pPr lvl="1"/>
+            <a:r>
+              <a:rPr lang="es-MX" dirty="0" smtClean="0"/>
+              <a:t>Nombramiento (</a:t>
+            </a:r>
+            <a:r>
+              <a:rPr lang="es-MX" dirty="0" err="1" smtClean="0"/>
+              <a:t>Naming</a:t>
+            </a:r>
+            <a:r>
+              <a:rPr lang="es-MX" dirty="0" smtClean="0"/>
+              <a:t>)</a:t>
+            </a:r>
+          </a:p>
+          <a:p>
+            <a:pPr lvl="1"/>
+            <a:r>
+              <a:rPr lang="es-MX" dirty="0" smtClean="0"/>
+              <a:t>Ordenación</a:t>
+            </a:r>
+          </a:p>
+          <a:p>
+            <a:pPr lvl="1"/>
+            <a:r>
+              <a:rPr lang="es-MX" dirty="0" smtClean="0"/>
+              <a:t>Legibilidad (</a:t>
+            </a:r>
+            <a:r>
+              <a:rPr lang="es-MX" dirty="0" err="1" smtClean="0"/>
+              <a:t>Readability</a:t>
+            </a:r>
+            <a:r>
+              <a:rPr lang="es-MX" dirty="0" smtClean="0"/>
+              <a:t>)</a:t>
+            </a:r>
+          </a:p>
+          <a:p>
+            <a:pPr lvl="1"/>
+            <a:r>
+              <a:rPr lang="es-MX" dirty="0" smtClean="0"/>
+              <a:t>Espaciado</a:t>
+            </a:r>
+          </a:p>
+          <a:p>
+            <a:r>
+              <a:rPr lang="es-MX" dirty="0" smtClean="0"/>
+              <a:t>Lamentablemente el </a:t>
+            </a:r>
+            <a:r>
+              <a:rPr lang="es-MX" dirty="0" err="1" smtClean="0"/>
+              <a:t>spellchecker</a:t>
+            </a:r>
+            <a:r>
+              <a:rPr lang="es-MX" dirty="0" smtClean="0"/>
+              <a:t> únicamente reconoce el idioma inglés. Deshabilitar la regla SA1650. </a:t>
+            </a:r>
+          </a:p>
+          <a:p>
+            <a:r>
+              <a:rPr lang="es-MX" dirty="0" smtClean="0"/>
+              <a:t>Se pueden deshabilitar reglas a través de la configuración o directamente en código. </a:t>
+            </a:r>
+            <a:endParaRPr lang="es-MX" dirty="0"/>
+          </a:p>
+        </p:txBody>
+      </p:sp>
+    </p:spTree>
+    <p:extLst>
+      <p:ext uri="{BB962C8B-B14F-4D97-AF65-F5344CB8AC3E}">
+        <p14:creationId xmlns:p14="http://schemas.microsoft.com/office/powerpoint/2010/main" val="1314542910"/>
+      </p:ext>
+    </p:extLst>
+  </p:cSld>
+  <p:clrMapOvr>
+    <a:masterClrMapping/>
+  </p:clrMapOvr>
+  <p:timing>
+    <p:tnLst>
+      <p:par>
+        <p:cTn id="1" dur="indefinite" restart="never" nodeType="tmRoot"/>
+      </p:par>
+    </p:tnLst>
+  </p:timing>
+</p:sld>
+</file>
+
+<file path=ppt/slides/slide24.xml><?xml version="1.0" encoding="utf-8"?>
+<p:sld xmlns:a="http://schemas.openxmlformats.org/drawingml/2006/main" xmlns:r="http://schemas.openxmlformats.org/officeDocument/2006/relationships" xmlns:p="http://schemas.openxmlformats.org/presentationml/2006/main">
+  <p:cSld>
+    <p:spTree>
+      <p:nvGrpSpPr>
+        <p:cNvPr id="1" name=""/>
+        <p:cNvGrpSpPr/>
+        <p:nvPr/>
+      </p:nvGrpSpPr>
+      <p:grpSpPr>
+        <a:xfrm>
+          <a:off x="0" y="0"/>
+          <a:ext cx="0" cy="0"/>
+          <a:chOff x="0" y="0"/>
+          <a:chExt cx="0" cy="0"/>
+        </a:xfrm>
+      </p:grpSpPr>
+      <p:sp>
+        <p:nvSpPr>
+          <p:cNvPr id="2" name="Marcador de número de diapositiva 1"/>
+          <p:cNvSpPr>
+            <a:spLocks noGrp="1"/>
+          </p:cNvSpPr>
+          <p:nvPr>
+            <p:ph type="sldNum" sz="quarter" idx="10"/>
+          </p:nvPr>
+        </p:nvSpPr>
+        <p:spPr/>
+        <p:txBody>
+          <a:bodyPr/>
+          <a:lstStyle/>
+          <a:p>
+            <a:fld id="{8D7DDB18-5849-442D-BFB1-3A1104C431EC}" type="slidenum">
+              <a:rPr lang="es-MX" smtClean="0"/>
+              <a:pPr/>
+              <a:t>24</a:t>
+            </a:fld>
+            <a:endParaRPr lang="es-MX" dirty="0"/>
+          </a:p>
+        </p:txBody>
+      </p:sp>
+      <p:sp>
+        <p:nvSpPr>
+          <p:cNvPr id="3" name="Título 2"/>
+          <p:cNvSpPr>
+            <a:spLocks noGrp="1"/>
+          </p:cNvSpPr>
+          <p:nvPr>
+            <p:ph type="title"/>
+          </p:nvPr>
+        </p:nvSpPr>
+        <p:spPr/>
+        <p:txBody>
+          <a:bodyPr/>
+          <a:lstStyle/>
+          <a:p>
+            <a:r>
+              <a:rPr lang="es-MX" dirty="0" smtClean="0"/>
+              <a:t>Style </a:t>
+            </a:r>
+            <a:r>
+              <a:rPr lang="es-MX" dirty="0" err="1" smtClean="0"/>
+              <a:t>Cop</a:t>
+            </a:r>
+            <a:endParaRPr lang="es-MX" dirty="0"/>
+          </a:p>
+        </p:txBody>
+      </p:sp>
     </p:spTree>
     <p:extLst>
       <p:ext uri="{BB962C8B-B14F-4D97-AF65-F5344CB8AC3E}">
@@ -13003,7 +13201,7 @@
 </p:sld>
 </file>
 
-<file path=ppt/slides/slide24.xml><?xml version="1.0" encoding="utf-8"?>
+<file path=ppt/slides/slide25.xml><?xml version="1.0" encoding="utf-8"?>
 <p:sld xmlns:a="http://schemas.openxmlformats.org/drawingml/2006/main" xmlns:r="http://schemas.openxmlformats.org/officeDocument/2006/relationships" xmlns:p="http://schemas.openxmlformats.org/presentationml/2006/main">
   <p:cSld>
     <p:bg>
@@ -13046,7 +13244,7 @@
             <a:fld id="{8D7DDB18-5849-442D-BFB1-3A1104C431EC}" type="slidenum">
               <a:rPr lang="es-MX" smtClean="0"/>
               <a:pPr/>
-              <a:t>24</a:t>
+              <a:t>25</a:t>
             </a:fld>
             <a:endParaRPr lang="es-MX" dirty="0"/>
           </a:p>
@@ -13098,242 +13296,6 @@
     <p:extLst>
       <p:ext uri="{BB962C8B-B14F-4D97-AF65-F5344CB8AC3E}">
         <p14:creationId xmlns:p14="http://schemas.microsoft.com/office/powerpoint/2010/main" val="2488400830"/>
-      </p:ext>
-    </p:extLst>
-  </p:cSld>
-  <p:clrMapOvr>
-    <a:masterClrMapping/>
-  </p:clrMapOvr>
-  <p:timing>
-    <p:tnLst>
-      <p:par>
-        <p:cTn id="1" dur="indefinite" restart="never" nodeType="tmRoot"/>
-      </p:par>
-    </p:tnLst>
-  </p:timing>
-</p:sld>
-</file>
-
-<file path=ppt/slides/slide25.xml><?xml version="1.0" encoding="utf-8"?>
-<p:sld xmlns:a="http://schemas.openxmlformats.org/drawingml/2006/main" xmlns:r="http://schemas.openxmlformats.org/officeDocument/2006/relationships" xmlns:p="http://schemas.openxmlformats.org/presentationml/2006/main">
-  <p:cSld>
-    <p:spTree>
-      <p:nvGrpSpPr>
-        <p:cNvPr id="1" name=""/>
-        <p:cNvGrpSpPr/>
-        <p:nvPr/>
-      </p:nvGrpSpPr>
-      <p:grpSpPr>
-        <a:xfrm>
-          <a:off x="0" y="0"/>
-          <a:ext cx="0" cy="0"/>
-          <a:chOff x="0" y="0"/>
-          <a:chExt cx="0" cy="0"/>
-        </a:xfrm>
-      </p:grpSpPr>
-      <p:sp>
-        <p:nvSpPr>
-          <p:cNvPr id="2" name="Marcador de número de diapositiva 1"/>
-          <p:cNvSpPr>
-            <a:spLocks noGrp="1"/>
-          </p:cNvSpPr>
-          <p:nvPr>
-            <p:ph type="sldNum" sz="quarter" idx="10"/>
-          </p:nvPr>
-        </p:nvSpPr>
-        <p:spPr/>
-        <p:txBody>
-          <a:bodyPr/>
-          <a:lstStyle/>
-          <a:p>
-            <a:fld id="{8D7DDB18-5849-442D-BFB1-3A1104C431EC}" type="slidenum">
-              <a:rPr lang="es-MX" smtClean="0"/>
-              <a:pPr/>
-              <a:t>25</a:t>
-            </a:fld>
-            <a:endParaRPr lang="es-MX" dirty="0"/>
-          </a:p>
-        </p:txBody>
-      </p:sp>
-      <p:sp>
-        <p:nvSpPr>
-          <p:cNvPr id="3" name="Título 2"/>
-          <p:cNvSpPr>
-            <a:spLocks noGrp="1"/>
-          </p:cNvSpPr>
-          <p:nvPr>
-            <p:ph type="title"/>
-          </p:nvPr>
-        </p:nvSpPr>
-        <p:spPr/>
-        <p:txBody>
-          <a:bodyPr/>
-          <a:lstStyle/>
-          <a:p>
-            <a:r>
-              <a:rPr lang="es-MX" dirty="0" err="1" smtClean="0"/>
-              <a:t>VSDocman</a:t>
-            </a:r>
-            <a:endParaRPr lang="es-MX" dirty="0"/>
-          </a:p>
-        </p:txBody>
-      </p:sp>
-      <p:sp>
-        <p:nvSpPr>
-          <p:cNvPr id="4" name="Marcador de contenido 3"/>
-          <p:cNvSpPr>
-            <a:spLocks noGrp="1"/>
-          </p:cNvSpPr>
-          <p:nvPr>
-            <p:ph sz="quarter" idx="11"/>
-          </p:nvPr>
-        </p:nvSpPr>
-        <p:spPr/>
-        <p:txBody>
-          <a:bodyPr/>
-          <a:lstStyle/>
-          <a:p>
-            <a:r>
-              <a:rPr lang="es-MX" dirty="0" smtClean="0"/>
-              <a:t>Documentación del código </a:t>
-            </a:r>
-            <a:r>
-              <a:rPr lang="es-MX" dirty="0" err="1" smtClean="0"/>
-              <a:t>.Net</a:t>
-            </a:r>
-            <a:r>
-              <a:rPr lang="es-MX" dirty="0" smtClean="0"/>
-              <a:t> a nivel profesional</a:t>
-            </a:r>
-          </a:p>
-          <a:p>
-            <a:r>
-              <a:rPr lang="es-MX" dirty="0" smtClean="0"/>
-              <a:t>Genera documentación al estilo MSDN, para proyectos </a:t>
-            </a:r>
-            <a:r>
-              <a:rPr lang="es-MX" dirty="0"/>
-              <a:t>C</a:t>
-            </a:r>
-            <a:r>
-              <a:rPr lang="es-MX" dirty="0" smtClean="0"/>
-              <a:t># y </a:t>
-            </a:r>
-            <a:r>
-              <a:rPr lang="es-MX" dirty="0" err="1" smtClean="0"/>
-              <a:t>VB.Net</a:t>
-            </a:r>
-            <a:endParaRPr lang="es-MX" dirty="0" smtClean="0"/>
-          </a:p>
-          <a:p>
-            <a:r>
-              <a:rPr lang="es-MX" dirty="0" smtClean="0"/>
-              <a:t>Editor de Comentarios WYSIWYG, con propiedades extendidas como el </a:t>
-            </a:r>
-            <a:r>
-              <a:rPr lang="es-MX" dirty="0" err="1" smtClean="0"/>
-              <a:t>tag</a:t>
-            </a:r>
-            <a:r>
-              <a:rPr lang="es-MX" dirty="0" smtClean="0"/>
-              <a:t> </a:t>
-            </a:r>
-            <a:r>
-              <a:rPr lang="es-MX" dirty="0" err="1" smtClean="0"/>
-              <a:t>example</a:t>
-            </a:r>
-            <a:r>
-              <a:rPr lang="es-MX" dirty="0" smtClean="0"/>
-              <a:t> y </a:t>
-            </a:r>
-            <a:r>
-              <a:rPr lang="es-MX" dirty="0" err="1" smtClean="0"/>
-              <a:t>exceptions</a:t>
-            </a:r>
-            <a:endParaRPr lang="es-MX" dirty="0" smtClean="0"/>
-          </a:p>
-          <a:p>
-            <a:r>
-              <a:rPr lang="es-MX" dirty="0" smtClean="0"/>
-              <a:t>Puedes añadir tablas, listas, imágenes, diagramas de clase, enlaces, colores, negritas, itálicas y otros formatos directamente en tu código fuente</a:t>
-            </a:r>
-          </a:p>
-          <a:p>
-            <a:r>
-              <a:rPr lang="es-MX" dirty="0" smtClean="0"/>
-              <a:t>Compilación de la documentación por solución o Proyecto</a:t>
-            </a:r>
-          </a:p>
-          <a:p>
-            <a:r>
-              <a:rPr lang="es-MX" dirty="0" smtClean="0"/>
-              <a:t>Versión de prueba, de 15 días, posteriormente pone una marca de agua en la documentación</a:t>
-            </a:r>
-            <a:r>
-              <a:rPr lang="en-US" dirty="0" smtClean="0"/>
-              <a:t>.</a:t>
-            </a:r>
-          </a:p>
-          <a:p>
-            <a:r>
-              <a:rPr lang="es-MX" dirty="0" smtClean="0"/>
-              <a:t>Versión completa permite incrustar el logo de la empresa en la documentación</a:t>
-            </a:r>
-          </a:p>
-          <a:p>
-            <a:r>
-              <a:rPr lang="es-MX" dirty="0" smtClean="0"/>
-              <a:t>Se puede descargar</a:t>
-            </a:r>
-            <a:r>
-              <a:rPr lang="en-US" dirty="0" smtClean="0"/>
-              <a:t>:</a:t>
-            </a:r>
-          </a:p>
-          <a:p>
-            <a:pPr lvl="1"/>
-            <a:r>
-              <a:rPr lang="es-MX" dirty="0" smtClean="0"/>
-              <a:t>Entrando en </a:t>
-            </a:r>
-            <a:r>
-              <a:rPr lang="es-MX" dirty="0" smtClean="0">
-                <a:hlinkClick r:id="rId3"/>
-              </a:rPr>
-              <a:t>http</a:t>
-            </a:r>
-            <a:r>
-              <a:rPr lang="es-MX" dirty="0">
-                <a:hlinkClick r:id="rId3"/>
-              </a:rPr>
-              <a:t>://</a:t>
-            </a:r>
-            <a:r>
-              <a:rPr lang="es-MX" dirty="0" smtClean="0">
-                <a:hlinkClick r:id="rId3"/>
-              </a:rPr>
-              <a:t>www.helixoft.com/vsdocman/overview.html</a:t>
-            </a:r>
-            <a:endParaRPr lang="es-MX" dirty="0" smtClean="0"/>
-          </a:p>
-          <a:p>
-            <a:pPr lvl="1"/>
-            <a:r>
-              <a:rPr lang="es-MX" dirty="0"/>
-              <a:t>En VS en el menú Herramientas -&gt; Extensiones y actualizaciones -&gt; </a:t>
-            </a:r>
-            <a:r>
-              <a:rPr lang="es-MX" dirty="0" err="1" smtClean="0"/>
-              <a:t>VSDocman</a:t>
-            </a:r>
-            <a:endParaRPr lang="es-MX" dirty="0"/>
-          </a:p>
-        </p:txBody>
-      </p:sp>
-    </p:spTree>
-    <p:extLst>
-      <p:ext uri="{BB962C8B-B14F-4D97-AF65-F5344CB8AC3E}">
-        <p14:creationId xmlns:p14="http://schemas.microsoft.com/office/powerpoint/2010/main" val="242255447"/>
       </p:ext>
     </p:extLst>
   </p:cSld>
@@ -13431,18 +13393,44 @@
           <a:p>
             <a:r>
               <a:rPr lang="es-MX" dirty="0" smtClean="0"/>
-              <a:t>Formatos de salida para documentación</a:t>
-            </a:r>
-          </a:p>
-          <a:p>
-            <a:pPr lvl="1"/>
-            <a:r>
-              <a:rPr lang="es-MX" dirty="0" smtClean="0"/>
-              <a:t>Microsoft Help </a:t>
+              <a:t>Documentación del código </a:t>
             </a:r>
             <a:r>
               <a:rPr lang="es-MX" dirty="0" err="1" smtClean="0"/>
-              <a:t>Viewer</a:t>
+              <a:t>.Net</a:t>
+            </a:r>
+            <a:r>
+              <a:rPr lang="es-MX" dirty="0" smtClean="0"/>
+              <a:t> a nivel profesional</a:t>
+            </a:r>
+          </a:p>
+          <a:p>
+            <a:r>
+              <a:rPr lang="es-MX" dirty="0" smtClean="0"/>
+              <a:t>Genera documentación al estilo MSDN, para proyectos </a:t>
+            </a:r>
+            <a:r>
+              <a:rPr lang="es-MX" dirty="0"/>
+              <a:t>C</a:t>
+            </a:r>
+            <a:r>
+              <a:rPr lang="es-MX" dirty="0" smtClean="0"/>
+              <a:t># y </a:t>
+            </a:r>
+            <a:r>
+              <a:rPr lang="es-MX" dirty="0" err="1" smtClean="0"/>
+              <a:t>VB.Net</a:t>
+            </a:r>
+            <a:endParaRPr lang="es-MX" dirty="0" smtClean="0"/>
+          </a:p>
+          <a:p>
+            <a:r>
+              <a:rPr lang="es-MX" dirty="0" smtClean="0"/>
+              <a:t>Editor de Comentarios WYSIWYG, con propiedades extendidas como el </a:t>
+            </a:r>
+            <a:r>
+              <a:rPr lang="es-MX" dirty="0" err="1" smtClean="0"/>
+              <a:t>tag</a:t>
             </a:r>
             <a:r>
               <a:rPr lang="es-MX" dirty="0" smtClean="0"/>
@@ -13450,99 +13438,41 @@
             </a:r>
             <a:r>
               <a:rPr lang="es-MX" dirty="0" err="1" smtClean="0"/>
-              <a:t>versions</a:t>
-            </a:r>
-            <a:r>
-              <a:rPr lang="es-MX" dirty="0" smtClean="0"/>
-              <a:t> 2.x y1.x – Tecnología utilizada en VS 2015,2013,2012, 2010 y MSDN.</a:t>
-            </a:r>
-          </a:p>
-          <a:p>
-            <a:pPr lvl="1"/>
-            <a:r>
-              <a:rPr lang="es-MX" dirty="0" smtClean="0"/>
-              <a:t>MS Help 2 – Tecnología utilizada en VS y MSDN desde 2002 al 2008.</a:t>
-            </a:r>
-          </a:p>
-          <a:p>
-            <a:pPr lvl="1"/>
-            <a:r>
-              <a:rPr lang="es-MX" dirty="0" smtClean="0"/>
-              <a:t>HTML Help 1.x – archivo .</a:t>
+              <a:t>example</a:t>
+            </a:r>
+            <a:r>
+              <a:rPr lang="es-MX" dirty="0" smtClean="0"/>
+              <a:t> y </a:t>
             </a:r>
             <a:r>
               <a:rPr lang="es-MX" dirty="0" err="1" smtClean="0"/>
-              <a:t>chm</a:t>
-            </a:r>
-            <a:r>
-              <a:rPr lang="es-MX" dirty="0" smtClean="0"/>
-              <a:t>.</a:t>
-            </a:r>
-          </a:p>
-          <a:p>
-            <a:pPr lvl="1"/>
-            <a:r>
-              <a:rPr lang="es-MX" dirty="0" smtClean="0"/>
-              <a:t>HTML – Archivos con índice, búsqueda y tabla de contenidos, funciona localmente sin la necesidad de un servidor web.</a:t>
-            </a:r>
-          </a:p>
-          <a:p>
-            <a:pPr lvl="1"/>
-            <a:r>
-              <a:rPr lang="es-MX" dirty="0" err="1" smtClean="0"/>
-              <a:t>Docx</a:t>
-            </a:r>
-            <a:r>
-              <a:rPr lang="es-MX" dirty="0" smtClean="0"/>
-              <a:t> – Formato OOXML utilizado en Word.</a:t>
-            </a:r>
-          </a:p>
-          <a:p>
-            <a:pPr lvl="1"/>
-            <a:r>
-              <a:rPr lang="es-MX" dirty="0" smtClean="0"/>
-              <a:t>RTF.</a:t>
-            </a:r>
-          </a:p>
-          <a:p>
-            <a:pPr lvl="1"/>
-            <a:r>
-              <a:rPr lang="es-MX" dirty="0" smtClean="0"/>
-              <a:t>XML – que puede ser procesado posteriormente por otras herramientas.</a:t>
-            </a:r>
-          </a:p>
-          <a:p>
-            <a:pPr lvl="1"/>
-            <a:r>
-              <a:rPr lang="es-MX" dirty="0" smtClean="0"/>
-              <a:t>Otros. El usuario puede definir su propio formato para cualquier documento basado en texto como </a:t>
-            </a:r>
-            <a:r>
-              <a:rPr lang="es-MX" dirty="0" err="1" smtClean="0"/>
-              <a:t>LaTEX</a:t>
-            </a:r>
-            <a:r>
-              <a:rPr lang="es-MX" dirty="0" smtClean="0"/>
-              <a:t>, </a:t>
-            </a:r>
-            <a:r>
-              <a:rPr lang="es-MX" dirty="0" err="1" smtClean="0"/>
-              <a:t>Html</a:t>
-            </a:r>
-            <a:r>
-              <a:rPr lang="es-MX" dirty="0" smtClean="0"/>
-              <a:t> personalizado, entre otros.</a:t>
-            </a:r>
-          </a:p>
-          <a:p>
-            <a:endParaRPr lang="es-MX" dirty="0"/>
+              <a:t>exceptions</a:t>
+            </a:r>
+            <a:endParaRPr lang="es-MX" dirty="0" smtClean="0"/>
+          </a:p>
+          <a:p>
+            <a:r>
+              <a:rPr lang="es-MX" dirty="0" smtClean="0"/>
+              <a:t>Puedes añadir tablas, listas, imágenes, diagramas de clase, enlaces, colores, negritas, itálicas y otros formatos directamente en tu código fuente</a:t>
+            </a:r>
+          </a:p>
+          <a:p>
+            <a:r>
+              <a:rPr lang="es-MX" dirty="0" smtClean="0"/>
+              <a:t>Compilación de la documentación por solución o </a:t>
+            </a:r>
+            <a:r>
+              <a:rPr lang="es-MX" dirty="0" smtClean="0"/>
+              <a:t>Proyecto</a:t>
+            </a:r>
+            <a:endParaRPr lang="es-MX" dirty="0" smtClean="0"/>
           </a:p>
         </p:txBody>
       </p:sp>
     </p:spTree>
     <p:extLst>
       <p:ext uri="{BB962C8B-B14F-4D97-AF65-F5344CB8AC3E}">
-        <p14:creationId xmlns:p14="http://schemas.microsoft.com/office/powerpoint/2010/main" val="2214497668"/>
+        <p14:creationId xmlns:p14="http://schemas.microsoft.com/office/powerpoint/2010/main" val="242255447"/>
       </p:ext>
     </p:extLst>
   </p:cSld>
@@ -13617,8 +13547,79 @@
           <a:p>
             <a:r>
               <a:rPr lang="es-MX" dirty="0" err="1" smtClean="0"/>
+              <a:t>VsDocman</a:t>
+            </a:r>
+            <a:endParaRPr lang="es-MX" dirty="0"/>
+          </a:p>
+        </p:txBody>
+      </p:sp>
+      <p:sp>
+        <p:nvSpPr>
+          <p:cNvPr id="4" name="Marcador de contenido 3"/>
+          <p:cNvSpPr>
+            <a:spLocks noGrp="1"/>
+          </p:cNvSpPr>
+          <p:nvPr>
+            <p:ph sz="quarter" idx="11"/>
+          </p:nvPr>
+        </p:nvSpPr>
+        <p:spPr/>
+        <p:txBody>
+          <a:bodyPr/>
+          <a:lstStyle/>
+          <a:p>
+            <a:r>
+              <a:rPr lang="es-MX" dirty="0"/>
+              <a:t>Versión de prueba, de 15 días, posteriormente pone una marca de agua en la documentación</a:t>
+            </a:r>
+            <a:r>
+              <a:rPr lang="en-US" dirty="0"/>
+              <a:t>.</a:t>
+            </a:r>
+          </a:p>
+          <a:p>
+            <a:r>
+              <a:rPr lang="es-MX" dirty="0"/>
+              <a:t>Versión completa permite incrustar el logo de la empresa en la documentación</a:t>
+            </a:r>
+          </a:p>
+          <a:p>
+            <a:r>
+              <a:rPr lang="es-MX" dirty="0"/>
+              <a:t>Se puede descargar</a:t>
+            </a:r>
+            <a:r>
+              <a:rPr lang="en-US" dirty="0"/>
+              <a:t>:</a:t>
+            </a:r>
+          </a:p>
+          <a:p>
+            <a:pPr lvl="1"/>
+            <a:r>
+              <a:rPr lang="es-MX" dirty="0"/>
+              <a:t>Entrando en </a:t>
+            </a:r>
+            <a:r>
+              <a:rPr lang="es-MX" dirty="0">
+                <a:hlinkClick r:id="rId3"/>
+              </a:rPr>
+              <a:t>http://www.helixoft.com/vsdocman/overview.html</a:t>
+            </a:r>
+            <a:endParaRPr lang="es-MX" dirty="0"/>
+          </a:p>
+          <a:p>
+            <a:pPr lvl="1"/>
+            <a:r>
+              <a:rPr lang="es-MX" dirty="0"/>
+              <a:t>En VS en el menú Herramientas -&gt; Extensiones y actualizaciones -&gt; </a:t>
+            </a:r>
+            <a:r>
+              <a:rPr lang="es-MX" dirty="0" err="1"/>
               <a:t>VSDocman</a:t>
             </a:r>
+            <a:endParaRPr lang="es-MX" dirty="0"/>
+          </a:p>
+          <a:p>
             <a:endParaRPr lang="es-MX" dirty="0"/>
           </a:p>
         </p:txBody>
@@ -13626,34 +13627,19 @@
     </p:spTree>
     <p:extLst>
       <p:ext uri="{BB962C8B-B14F-4D97-AF65-F5344CB8AC3E}">
-        <p14:creationId xmlns:p14="http://schemas.microsoft.com/office/powerpoint/2010/main" val="70601415"/>
+        <p14:creationId xmlns:p14="http://schemas.microsoft.com/office/powerpoint/2010/main" val="2280660147"/>
       </p:ext>
     </p:extLst>
   </p:cSld>
   <p:clrMapOvr>
     <a:masterClrMapping/>
   </p:clrMapOvr>
-  <p:timing>
-    <p:tnLst>
-      <p:par>
-        <p:cTn id="1" dur="indefinite" restart="never" nodeType="tmRoot"/>
-      </p:par>
-    </p:tnLst>
-  </p:timing>
 </p:sld>
 </file>
 
 <file path=ppt/slides/slide28.xml><?xml version="1.0" encoding="utf-8"?>
 <p:sld xmlns:a="http://schemas.openxmlformats.org/drawingml/2006/main" xmlns:r="http://schemas.openxmlformats.org/officeDocument/2006/relationships" xmlns:p="http://schemas.openxmlformats.org/presentationml/2006/main">
   <p:cSld>
-    <p:bg>
-      <p:bgPr>
-        <a:solidFill>
-          <a:schemeClr val="accent1"/>
-        </a:solidFill>
-        <a:effectLst/>
-      </p:bgPr>
-    </p:bg>
     <p:spTree>
       <p:nvGrpSpPr>
         <p:cNvPr id="1" name=""/>
@@ -13694,120 +13680,156 @@
       </p:sp>
       <p:sp>
         <p:nvSpPr>
-          <p:cNvPr id="3" name="CuadroTexto 2"/>
-          <p:cNvSpPr txBox="1"/>
-          <p:nvPr/>
-        </p:nvSpPr>
-        <p:spPr>
-          <a:xfrm>
-            <a:off x="308585" y="2728681"/>
-            <a:ext cx="9956800" cy="1754326"/>
-          </a:xfrm>
-          <a:prstGeom prst="rect">
-            <a:avLst/>
-          </a:prstGeom>
-          <a:noFill/>
-        </p:spPr>
-        <p:txBody>
-          <a:bodyPr wrap="square" rtlCol="0">
-            <a:spAutoFit/>
-          </a:bodyPr>
-          <a:lstStyle/>
-          <a:p>
-            <a:r>
-              <a:rPr lang="es-MX" sz="5400" dirty="0" smtClean="0">
-                <a:solidFill>
-                  <a:srgbClr val="FDFDFD"/>
-                </a:solidFill>
-                <a:latin typeface="Segoe UI" panose="020B0502040204020203" pitchFamily="34" charset="0"/>
-                <a:cs typeface="Segoe UI" panose="020B0502040204020203" pitchFamily="34" charset="0"/>
-              </a:rPr>
-              <a:t>Complementando al </a:t>
-            </a:r>
-            <a:r>
-              <a:rPr lang="es-MX" sz="5400" dirty="0" err="1" smtClean="0">
-                <a:solidFill>
-                  <a:srgbClr val="FDFDFD"/>
-                </a:solidFill>
-                <a:latin typeface="Segoe UI" panose="020B0502040204020203" pitchFamily="34" charset="0"/>
-                <a:cs typeface="Segoe UI" panose="020B0502040204020203" pitchFamily="34" charset="0"/>
-              </a:rPr>
-              <a:t>Code</a:t>
-            </a:r>
-            <a:r>
-              <a:rPr lang="es-MX" sz="5400" dirty="0" smtClean="0">
-                <a:solidFill>
-                  <a:srgbClr val="FDFDFD"/>
-                </a:solidFill>
-                <a:latin typeface="Segoe UI" panose="020B0502040204020203" pitchFamily="34" charset="0"/>
-                <a:cs typeface="Segoe UI" panose="020B0502040204020203" pitchFamily="34" charset="0"/>
-              </a:rPr>
+          <p:cNvPr id="3" name="Título 2"/>
+          <p:cNvSpPr>
+            <a:spLocks noGrp="1"/>
+          </p:cNvSpPr>
+          <p:nvPr>
+            <p:ph type="title"/>
+          </p:nvPr>
+        </p:nvSpPr>
+        <p:spPr/>
+        <p:txBody>
+          <a:bodyPr/>
+          <a:lstStyle/>
+          <a:p>
+            <a:r>
+              <a:rPr lang="es-MX" dirty="0" err="1" smtClean="0"/>
+              <a:t>VSDocman</a:t>
+            </a:r>
+            <a:endParaRPr lang="es-MX" dirty="0"/>
+          </a:p>
+        </p:txBody>
+      </p:sp>
+      <p:sp>
+        <p:nvSpPr>
+          <p:cNvPr id="4" name="Marcador de contenido 3"/>
+          <p:cNvSpPr>
+            <a:spLocks noGrp="1"/>
+          </p:cNvSpPr>
+          <p:nvPr>
+            <p:ph sz="quarter" idx="11"/>
+          </p:nvPr>
+        </p:nvSpPr>
+        <p:spPr/>
+        <p:txBody>
+          <a:bodyPr/>
+          <a:lstStyle/>
+          <a:p>
+            <a:r>
+              <a:rPr lang="es-MX" dirty="0" smtClean="0"/>
+              <a:t>Formatos de salida para documentación</a:t>
+            </a:r>
+          </a:p>
+          <a:p>
+            <a:pPr lvl="1"/>
+            <a:r>
+              <a:rPr lang="es-MX" dirty="0" smtClean="0"/>
+              <a:t>Microsoft Help </a:t>
+            </a:r>
+            <a:r>
+              <a:rPr lang="es-MX" dirty="0" err="1" smtClean="0"/>
+              <a:t>Viewer</a:t>
+            </a:r>
+            <a:r>
+              <a:rPr lang="es-MX" dirty="0" smtClean="0"/>
               <a:t> </a:t>
             </a:r>
             <a:r>
-              <a:rPr lang="es-MX" sz="5400" dirty="0" err="1" smtClean="0">
-                <a:solidFill>
-                  <a:srgbClr val="FDFDFD"/>
-                </a:solidFill>
-                <a:latin typeface="Segoe UI" panose="020B0502040204020203" pitchFamily="34" charset="0"/>
-                <a:cs typeface="Segoe UI" panose="020B0502040204020203" pitchFamily="34" charset="0"/>
-              </a:rPr>
-              <a:t>Analysis</a:t>
-            </a:r>
-            <a:r>
-              <a:rPr lang="es-MX" sz="5400" dirty="0" smtClean="0">
-                <a:solidFill>
-                  <a:srgbClr val="FDFDFD"/>
-                </a:solidFill>
-                <a:latin typeface="Segoe UI" panose="020B0502040204020203" pitchFamily="34" charset="0"/>
-                <a:cs typeface="Segoe UI" panose="020B0502040204020203" pitchFamily="34" charset="0"/>
-              </a:rPr>
-              <a:t> y </a:t>
-            </a:r>
-            <a:r>
-              <a:rPr lang="es-MX" sz="5400" dirty="0" err="1" smtClean="0">
-                <a:solidFill>
-                  <a:srgbClr val="FDFDFD"/>
-                </a:solidFill>
-                <a:latin typeface="Segoe UI" panose="020B0502040204020203" pitchFamily="34" charset="0"/>
-                <a:cs typeface="Segoe UI" panose="020B0502040204020203" pitchFamily="34" charset="0"/>
-              </a:rPr>
-              <a:t>Coding</a:t>
-            </a:r>
-            <a:r>
-              <a:rPr lang="es-MX" sz="5400" dirty="0" smtClean="0">
-                <a:solidFill>
-                  <a:srgbClr val="FDFDFD"/>
-                </a:solidFill>
-                <a:latin typeface="Segoe UI" panose="020B0502040204020203" pitchFamily="34" charset="0"/>
-                <a:cs typeface="Segoe UI" panose="020B0502040204020203" pitchFamily="34" charset="0"/>
-              </a:rPr>
-              <a:t> </a:t>
-            </a:r>
-            <a:r>
-              <a:rPr lang="es-MX" sz="5400" dirty="0" err="1" smtClean="0">
-                <a:solidFill>
-                  <a:srgbClr val="FDFDFD"/>
-                </a:solidFill>
-                <a:latin typeface="Segoe UI" panose="020B0502040204020203" pitchFamily="34" charset="0"/>
-                <a:cs typeface="Segoe UI" panose="020B0502040204020203" pitchFamily="34" charset="0"/>
-              </a:rPr>
-              <a:t>Guidelines</a:t>
-            </a:r>
-            <a:endParaRPr lang="es-MX" sz="5400" dirty="0">
-              <a:solidFill>
-                <a:srgbClr val="FDFDFD"/>
-              </a:solidFill>
-              <a:latin typeface="Segoe UI" panose="020B0502040204020203" pitchFamily="34" charset="0"/>
-              <a:cs typeface="Segoe UI" panose="020B0502040204020203" pitchFamily="34" charset="0"/>
-            </a:endParaRPr>
+              <a:rPr lang="es-MX" dirty="0" err="1" smtClean="0"/>
+              <a:t>versions</a:t>
+            </a:r>
+            <a:r>
+              <a:rPr lang="es-MX" dirty="0" smtClean="0"/>
+              <a:t> 2.x y1.x – Tecnología utilizada en VS 2015,2013,2012, 2010 y MSDN.</a:t>
+            </a:r>
+          </a:p>
+          <a:p>
+            <a:pPr lvl="1"/>
+            <a:r>
+              <a:rPr lang="es-MX" dirty="0" smtClean="0"/>
+              <a:t>MS Help 2 – Tecnología utilizada en VS y MSDN desde 2002 al 2008.</a:t>
+            </a:r>
+          </a:p>
+          <a:p>
+            <a:pPr lvl="1"/>
+            <a:r>
+              <a:rPr lang="es-MX" dirty="0" smtClean="0"/>
+              <a:t>HTML Help 1.x – archivo .</a:t>
+            </a:r>
+            <a:r>
+              <a:rPr lang="es-MX" dirty="0" err="1" smtClean="0"/>
+              <a:t>chm</a:t>
+            </a:r>
+            <a:r>
+              <a:rPr lang="es-MX" dirty="0" smtClean="0"/>
+              <a:t>.</a:t>
+            </a:r>
+          </a:p>
+          <a:p>
+            <a:pPr lvl="1"/>
+            <a:r>
+              <a:rPr lang="es-MX" dirty="0" smtClean="0"/>
+              <a:t>HTML – Archivos con índice, búsqueda y tabla de contenidos, funciona localmente sin la necesidad de un servidor web.</a:t>
+            </a:r>
+          </a:p>
+          <a:p>
+            <a:pPr lvl="1"/>
+            <a:r>
+              <a:rPr lang="es-MX" dirty="0" err="1" smtClean="0"/>
+              <a:t>Docx</a:t>
+            </a:r>
+            <a:r>
+              <a:rPr lang="es-MX" dirty="0" smtClean="0"/>
+              <a:t> – Formato OOXML utilizado en Word.</a:t>
+            </a:r>
+          </a:p>
+          <a:p>
+            <a:pPr lvl="1"/>
+            <a:r>
+              <a:rPr lang="es-MX" dirty="0" smtClean="0"/>
+              <a:t>RTF.</a:t>
+            </a:r>
+          </a:p>
+          <a:p>
+            <a:pPr lvl="1"/>
+            <a:r>
+              <a:rPr lang="es-MX" dirty="0" smtClean="0"/>
+              <a:t>XML – que puede ser procesado posteriormente por otras herramientas.</a:t>
+            </a:r>
+          </a:p>
+          <a:p>
+            <a:pPr lvl="1"/>
+            <a:r>
+              <a:rPr lang="es-MX" dirty="0" smtClean="0"/>
+              <a:t>Otros. El usuario puede definir su propio formato para cualquier documento basado en texto como </a:t>
+            </a:r>
+            <a:r>
+              <a:rPr lang="es-MX" dirty="0" err="1" smtClean="0"/>
+              <a:t>LaTEX</a:t>
+            </a:r>
+            <a:r>
+              <a:rPr lang="es-MX" dirty="0" smtClean="0"/>
+              <a:t>, </a:t>
+            </a:r>
+            <a:r>
+              <a:rPr lang="es-MX" dirty="0" err="1" smtClean="0"/>
+              <a:t>Html</a:t>
+            </a:r>
+            <a:r>
+              <a:rPr lang="es-MX" dirty="0" smtClean="0"/>
+              <a:t> personalizado, entre otros.</a:t>
+            </a:r>
+          </a:p>
+          <a:p>
+            <a:endParaRPr lang="es-MX" dirty="0"/>
           </a:p>
         </p:txBody>
       </p:sp>
     </p:spTree>
     <p:extLst>
       <p:ext uri="{BB962C8B-B14F-4D97-AF65-F5344CB8AC3E}">
-        <p14:creationId xmlns:p14="http://schemas.microsoft.com/office/powerpoint/2010/main" val="2445387711"/>
+        <p14:creationId xmlns:p14="http://schemas.microsoft.com/office/powerpoint/2010/main" val="2214497668"/>
       </p:ext>
     </p:extLst>
   </p:cSld>
@@ -13881,176 +13903,17 @@
           <a:lstStyle/>
           <a:p>
             <a:r>
-              <a:rPr lang="es-MX" dirty="0"/>
-              <a:t>Complementando al </a:t>
-            </a:r>
-            <a:r>
-              <a:rPr lang="es-MX" dirty="0" err="1"/>
-              <a:t>Code</a:t>
-            </a:r>
-            <a:r>
-              <a:rPr lang="es-MX" dirty="0"/>
-              <a:t> </a:t>
-            </a:r>
-            <a:r>
-              <a:rPr lang="es-MX" dirty="0" err="1"/>
-              <a:t>Analysis</a:t>
-            </a:r>
-            <a:r>
-              <a:rPr lang="es-MX" dirty="0"/>
-              <a:t> y </a:t>
-            </a:r>
-            <a:r>
-              <a:rPr lang="es-MX" dirty="0" err="1"/>
-              <a:t>Coding</a:t>
-            </a:r>
-            <a:r>
-              <a:rPr lang="es-MX" dirty="0"/>
-              <a:t> </a:t>
-            </a:r>
-            <a:r>
-              <a:rPr lang="es-MX" dirty="0" err="1"/>
-              <a:t>Guidelines</a:t>
+              <a:rPr lang="es-MX" dirty="0" err="1" smtClean="0"/>
+              <a:t>VSDocman</a:t>
             </a:r>
             <a:endParaRPr lang="es-MX" dirty="0"/>
-          </a:p>
-        </p:txBody>
-      </p:sp>
-      <p:sp>
-        <p:nvSpPr>
-          <p:cNvPr id="4" name="Marcador de contenido 3"/>
-          <p:cNvSpPr>
-            <a:spLocks noGrp="1"/>
-          </p:cNvSpPr>
-          <p:nvPr>
-            <p:ph sz="quarter" idx="11"/>
-          </p:nvPr>
-        </p:nvSpPr>
-        <p:spPr/>
-        <p:txBody>
-          <a:bodyPr/>
-          <a:lstStyle/>
-          <a:p>
-            <a:r>
-              <a:rPr lang="es-MX" dirty="0" err="1" smtClean="0"/>
-              <a:t>Code</a:t>
-            </a:r>
-            <a:r>
-              <a:rPr lang="es-MX" dirty="0" smtClean="0"/>
-              <a:t> </a:t>
-            </a:r>
-            <a:r>
-              <a:rPr lang="es-MX" dirty="0" err="1" smtClean="0"/>
-              <a:t>Analysis</a:t>
-            </a:r>
-            <a:endParaRPr lang="es-MX" dirty="0" smtClean="0"/>
-          </a:p>
-          <a:p>
-            <a:pPr lvl="1"/>
-            <a:r>
-              <a:rPr lang="es-MX" dirty="0" smtClean="0"/>
-              <a:t>Analiza los ensamblados, no el código fuente como lo hace Style </a:t>
-            </a:r>
-            <a:r>
-              <a:rPr lang="es-MX" dirty="0" err="1" smtClean="0"/>
-              <a:t>Cop</a:t>
-            </a:r>
-            <a:r>
-              <a:rPr lang="es-MX" dirty="0" smtClean="0"/>
-              <a:t>, y reporta información acerca de los ensamblados como violaciones a las reglas de programación y diseño del Microsoft .NET Framework </a:t>
-            </a:r>
-            <a:r>
-              <a:rPr lang="es-MX" dirty="0" err="1" smtClean="0"/>
-              <a:t>Design</a:t>
-            </a:r>
-            <a:r>
-              <a:rPr lang="es-MX" dirty="0" smtClean="0"/>
-              <a:t> </a:t>
-            </a:r>
-            <a:r>
-              <a:rPr lang="es-MX" dirty="0" err="1" smtClean="0"/>
-              <a:t>Guidelines</a:t>
-            </a:r>
-            <a:r>
-              <a:rPr lang="es-MX" dirty="0" smtClean="0"/>
-              <a:t>.</a:t>
-            </a:r>
-          </a:p>
-          <a:p>
-            <a:pPr lvl="1"/>
-            <a:r>
-              <a:rPr lang="es-MX" dirty="0" smtClean="0"/>
-              <a:t>Se puede configurar el </a:t>
-            </a:r>
-            <a:r>
-              <a:rPr lang="es-MX" dirty="0" err="1" smtClean="0"/>
-              <a:t>Code</a:t>
-            </a:r>
-            <a:r>
-              <a:rPr lang="es-MX" dirty="0" smtClean="0"/>
-              <a:t> </a:t>
-            </a:r>
-            <a:r>
-              <a:rPr lang="es-MX" dirty="0" err="1" smtClean="0"/>
-              <a:t>Analysis</a:t>
-            </a:r>
-            <a:r>
-              <a:rPr lang="es-MX" dirty="0" smtClean="0"/>
-              <a:t> para que se ejecute antes de cada </a:t>
-            </a:r>
-            <a:r>
-              <a:rPr lang="es-MX" dirty="0" err="1" smtClean="0"/>
-              <a:t>build</a:t>
-            </a:r>
-            <a:r>
-              <a:rPr lang="es-MX" dirty="0" smtClean="0"/>
-              <a:t>.</a:t>
-            </a:r>
-          </a:p>
-          <a:p>
-            <a:pPr lvl="1"/>
-            <a:r>
-              <a:rPr lang="es-MX" dirty="0" smtClean="0"/>
-              <a:t>Se puede configurar un conjunto de reglas predefinido, o crear uno nuevo. </a:t>
-            </a:r>
-          </a:p>
-          <a:p>
-            <a:pPr lvl="1"/>
-            <a:r>
-              <a:rPr lang="es-MX" dirty="0" smtClean="0"/>
-              <a:t>Se puede suprimir una regla en código, muy similar al Style </a:t>
-            </a:r>
-            <a:r>
-              <a:rPr lang="es-MX" dirty="0" err="1" smtClean="0"/>
-              <a:t>Cop</a:t>
-            </a:r>
-            <a:r>
-              <a:rPr lang="es-MX" dirty="0" smtClean="0"/>
-              <a:t>.</a:t>
-            </a:r>
-          </a:p>
-          <a:p>
-            <a:pPr lvl="1"/>
-            <a:r>
-              <a:rPr lang="en-US" dirty="0">
-                <a:hlinkClick r:id="rId3"/>
-              </a:rPr>
-              <a:t>PS2210 Build with the highest warning </a:t>
-            </a:r>
-            <a:r>
-              <a:rPr lang="en-US" dirty="0" smtClean="0">
-                <a:hlinkClick r:id="rId3"/>
-              </a:rPr>
-              <a:t>level</a:t>
-            </a:r>
-            <a:endParaRPr lang="en-US" dirty="0"/>
           </a:p>
         </p:txBody>
       </p:sp>
     </p:spTree>
     <p:extLst>
       <p:ext uri="{BB962C8B-B14F-4D97-AF65-F5344CB8AC3E}">
-        <p14:creationId xmlns:p14="http://schemas.microsoft.com/office/powerpoint/2010/main" val="1889415674"/>
+        <p14:creationId xmlns:p14="http://schemas.microsoft.com/office/powerpoint/2010/main" val="70601415"/>
       </p:ext>
     </p:extLst>
   </p:cSld>
@@ -14164,64 +14027,25 @@
           <a:p>
             <a:pPr lvl="1"/>
             <a:r>
-              <a:rPr lang="es-MX" u="sng">
+              <a:rPr lang="es-MX" u="sng" dirty="0">
                 <a:hlinkClick r:id="rId3"/>
               </a:rPr>
-              <a:t>https</a:t>
-            </a:r>
-            <a:r>
-              <a:rPr lang="es-MX" u="sng">
-                <a:hlinkClick r:id="rId3"/>
-              </a:rPr>
-              <a:t>://</a:t>
-            </a:r>
-            <a:r>
-              <a:rPr lang="es-MX" u="sng" smtClean="0">
+              <a:t>https://</a:t>
+            </a:r>
+            <a:r>
+              <a:rPr lang="es-MX" u="sng" dirty="0" smtClean="0">
                 <a:hlinkClick r:id="rId3"/>
               </a:rPr>
               <a:t>github.com/RGDotnet/Capacitacion</a:t>
             </a:r>
-            <a:endParaRPr lang="es-MX" u="sng" smtClean="0"/>
-          </a:p>
-          <a:p>
-            <a:r>
-              <a:rPr lang="es-MX" smtClean="0"/>
-              <a:t>Streaming</a:t>
-            </a:r>
-            <a:r>
-              <a:rPr lang="es-MX" dirty="0" smtClean="0"/>
-              <a:t> </a:t>
-            </a:r>
-            <a:r>
-              <a:rPr lang="es-MX" dirty="0" smtClean="0"/>
-              <a:t>del Evento por </a:t>
-            </a:r>
-            <a:r>
-              <a:rPr lang="es-MX" dirty="0" err="1" smtClean="0"/>
-              <a:t>LiveStream</a:t>
+            <a:endParaRPr lang="es-MX" u="sng" dirty="0" smtClean="0"/>
+          </a:p>
+          <a:p>
+            <a:r>
+              <a:rPr lang="es-MX" dirty="0" smtClean="0"/>
+              <a:t>Preguntas</a:t>
             </a:r>
             <a:endParaRPr lang="es-MX" dirty="0" smtClean="0"/>
-          </a:p>
-          <a:p>
-            <a:pPr lvl="1"/>
-            <a:r>
-              <a:rPr lang="es-MX" u="sng" dirty="0" smtClean="0"/>
-              <a:t>Poner el enlace del </a:t>
-            </a:r>
-            <a:r>
-              <a:rPr lang="es-MX" u="sng" dirty="0" err="1" smtClean="0"/>
-              <a:t>streaming</a:t>
-            </a:r>
-            <a:r>
-              <a:rPr lang="es-MX" u="sng" dirty="0" smtClean="0"/>
-              <a:t> del evento</a:t>
-            </a:r>
-          </a:p>
-          <a:p>
-            <a:r>
-              <a:rPr lang="es-MX" dirty="0" smtClean="0"/>
-              <a:t>Preguntas</a:t>
-            </a:r>
           </a:p>
           <a:p>
             <a:pPr lvl="1"/>
@@ -14273,6 +14097,14 @@
 <file path=ppt/slides/slide30.xml><?xml version="1.0" encoding="utf-8"?>
 <p:sld xmlns:a="http://schemas.openxmlformats.org/drawingml/2006/main" xmlns:r="http://schemas.openxmlformats.org/officeDocument/2006/relationships" xmlns:p="http://schemas.openxmlformats.org/presentationml/2006/main">
   <p:cSld>
+    <p:bg>
+      <p:bgPr>
+        <a:solidFill>
+          <a:schemeClr val="accent1"/>
+        </a:solidFill>
+        <a:effectLst/>
+      </p:bgPr>
+    </p:bg>
     <p:spTree>
       <p:nvGrpSpPr>
         <p:cNvPr id="1" name=""/>
@@ -14313,239 +14145,120 @@
       </p:sp>
       <p:sp>
         <p:nvSpPr>
-          <p:cNvPr id="3" name="Título 2"/>
-          <p:cNvSpPr>
-            <a:spLocks noGrp="1"/>
-          </p:cNvSpPr>
-          <p:nvPr>
-            <p:ph type="title"/>
-          </p:nvPr>
-        </p:nvSpPr>
-        <p:spPr/>
-        <p:txBody>
-          <a:bodyPr/>
-          <a:lstStyle/>
-          <a:p>
-            <a:r>
-              <a:rPr lang="es-MX" dirty="0" smtClean="0"/>
+          <p:cNvPr id="3" name="CuadroTexto 2"/>
+          <p:cNvSpPr txBox="1"/>
+          <p:nvPr/>
+        </p:nvSpPr>
+        <p:spPr>
+          <a:xfrm>
+            <a:off x="308585" y="2728681"/>
+            <a:ext cx="9956800" cy="1754326"/>
+          </a:xfrm>
+          <a:prstGeom prst="rect">
+            <a:avLst/>
+          </a:prstGeom>
+          <a:noFill/>
+        </p:spPr>
+        <p:txBody>
+          <a:bodyPr wrap="square" rtlCol="0">
+            <a:spAutoFit/>
+          </a:bodyPr>
+          <a:lstStyle/>
+          <a:p>
+            <a:r>
+              <a:rPr lang="es-MX" sz="5400" dirty="0" smtClean="0">
+                <a:solidFill>
+                  <a:srgbClr val="FDFDFD"/>
+                </a:solidFill>
+                <a:latin typeface="Segoe UI" panose="020B0502040204020203" pitchFamily="34" charset="0"/>
+                <a:cs typeface="Segoe UI" panose="020B0502040204020203" pitchFamily="34" charset="0"/>
+              </a:rPr>
               <a:t>Complementando al </a:t>
             </a:r>
             <a:r>
-              <a:rPr lang="es-MX" dirty="0" err="1" smtClean="0"/>
+              <a:rPr lang="es-MX" sz="5400" dirty="0" err="1" smtClean="0">
+                <a:solidFill>
+                  <a:srgbClr val="FDFDFD"/>
+                </a:solidFill>
+                <a:latin typeface="Segoe UI" panose="020B0502040204020203" pitchFamily="34" charset="0"/>
+                <a:cs typeface="Segoe UI" panose="020B0502040204020203" pitchFamily="34" charset="0"/>
+              </a:rPr>
               <a:t>Code</a:t>
             </a:r>
             <a:r>
-              <a:rPr lang="es-MX" dirty="0" smtClean="0"/>
+              <a:rPr lang="es-MX" sz="5400" dirty="0" smtClean="0">
+                <a:solidFill>
+                  <a:srgbClr val="FDFDFD"/>
+                </a:solidFill>
+                <a:latin typeface="Segoe UI" panose="020B0502040204020203" pitchFamily="34" charset="0"/>
+                <a:cs typeface="Segoe UI" panose="020B0502040204020203" pitchFamily="34" charset="0"/>
+              </a:rPr>
               <a:t> </a:t>
             </a:r>
             <a:r>
-              <a:rPr lang="es-MX" dirty="0" err="1" smtClean="0"/>
+              <a:rPr lang="es-MX" sz="5400" dirty="0" err="1" smtClean="0">
+                <a:solidFill>
+                  <a:srgbClr val="FDFDFD"/>
+                </a:solidFill>
+                <a:latin typeface="Segoe UI" panose="020B0502040204020203" pitchFamily="34" charset="0"/>
+                <a:cs typeface="Segoe UI" panose="020B0502040204020203" pitchFamily="34" charset="0"/>
+              </a:rPr>
               <a:t>Analysis</a:t>
             </a:r>
             <a:r>
-              <a:rPr lang="es-MX" dirty="0" smtClean="0"/>
+              <a:rPr lang="es-MX" sz="5400" dirty="0" smtClean="0">
+                <a:solidFill>
+                  <a:srgbClr val="FDFDFD"/>
+                </a:solidFill>
+                <a:latin typeface="Segoe UI" panose="020B0502040204020203" pitchFamily="34" charset="0"/>
+                <a:cs typeface="Segoe UI" panose="020B0502040204020203" pitchFamily="34" charset="0"/>
+              </a:rPr>
               <a:t> y </a:t>
             </a:r>
             <a:r>
-              <a:rPr lang="es-MX" dirty="0" err="1" smtClean="0"/>
+              <a:rPr lang="es-MX" sz="5400" dirty="0" err="1" smtClean="0">
+                <a:solidFill>
+                  <a:srgbClr val="FDFDFD"/>
+                </a:solidFill>
+                <a:latin typeface="Segoe UI" panose="020B0502040204020203" pitchFamily="34" charset="0"/>
+                <a:cs typeface="Segoe UI" panose="020B0502040204020203" pitchFamily="34" charset="0"/>
+              </a:rPr>
               <a:t>Coding</a:t>
             </a:r>
             <a:r>
-              <a:rPr lang="es-MX" dirty="0" smtClean="0"/>
+              <a:rPr lang="es-MX" sz="5400" dirty="0" smtClean="0">
+                <a:solidFill>
+                  <a:srgbClr val="FDFDFD"/>
+                </a:solidFill>
+                <a:latin typeface="Segoe UI" panose="020B0502040204020203" pitchFamily="34" charset="0"/>
+                <a:cs typeface="Segoe UI" panose="020B0502040204020203" pitchFamily="34" charset="0"/>
+              </a:rPr>
               <a:t> </a:t>
             </a:r>
             <a:r>
-              <a:rPr lang="es-MX" dirty="0" err="1" smtClean="0"/>
+              <a:rPr lang="es-MX" sz="5400" dirty="0" err="1" smtClean="0">
+                <a:solidFill>
+                  <a:srgbClr val="FDFDFD"/>
+                </a:solidFill>
+                <a:latin typeface="Segoe UI" panose="020B0502040204020203" pitchFamily="34" charset="0"/>
+                <a:cs typeface="Segoe UI" panose="020B0502040204020203" pitchFamily="34" charset="0"/>
+              </a:rPr>
               <a:t>Guidelines</a:t>
             </a:r>
-            <a:endParaRPr lang="es-MX" dirty="0"/>
-          </a:p>
-        </p:txBody>
-      </p:sp>
-      <p:sp>
-        <p:nvSpPr>
-          <p:cNvPr id="4" name="Marcador de contenido 3"/>
-          <p:cNvSpPr>
-            <a:spLocks noGrp="1"/>
-          </p:cNvSpPr>
-          <p:nvPr>
-            <p:ph sz="quarter" idx="11"/>
-          </p:nvPr>
-        </p:nvSpPr>
-        <p:spPr/>
-        <p:txBody>
-          <a:bodyPr/>
-          <a:lstStyle/>
-          <a:p>
-            <a:r>
-              <a:rPr lang="es-MX" dirty="0" err="1" smtClean="0"/>
-              <a:t>Code</a:t>
-            </a:r>
-            <a:r>
-              <a:rPr lang="es-MX" dirty="0" smtClean="0"/>
-              <a:t> </a:t>
-            </a:r>
-            <a:r>
-              <a:rPr lang="es-MX" dirty="0" err="1" smtClean="0"/>
-              <a:t>Maid</a:t>
-            </a:r>
-            <a:endParaRPr lang="es-MX" dirty="0"/>
-          </a:p>
-          <a:p>
-            <a:pPr lvl="1"/>
-            <a:r>
-              <a:rPr lang="es-MX" dirty="0" smtClean="0"/>
-              <a:t>Complejidad ciclomática ayuda a encontrar fácilmente clases o métodos que tengan más responsabilidad de la que debería. </a:t>
-            </a:r>
-          </a:p>
-          <a:p>
-            <a:pPr lvl="2"/>
-            <a:r>
-              <a:rPr lang="en-US" dirty="0" smtClean="0">
-                <a:hlinkClick r:id="rId3"/>
-              </a:rPr>
-              <a:t>PS1000 </a:t>
-            </a:r>
-            <a:r>
-              <a:rPr lang="en-US" dirty="0">
-                <a:hlinkClick r:id="rId3"/>
-              </a:rPr>
-              <a:t>A class or interface should have a single </a:t>
-            </a:r>
-            <a:r>
-              <a:rPr lang="en-US" dirty="0" smtClean="0">
-                <a:hlinkClick r:id="rId3"/>
-              </a:rPr>
-              <a:t>purpose</a:t>
-            </a:r>
-            <a:endParaRPr lang="en-US" dirty="0" smtClean="0"/>
-          </a:p>
-          <a:p>
-            <a:pPr lvl="1"/>
-            <a:r>
-              <a:rPr lang="es-MX" dirty="0" smtClean="0"/>
-              <a:t>Reorganizar y limpieza del código</a:t>
-            </a:r>
-            <a:r>
-              <a:rPr lang="en-US" dirty="0" smtClean="0"/>
-              <a:t>. </a:t>
-            </a:r>
-          </a:p>
-          <a:p>
-            <a:pPr lvl="2"/>
-            <a:r>
-              <a:rPr lang="en-US" dirty="0" smtClean="0">
-                <a:hlinkClick r:id="rId4"/>
-              </a:rPr>
-              <a:t>PS2400 </a:t>
-            </a:r>
-            <a:r>
-              <a:rPr lang="en-US" dirty="0">
-                <a:hlinkClick r:id="rId4"/>
-              </a:rPr>
-              <a:t>Use a common </a:t>
-            </a:r>
-            <a:r>
-              <a:rPr lang="en-US" dirty="0" smtClean="0">
-                <a:hlinkClick r:id="rId4"/>
-              </a:rPr>
-              <a:t>layout</a:t>
-            </a:r>
-            <a:endParaRPr lang="en-US" dirty="0" smtClean="0"/>
-          </a:p>
-          <a:p>
-            <a:pPr lvl="2"/>
-            <a:r>
-              <a:rPr lang="es-MX" dirty="0" smtClean="0">
-                <a:hlinkClick r:id="rId5"/>
-              </a:rPr>
-              <a:t>PS2402 </a:t>
-            </a:r>
-            <a:r>
-              <a:rPr lang="en-US" dirty="0" smtClean="0">
-                <a:hlinkClick r:id="rId5"/>
-              </a:rPr>
-              <a:t>Order </a:t>
-            </a:r>
-            <a:r>
-              <a:rPr lang="en-US" dirty="0">
-                <a:hlinkClick r:id="rId5"/>
-              </a:rPr>
-              <a:t>and group namespaces according the </a:t>
-            </a:r>
-            <a:r>
-              <a:rPr lang="en-US" dirty="0" smtClean="0">
-                <a:hlinkClick r:id="rId5"/>
-              </a:rPr>
-              <a:t>company</a:t>
-            </a:r>
-            <a:endParaRPr lang="en-US" dirty="0"/>
-          </a:p>
-          <a:p>
-            <a:pPr lvl="2"/>
-            <a:r>
-              <a:rPr lang="en-US" dirty="0" smtClean="0">
-                <a:hlinkClick r:id="rId6"/>
-              </a:rPr>
-              <a:t>PS2406 </a:t>
-            </a:r>
-            <a:r>
-              <a:rPr lang="en-US" dirty="0">
-                <a:hlinkClick r:id="rId6"/>
-              </a:rPr>
-              <a:t>Place members in a well-defined </a:t>
-            </a:r>
-            <a:r>
-              <a:rPr lang="en-US" dirty="0" smtClean="0">
-                <a:hlinkClick r:id="rId6"/>
-              </a:rPr>
-              <a:t>order</a:t>
-            </a:r>
-            <a:endParaRPr lang="en-US" dirty="0"/>
-          </a:p>
-          <a:p>
-            <a:pPr lvl="2"/>
-            <a:r>
-              <a:rPr lang="en-US" dirty="0" smtClean="0">
-                <a:hlinkClick r:id="rId7"/>
-              </a:rPr>
-              <a:t>PS2407 </a:t>
-            </a:r>
-            <a:r>
-              <a:rPr lang="en-US" dirty="0">
-                <a:hlinkClick r:id="rId7"/>
-              </a:rPr>
-              <a:t>Be reluctant with #</a:t>
-            </a:r>
-            <a:r>
-              <a:rPr lang="en-US" dirty="0" smtClean="0">
-                <a:hlinkClick r:id="rId7"/>
-              </a:rPr>
-              <a:t>regions</a:t>
-            </a:r>
-            <a:endParaRPr lang="en-US" dirty="0" smtClean="0"/>
-          </a:p>
-          <a:p>
-            <a:endParaRPr lang="es-MX" dirty="0" smtClean="0"/>
-          </a:p>
-          <a:p>
-            <a:pPr lvl="1"/>
-            <a:endParaRPr lang="en-US" b="1" dirty="0"/>
-          </a:p>
-          <a:p>
-            <a:pPr lvl="1"/>
-            <a:endParaRPr lang="en-US" dirty="0"/>
-          </a:p>
-          <a:p>
-            <a:pPr lvl="1"/>
-            <a:endParaRPr lang="es-MX" dirty="0"/>
+            <a:endParaRPr lang="es-MX" sz="5400" dirty="0">
+              <a:solidFill>
+                <a:srgbClr val="FDFDFD"/>
+              </a:solidFill>
+              <a:latin typeface="Segoe UI" panose="020B0502040204020203" pitchFamily="34" charset="0"/>
+              <a:cs typeface="Segoe UI" panose="020B0502040204020203" pitchFamily="34" charset="0"/>
+            </a:endParaRPr>
           </a:p>
         </p:txBody>
       </p:sp>
     </p:spTree>
     <p:extLst>
       <p:ext uri="{BB962C8B-B14F-4D97-AF65-F5344CB8AC3E}">
-        <p14:creationId xmlns:p14="http://schemas.microsoft.com/office/powerpoint/2010/main" val="1790425805"/>
+        <p14:creationId xmlns:p14="http://schemas.microsoft.com/office/powerpoint/2010/main" val="2445387711"/>
       </p:ext>
     </p:extLst>
   </p:cSld>
@@ -14619,9 +14332,56 @@
           <a:lstStyle/>
           <a:p>
             <a:r>
-              <a:rPr lang="es-MX" dirty="0" smtClean="0"/>
+              <a:rPr lang="es-MX" dirty="0"/>
               <a:t>Complementando al </a:t>
             </a:r>
+            <a:r>
+              <a:rPr lang="es-MX" dirty="0" err="1"/>
+              <a:t>Code</a:t>
+            </a:r>
+            <a:r>
+              <a:rPr lang="es-MX" dirty="0"/>
+              <a:t> </a:t>
+            </a:r>
+            <a:r>
+              <a:rPr lang="es-MX" dirty="0" err="1"/>
+              <a:t>Analysis</a:t>
+            </a:r>
+            <a:r>
+              <a:rPr lang="es-MX" dirty="0"/>
+              <a:t> y </a:t>
+            </a:r>
+            <a:r>
+              <a:rPr lang="es-MX" dirty="0" err="1"/>
+              <a:t>Coding</a:t>
+            </a:r>
+            <a:r>
+              <a:rPr lang="es-MX" dirty="0"/>
+              <a:t> </a:t>
+            </a:r>
+            <a:r>
+              <a:rPr lang="es-MX" dirty="0" err="1"/>
+              <a:t>Guidelines</a:t>
+            </a:r>
+            <a:endParaRPr lang="es-MX" dirty="0"/>
+          </a:p>
+        </p:txBody>
+      </p:sp>
+      <p:sp>
+        <p:nvSpPr>
+          <p:cNvPr id="4" name="Marcador de contenido 3"/>
+          <p:cNvSpPr>
+            <a:spLocks noGrp="1"/>
+          </p:cNvSpPr>
+          <p:nvPr>
+            <p:ph sz="quarter" idx="11"/>
+          </p:nvPr>
+        </p:nvSpPr>
+        <p:spPr/>
+        <p:txBody>
+          <a:bodyPr/>
+          <a:lstStyle/>
+          <a:p>
             <a:r>
               <a:rPr lang="es-MX" dirty="0" err="1" smtClean="0"/>
               <a:t>Code</a:t>
@@ -14634,13 +14394,25 @@
               <a:rPr lang="es-MX" dirty="0" err="1" smtClean="0"/>
               <a:t>Analysis</a:t>
             </a:r>
-            <a:r>
-              <a:rPr lang="es-MX" dirty="0" smtClean="0"/>
-              <a:t> y </a:t>
+            <a:endParaRPr lang="es-MX" dirty="0" smtClean="0"/>
+          </a:p>
+          <a:p>
+            <a:pPr lvl="1"/>
+            <a:r>
+              <a:rPr lang="es-MX" dirty="0" smtClean="0"/>
+              <a:t>Analiza los ensamblados, no el código fuente como lo hace Style </a:t>
             </a:r>
             <a:r>
               <a:rPr lang="es-MX" dirty="0" err="1" smtClean="0"/>
-              <a:t>Coding</a:t>
+              <a:t>Cop</a:t>
+            </a:r>
+            <a:r>
+              <a:rPr lang="es-MX" dirty="0" smtClean="0"/>
+              <a:t>, y reporta información acerca de los ensamblados como violaciones a las reglas de programación y diseño del Microsoft .NET Framework </a:t>
+            </a:r>
+            <a:r>
+              <a:rPr lang="es-MX" dirty="0" err="1" smtClean="0"/>
+              <a:t>Design</a:t>
             </a:r>
             <a:r>
               <a:rPr lang="es-MX" dirty="0" smtClean="0"/>
@@ -14650,179 +14422,86 @@
               <a:rPr lang="es-MX" dirty="0" err="1" smtClean="0"/>
               <a:t>Guidelines</a:t>
             </a:r>
-            <a:endParaRPr lang="es-MX" dirty="0"/>
-          </a:p>
-        </p:txBody>
-      </p:sp>
-      <p:sp>
-        <p:nvSpPr>
-          <p:cNvPr id="4" name="Marcador de contenido 3"/>
-          <p:cNvSpPr>
-            <a:spLocks noGrp="1"/>
-          </p:cNvSpPr>
-          <p:nvPr>
-            <p:ph sz="quarter" idx="11"/>
-          </p:nvPr>
-        </p:nvSpPr>
-        <p:spPr/>
-        <p:txBody>
-          <a:bodyPr/>
-          <a:lstStyle/>
-          <a:p>
-            <a:r>
-              <a:rPr lang="en-US" dirty="0"/>
-              <a:t>License Header Manager</a:t>
+            <a:r>
+              <a:rPr lang="es-MX" dirty="0" smtClean="0"/>
+              <a:t>.</a:t>
             </a:r>
           </a:p>
           <a:p>
             <a:pPr lvl="1"/>
             <a:r>
-              <a:rPr lang="es-MX" dirty="0"/>
-              <a:t>Ayuda a identificar el archivo y su encabezado de documentación, así como la fecha de creación del archivo</a:t>
-            </a:r>
-            <a:r>
-              <a:rPr lang="en-US" dirty="0"/>
-              <a:t>. </a:t>
-            </a:r>
-            <a:r>
-              <a:rPr lang="es-MX" dirty="0"/>
-              <a:t>(dependiendo de la configuración que se le haya dado al archivo maestro de licencia</a:t>
-            </a:r>
-            <a:r>
-              <a:rPr lang="es-MX" dirty="0" smtClean="0"/>
-              <a:t>)</a:t>
+              <a:rPr lang="es-MX" dirty="0" smtClean="0"/>
+              <a:t>Se puede configurar el </a:t>
+            </a:r>
+            <a:r>
+              <a:rPr lang="es-MX" dirty="0" err="1" smtClean="0"/>
+              <a:t>Code</a:t>
+            </a:r>
+            <a:r>
+              <a:rPr lang="es-MX" dirty="0" smtClean="0"/>
+              <a:t> </a:t>
+            </a:r>
+            <a:r>
+              <a:rPr lang="es-MX" dirty="0" err="1" smtClean="0"/>
+              <a:t>Analysis</a:t>
+            </a:r>
+            <a:r>
+              <a:rPr lang="es-MX" dirty="0" smtClean="0"/>
+              <a:t> para que se ejecute antes de cada </a:t>
+            </a:r>
+            <a:r>
+              <a:rPr lang="es-MX" dirty="0" err="1" smtClean="0"/>
+              <a:t>build</a:t>
+            </a:r>
+            <a:r>
+              <a:rPr lang="es-MX" dirty="0" smtClean="0"/>
+              <a:t>.</a:t>
             </a:r>
           </a:p>
           <a:p>
             <a:pPr lvl="1"/>
             <a:r>
               <a:rPr lang="es-MX" dirty="0" smtClean="0"/>
-              <a:t>Cumple las siguientes reglas propias del </a:t>
+              <a:t>Se puede configurar un conjunto de reglas predefinido, o crear uno nuevo. </a:t>
+            </a:r>
+          </a:p>
+          <a:p>
+            <a:pPr lvl="1"/>
+            <a:r>
+              <a:rPr lang="es-MX" dirty="0" smtClean="0"/>
+              <a:t>Se puede suprimir una regla en código, muy similar al Style </a:t>
             </a:r>
             <a:r>
               <a:rPr lang="es-MX" dirty="0" err="1" smtClean="0"/>
-              <a:t>StyleCop</a:t>
-            </a:r>
-            <a:r>
-              <a:rPr lang="es-MX" dirty="0" smtClean="0"/>
-              <a:t>:</a:t>
-            </a:r>
-            <a:endParaRPr lang="es-MX" dirty="0"/>
-          </a:p>
-          <a:p>
-            <a:pPr lvl="2"/>
-            <a:r>
-              <a:rPr lang="es-MX" u="sng" dirty="0">
+              <a:t>Cop</a:t>
+            </a:r>
+            <a:r>
+              <a:rPr lang="es-MX" dirty="0" smtClean="0"/>
+              <a:t>.</a:t>
+            </a:r>
+          </a:p>
+          <a:p>
+            <a:pPr lvl="1"/>
+            <a:r>
+              <a:rPr lang="en-US" dirty="0">
                 <a:hlinkClick r:id="rId3"/>
               </a:rPr>
-              <a:t>SA1633: </a:t>
-            </a:r>
-            <a:r>
-              <a:rPr lang="es-MX" u="sng" dirty="0" err="1">
+              <a:t>PS2210 Build with the highest warning </a:t>
+            </a:r>
+            <a:r>
+              <a:rPr lang="en-US" dirty="0" smtClean="0">
                 <a:hlinkClick r:id="rId3"/>
               </a:rPr>
-              <a:t>FileMustHaveHeader</a:t>
-            </a:r>
-            <a:endParaRPr lang="es-MX" u="sng" dirty="0"/>
-          </a:p>
-          <a:p>
-            <a:pPr lvl="2"/>
-            <a:r>
-              <a:rPr lang="es-MX" u="sng" dirty="0">
-                <a:hlinkClick r:id="rId4"/>
-              </a:rPr>
-              <a:t>SA1634: </a:t>
-            </a:r>
-            <a:r>
-              <a:rPr lang="es-MX" u="sng" dirty="0" err="1">
-                <a:hlinkClick r:id="rId4"/>
-              </a:rPr>
-              <a:t>FileHeaderMustShowCopyright</a:t>
-            </a:r>
-            <a:r>
-              <a:rPr lang="es-MX" dirty="0"/>
-              <a:t> </a:t>
-            </a:r>
-          </a:p>
-          <a:p>
-            <a:pPr lvl="2"/>
-            <a:r>
-              <a:rPr lang="es-MX" u="sng" dirty="0">
-                <a:hlinkClick r:id="rId5"/>
-              </a:rPr>
-              <a:t>SA1635: </a:t>
-            </a:r>
-            <a:r>
-              <a:rPr lang="es-MX" u="sng" dirty="0" err="1">
-                <a:hlinkClick r:id="rId5"/>
-              </a:rPr>
-              <a:t>FileHeaderMustHaveCopyrightText</a:t>
-            </a:r>
-            <a:r>
-              <a:rPr lang="es-MX" dirty="0"/>
-              <a:t> </a:t>
-            </a:r>
-          </a:p>
-          <a:p>
-            <a:pPr lvl="2"/>
-            <a:r>
-              <a:rPr lang="es-MX" u="sng" dirty="0">
-                <a:hlinkClick r:id="rId6"/>
-              </a:rPr>
-              <a:t>SA1636: </a:t>
-            </a:r>
-            <a:r>
-              <a:rPr lang="es-MX" u="sng" dirty="0" err="1">
-                <a:hlinkClick r:id="rId6"/>
-              </a:rPr>
-              <a:t>FileHeaderCopyrightTextMustMatch</a:t>
-            </a:r>
-            <a:r>
-              <a:rPr lang="es-MX" dirty="0"/>
-              <a:t> </a:t>
-            </a:r>
-          </a:p>
-          <a:p>
-            <a:pPr lvl="2"/>
-            <a:r>
-              <a:rPr lang="es-MX" u="sng" dirty="0">
-                <a:hlinkClick r:id="rId7"/>
-              </a:rPr>
-              <a:t>SA1637: </a:t>
-            </a:r>
-            <a:r>
-              <a:rPr lang="es-MX" u="sng" dirty="0" err="1">
-                <a:hlinkClick r:id="rId7"/>
-              </a:rPr>
-              <a:t>FileHeaderMustContainFileName</a:t>
-            </a:r>
-            <a:r>
-              <a:rPr lang="es-MX" dirty="0"/>
-              <a:t> </a:t>
-            </a:r>
-          </a:p>
-          <a:p>
-            <a:pPr lvl="2"/>
-            <a:r>
-              <a:rPr lang="es-MX" u="sng" dirty="0">
-                <a:hlinkClick r:id="rId8"/>
-              </a:rPr>
-              <a:t>SA1638: </a:t>
-            </a:r>
-            <a:r>
-              <a:rPr lang="es-MX" u="sng" dirty="0" err="1">
-                <a:hlinkClick r:id="rId8"/>
-              </a:rPr>
-              <a:t>FileHeaderFileNameDocumentationMustMatchFileName</a:t>
-            </a:r>
-            <a:endParaRPr lang="es-MX" dirty="0"/>
+              <a:t>level</a:t>
+            </a:r>
+            <a:endParaRPr lang="en-US" dirty="0"/>
           </a:p>
         </p:txBody>
       </p:sp>
     </p:spTree>
     <p:extLst>
       <p:ext uri="{BB962C8B-B14F-4D97-AF65-F5344CB8AC3E}">
-        <p14:creationId xmlns:p14="http://schemas.microsoft.com/office/powerpoint/2010/main" val="578708827"/>
+        <p14:creationId xmlns:p14="http://schemas.microsoft.com/office/powerpoint/2010/main" val="1889415674"/>
       </p:ext>
     </p:extLst>
   </p:cSld>
@@ -14896,35 +14575,35 @@
           <a:lstStyle/>
           <a:p>
             <a:r>
-              <a:rPr lang="es-MX" dirty="0"/>
+              <a:rPr lang="es-MX" dirty="0" smtClean="0"/>
               <a:t>Complementando al </a:t>
             </a:r>
             <a:r>
-              <a:rPr lang="es-MX" dirty="0" err="1"/>
+              <a:rPr lang="es-MX" dirty="0" err="1" smtClean="0"/>
               <a:t>Code</a:t>
             </a:r>
             <a:r>
-              <a:rPr lang="es-MX" dirty="0"/>
+              <a:rPr lang="es-MX" dirty="0" smtClean="0"/>
               <a:t> </a:t>
             </a:r>
             <a:r>
-              <a:rPr lang="es-MX" dirty="0" err="1"/>
+              <a:rPr lang="es-MX" dirty="0" err="1" smtClean="0"/>
               <a:t>Analysis</a:t>
             </a:r>
             <a:r>
-              <a:rPr lang="es-MX" dirty="0"/>
+              <a:rPr lang="es-MX" dirty="0" smtClean="0"/>
               <a:t> y </a:t>
             </a:r>
             <a:r>
-              <a:rPr lang="es-MX" dirty="0" err="1"/>
+              <a:rPr lang="es-MX" dirty="0" err="1" smtClean="0"/>
               <a:t>Coding</a:t>
             </a:r>
             <a:r>
-              <a:rPr lang="es-MX" dirty="0"/>
+              <a:rPr lang="es-MX" dirty="0" smtClean="0"/>
               <a:t> </a:t>
             </a:r>
             <a:r>
-              <a:rPr lang="es-MX" dirty="0" err="1"/>
+              <a:rPr lang="es-MX" dirty="0" err="1" smtClean="0"/>
               <a:t>Guidelines</a:t>
             </a:r>
             <a:endParaRPr lang="es-MX" dirty="0"/>
@@ -14948,7 +14627,7 @@
           <a:p>
             <a:r>
               <a:rPr lang="es-MX" dirty="0" err="1" smtClean="0"/>
-              <a:t>Ghost</a:t>
+              <a:t>Code</a:t>
             </a:r>
             <a:r>
               <a:rPr lang="es-MX" dirty="0" smtClean="0"/>
@@ -14956,31 +14635,15 @@
             </a:r>
             <a:r>
               <a:rPr lang="es-MX" dirty="0" err="1" smtClean="0"/>
-              <a:t>Doc</a:t>
-            </a:r>
-            <a:endParaRPr lang="es-MX" dirty="0" smtClean="0"/>
+              <a:t>Maid</a:t>
+            </a:r>
+            <a:endParaRPr lang="es-MX" dirty="0"/>
           </a:p>
           <a:p>
             <a:pPr lvl="1"/>
             <a:r>
-              <a:rPr lang="en-US" dirty="0" smtClean="0"/>
-              <a:t>Genera </a:t>
-            </a:r>
-            <a:r>
-              <a:rPr lang="en-US" dirty="0" err="1" smtClean="0"/>
-              <a:t>documentación</a:t>
-            </a:r>
-            <a:r>
-              <a:rPr lang="en-US" dirty="0" smtClean="0"/>
-              <a:t> </a:t>
-            </a:r>
-            <a:r>
-              <a:rPr lang="en-US" dirty="0" err="1" smtClean="0"/>
-              <a:t>automáticamente</a:t>
-            </a:r>
-            <a:r>
-              <a:rPr lang="en-US" dirty="0" smtClean="0"/>
-              <a:t>. </a:t>
+              <a:rPr lang="es-MX" dirty="0" smtClean="0"/>
+              <a:t>Complejidad ciclomática ayuda a encontrar fácilmente clases o métodos que tengan más responsabilidad de la que debería. </a:t>
             </a:r>
           </a:p>
           <a:p>
@@ -14989,21 +14652,32 @@
               <a:rPr lang="en-US" dirty="0" smtClean="0">
                 <a:hlinkClick r:id="rId3"/>
               </a:rPr>
-              <a:t>PS2301 </a:t>
+              <a:t>PS1000 </a:t>
             </a:r>
             <a:r>
               <a:rPr lang="en-US" dirty="0">
                 <a:hlinkClick r:id="rId3"/>
               </a:rPr>
-              <a:t>Write comments and documentation in US </a:t>
+              <a:t>A class or interface should have a single </a:t>
             </a:r>
             <a:r>
               <a:rPr lang="en-US" dirty="0" smtClean="0">
                 <a:hlinkClick r:id="rId3"/>
               </a:rPr>
-              <a:t>English</a:t>
-            </a:r>
-            <a:endParaRPr lang="en-US" dirty="0"/>
+              <a:t>purpose</a:t>
+            </a:r>
+            <a:endParaRPr lang="en-US" dirty="0" smtClean="0"/>
+          </a:p>
+          <a:p>
+            <a:pPr lvl="1"/>
+            <a:r>
+              <a:rPr lang="es-MX" dirty="0" smtClean="0"/>
+              <a:t>Reorganizar y limpieza del código</a:t>
+            </a:r>
+            <a:r>
+              <a:rPr lang="en-US" dirty="0" smtClean="0"/>
+              <a:t>. </a:t>
+            </a:r>
           </a:p>
           <a:p>
             <a:pPr lvl="2"/>
@@ -15011,199 +14685,115 @@
               <a:rPr lang="en-US" dirty="0" smtClean="0">
                 <a:hlinkClick r:id="rId4"/>
               </a:rPr>
-              <a:t>PS2305 </a:t>
+              <a:t>PS2400 </a:t>
             </a:r>
             <a:r>
               <a:rPr lang="en-US" dirty="0">
                 <a:hlinkClick r:id="rId4"/>
               </a:rPr>
-              <a:t>Document all public, protected and internal types and </a:t>
+              <a:t>Use a common </a:t>
             </a:r>
             <a:r>
               <a:rPr lang="en-US" dirty="0" smtClean="0">
                 <a:hlinkClick r:id="rId4"/>
               </a:rPr>
-              <a:t>members</a:t>
-            </a:r>
-            <a:endParaRPr lang="en-US" dirty="0"/>
+              <a:t>layout</a:t>
+            </a:r>
+            <a:endParaRPr lang="en-US" dirty="0" smtClean="0"/>
           </a:p>
           <a:p>
             <a:pPr lvl="2"/>
+            <a:r>
+              <a:rPr lang="es-MX" dirty="0" smtClean="0">
+                <a:hlinkClick r:id="rId5"/>
+              </a:rPr>
+              <a:t>PS2402 </a:t>
+            </a:r>
             <a:r>
               <a:rPr lang="en-US" dirty="0" smtClean="0">
                 <a:hlinkClick r:id="rId5"/>
               </a:rPr>
-              <a:t>PS2306 </a:t>
+              <a:t>Order </a:t>
             </a:r>
             <a:r>
               <a:rPr lang="en-US" dirty="0">
                 <a:hlinkClick r:id="rId5"/>
               </a:rPr>
-              <a:t>Write XML documentation with another developer in </a:t>
+              <a:t>and group namespaces according the </a:t>
             </a:r>
             <a:r>
               <a:rPr lang="en-US" dirty="0" smtClean="0">
                 <a:hlinkClick r:id="rId5"/>
               </a:rPr>
-              <a:t>mind</a:t>
+              <a:t>company</a:t>
             </a:r>
             <a:endParaRPr lang="en-US" dirty="0"/>
           </a:p>
           <a:p>
             <a:pPr lvl="2"/>
             <a:r>
-              <a:rPr lang="es-MX" dirty="0" smtClean="0">
+              <a:rPr lang="en-US" dirty="0" smtClean="0">
                 <a:hlinkClick r:id="rId6"/>
               </a:rPr>
-              <a:t>PS2307 </a:t>
-            </a:r>
-            <a:r>
-              <a:rPr lang="es-MX" dirty="0" err="1">
+              <a:t>PS2406 </a:t>
+            </a:r>
+            <a:r>
+              <a:rPr lang="en-US" dirty="0">
                 <a:hlinkClick r:id="rId6"/>
               </a:rPr>
-              <a:t>Write</a:t>
-            </a:r>
-            <a:r>
-              <a:rPr lang="es-MX" dirty="0">
+              <a:t>Place members in a well-defined </a:t>
+            </a:r>
+            <a:r>
+              <a:rPr lang="en-US" dirty="0" smtClean="0">
                 <a:hlinkClick r:id="rId6"/>
               </a:rPr>
-              <a:t> MSDN-</a:t>
-            </a:r>
-            <a:r>
-              <a:rPr lang="es-MX" dirty="0" err="1">
-                <a:hlinkClick r:id="rId6"/>
+              <a:t>order</a:t>
+            </a:r>
+            <a:endParaRPr lang="en-US" dirty="0"/>
+          </a:p>
+          <a:p>
+            <a:pPr lvl="2"/>
+            <a:r>
+              <a:rPr lang="en-US" dirty="0" smtClean="0">
+                <a:hlinkClick r:id="rId7"/>
               </a:rPr>
-              <a:t>style</a:t>
-            </a:r>
-            <a:r>
-              <a:rPr lang="es-MX" dirty="0">
-                <a:hlinkClick r:id="rId6"/>
+              <a:t>PS2407 </a:t>
+            </a:r>
+            <a:r>
+              <a:rPr lang="en-US" dirty="0">
+                <a:hlinkClick r:id="rId7"/>
               </a:rPr>
-              <a:t> </a:t>
-            </a:r>
-            <a:r>
-              <a:rPr lang="es-MX" dirty="0" err="1" smtClean="0">
-                <a:hlinkClick r:id="rId6"/>
+              <a:t>Be reluctant with #</a:t>
+            </a:r>
+            <a:r>
+              <a:rPr lang="en-US" dirty="0" smtClean="0">
+                <a:hlinkClick r:id="rId7"/>
               </a:rPr>
-              <a:t>documentation</a:t>
-            </a:r>
+              <a:t>regions</a:t>
+            </a:r>
+            <a:endParaRPr lang="en-US" dirty="0" smtClean="0"/>
+          </a:p>
+          <a:p>
             <a:endParaRPr lang="es-MX" dirty="0" smtClean="0"/>
           </a:p>
           <a:p>
-            <a:r>
-              <a:rPr lang="es-MX" dirty="0" smtClean="0"/>
-              <a:t>Style </a:t>
-            </a:r>
-            <a:r>
-              <a:rPr lang="es-MX" dirty="0" err="1" smtClean="0"/>
-              <a:t>Cop</a:t>
-            </a:r>
-            <a:endParaRPr lang="es-MX" dirty="0" smtClean="0"/>
-          </a:p>
-          <a:p>
             <a:pPr lvl="1"/>
-            <a:r>
-              <a:rPr lang="es-MX" dirty="0" smtClean="0"/>
-              <a:t>Añade nuevas reglas y complementa muchas otras de los </a:t>
-            </a:r>
-            <a:r>
-              <a:rPr lang="es-MX" dirty="0" err="1"/>
-              <a:t>C</a:t>
-            </a:r>
-            <a:r>
-              <a:rPr lang="es-MX" dirty="0" err="1" smtClean="0"/>
-              <a:t>oding</a:t>
-            </a:r>
-            <a:r>
-              <a:rPr lang="es-MX" dirty="0" smtClean="0"/>
-              <a:t> </a:t>
-            </a:r>
-            <a:r>
-              <a:rPr lang="es-MX" dirty="0" err="1"/>
-              <a:t>G</a:t>
-            </a:r>
-            <a:r>
-              <a:rPr lang="es-MX" dirty="0" err="1" smtClean="0"/>
-              <a:t>uidelines</a:t>
-            </a:r>
-            <a:r>
-              <a:rPr lang="es-MX" dirty="0" smtClean="0"/>
-              <a:t>, principalmente en </a:t>
-            </a:r>
-            <a:r>
-              <a:rPr lang="es-MX" dirty="0" err="1" smtClean="0"/>
-              <a:t>Layout</a:t>
-            </a:r>
-            <a:r>
-              <a:rPr lang="es-MX" dirty="0" smtClean="0"/>
-              <a:t>, </a:t>
-            </a:r>
-            <a:r>
-              <a:rPr lang="es-MX" dirty="0" err="1" smtClean="0"/>
-              <a:t>Naming</a:t>
-            </a:r>
-            <a:r>
-              <a:rPr lang="es-MX" dirty="0" smtClean="0"/>
-              <a:t>, Documentación y legibilidad del código.</a:t>
-            </a:r>
+            <a:endParaRPr lang="en-US" b="1" dirty="0"/>
           </a:p>
           <a:p>
             <a:pPr lvl="1"/>
-            <a:r>
-              <a:rPr lang="es-MX" dirty="0" smtClean="0"/>
-              <a:t>Revisa los </a:t>
-            </a:r>
-            <a:r>
-              <a:rPr lang="es-MX" dirty="0" err="1" smtClean="0"/>
-              <a:t>tags</a:t>
-            </a:r>
-            <a:r>
-              <a:rPr lang="es-MX" dirty="0" smtClean="0"/>
-              <a:t> </a:t>
-            </a:r>
-            <a:r>
-              <a:rPr lang="es-MX" dirty="0" err="1" smtClean="0"/>
-              <a:t>xml</a:t>
-            </a:r>
-            <a:r>
-              <a:rPr lang="es-MX" dirty="0" smtClean="0"/>
-              <a:t> para generación de documentación.</a:t>
-            </a:r>
+            <a:endParaRPr lang="en-US" dirty="0"/>
           </a:p>
           <a:p>
             <a:pPr lvl="1"/>
-            <a:r>
-              <a:rPr lang="es-MX" dirty="0" smtClean="0"/>
-              <a:t>Se integra con </a:t>
-            </a:r>
-            <a:r>
-              <a:rPr lang="es-MX" dirty="0" err="1" smtClean="0"/>
-              <a:t>Code</a:t>
-            </a:r>
-            <a:r>
-              <a:rPr lang="es-MX" dirty="0" smtClean="0"/>
-              <a:t> </a:t>
-            </a:r>
-            <a:r>
-              <a:rPr lang="es-MX" dirty="0" err="1" smtClean="0"/>
-              <a:t>Analysis</a:t>
-            </a:r>
-            <a:r>
-              <a:rPr lang="es-MX" dirty="0" smtClean="0"/>
-              <a:t> para el reporte de dichos errores y los despliega en la ventana de Lista de Errores.</a:t>
-            </a:r>
             <a:endParaRPr lang="es-MX" dirty="0"/>
-          </a:p>
-          <a:p>
-            <a:pPr lvl="1"/>
-            <a:endParaRPr lang="es-MX" dirty="0" smtClean="0"/>
           </a:p>
         </p:txBody>
       </p:sp>
     </p:spTree>
     <p:extLst>
       <p:ext uri="{BB962C8B-B14F-4D97-AF65-F5344CB8AC3E}">
-        <p14:creationId xmlns:p14="http://schemas.microsoft.com/office/powerpoint/2010/main" val="3644740043"/>
+        <p14:creationId xmlns:p14="http://schemas.microsoft.com/office/powerpoint/2010/main" val="1790425805"/>
       </p:ext>
     </p:extLst>
   </p:cSld>
@@ -15277,229 +14867,201 @@
           <a:lstStyle/>
           <a:p>
             <a:r>
+              <a:rPr lang="es-MX" dirty="0" smtClean="0"/>
+              <a:t>Complementando al </a:t>
+            </a:r>
+            <a:r>
+              <a:rPr lang="es-MX" dirty="0" err="1" smtClean="0"/>
+              <a:t>Code</a:t>
+            </a:r>
+            <a:r>
+              <a:rPr lang="es-MX" dirty="0" smtClean="0"/>
+              <a:t> </a:t>
+            </a:r>
+            <a:r>
+              <a:rPr lang="es-MX" dirty="0" err="1" smtClean="0"/>
+              <a:t>Analysis</a:t>
+            </a:r>
+            <a:r>
+              <a:rPr lang="es-MX" dirty="0" smtClean="0"/>
+              <a:t> y </a:t>
+            </a:r>
+            <a:r>
+              <a:rPr lang="es-MX" dirty="0" err="1" smtClean="0"/>
+              <a:t>Coding</a:t>
+            </a:r>
+            <a:r>
+              <a:rPr lang="es-MX" dirty="0" smtClean="0"/>
+              <a:t> </a:t>
+            </a:r>
+            <a:r>
+              <a:rPr lang="es-MX" dirty="0" err="1" smtClean="0"/>
+              <a:t>Guidelines</a:t>
+            </a:r>
+            <a:endParaRPr lang="es-MX" dirty="0"/>
+          </a:p>
+        </p:txBody>
+      </p:sp>
+      <p:sp>
+        <p:nvSpPr>
+          <p:cNvPr id="4" name="Marcador de contenido 3"/>
+          <p:cNvSpPr>
+            <a:spLocks noGrp="1"/>
+          </p:cNvSpPr>
+          <p:nvPr>
+            <p:ph sz="quarter" idx="11"/>
+          </p:nvPr>
+        </p:nvSpPr>
+        <p:spPr/>
+        <p:txBody>
+          <a:bodyPr/>
+          <a:lstStyle/>
+          <a:p>
+            <a:r>
+              <a:rPr lang="en-US" dirty="0"/>
+              <a:t>License Header Manager</a:t>
+            </a:r>
+          </a:p>
+          <a:p>
+            <a:pPr lvl="1"/>
+            <a:r>
               <a:rPr lang="es-MX" dirty="0"/>
-              <a:t>Complementando al </a:t>
-            </a:r>
-            <a:r>
-              <a:rPr lang="es-MX" dirty="0" err="1"/>
-              <a:t>Code</a:t>
+              <a:t>Ayuda a identificar el archivo y su encabezado de documentación, así como la fecha de creación del archivo</a:t>
+            </a:r>
+            <a:r>
+              <a:rPr lang="en-US" dirty="0"/>
+              <a:t>. </a:t>
+            </a:r>
+            <a:r>
+              <a:rPr lang="es-MX" dirty="0"/>
+              <a:t>(dependiendo de la configuración que se le haya dado al archivo maestro de licencia</a:t>
+            </a:r>
+            <a:r>
+              <a:rPr lang="es-MX" dirty="0" smtClean="0"/>
+              <a:t>)</a:t>
+            </a:r>
+          </a:p>
+          <a:p>
+            <a:pPr lvl="1"/>
+            <a:r>
+              <a:rPr lang="es-MX" dirty="0" smtClean="0"/>
+              <a:t>Cumple las siguientes reglas propias del </a:t>
+            </a:r>
+            <a:r>
+              <a:rPr lang="es-MX" dirty="0" err="1" smtClean="0"/>
+              <a:t>StyleCop</a:t>
+            </a:r>
+            <a:r>
+              <a:rPr lang="es-MX" dirty="0" smtClean="0"/>
+              <a:t>:</a:t>
+            </a:r>
+            <a:endParaRPr lang="es-MX" dirty="0"/>
+          </a:p>
+          <a:p>
+            <a:pPr lvl="2"/>
+            <a:r>
+              <a:rPr lang="es-MX" u="sng" dirty="0">
+                <a:hlinkClick r:id="rId3"/>
+              </a:rPr>
+              <a:t>SA1633: </a:t>
+            </a:r>
+            <a:r>
+              <a:rPr lang="es-MX" u="sng" dirty="0" err="1">
+                <a:hlinkClick r:id="rId3"/>
+              </a:rPr>
+              <a:t>FileMustHaveHeader</a:t>
+            </a:r>
+            <a:endParaRPr lang="es-MX" u="sng" dirty="0"/>
+          </a:p>
+          <a:p>
+            <a:pPr lvl="2"/>
+            <a:r>
+              <a:rPr lang="es-MX" u="sng" dirty="0">
+                <a:hlinkClick r:id="rId4"/>
+              </a:rPr>
+              <a:t>SA1634: </a:t>
+            </a:r>
+            <a:r>
+              <a:rPr lang="es-MX" u="sng" dirty="0" err="1">
+                <a:hlinkClick r:id="rId4"/>
+              </a:rPr>
+              <a:t>FileHeaderMustShowCopyright</a:t>
             </a:r>
             <a:r>
               <a:rPr lang="es-MX" dirty="0"/>
               <a:t> </a:t>
             </a:r>
-            <a:r>
-              <a:rPr lang="es-MX" dirty="0" err="1"/>
-              <a:t>Analysis</a:t>
-            </a:r>
-            <a:r>
-              <a:rPr lang="es-MX" dirty="0"/>
-              <a:t> y </a:t>
-            </a:r>
-            <a:r>
-              <a:rPr lang="es-MX" dirty="0" err="1"/>
-              <a:t>Coding</a:t>
+          </a:p>
+          <a:p>
+            <a:pPr lvl="2"/>
+            <a:r>
+              <a:rPr lang="es-MX" u="sng" dirty="0">
+                <a:hlinkClick r:id="rId5"/>
+              </a:rPr>
+              <a:t>SA1635: </a:t>
+            </a:r>
+            <a:r>
+              <a:rPr lang="es-MX" u="sng" dirty="0" err="1">
+                <a:hlinkClick r:id="rId5"/>
+              </a:rPr>
+              <a:t>FileHeaderMustHaveCopyrightText</a:t>
             </a:r>
             <a:r>
               <a:rPr lang="es-MX" dirty="0"/>
               <a:t> </a:t>
             </a:r>
-            <a:r>
-              <a:rPr lang="es-MX" dirty="0" err="1"/>
-              <a:t>Guidelines</a:t>
-            </a:r>
-            <a:endParaRPr lang="es-MX" dirty="0"/>
-          </a:p>
-        </p:txBody>
-      </p:sp>
-      <p:sp>
-        <p:nvSpPr>
-          <p:cNvPr id="4" name="Marcador de contenido 3"/>
-          <p:cNvSpPr>
-            <a:spLocks noGrp="1"/>
-          </p:cNvSpPr>
-          <p:nvPr>
-            <p:ph sz="quarter" idx="11"/>
-          </p:nvPr>
-        </p:nvSpPr>
-        <p:spPr/>
-        <p:txBody>
-          <a:bodyPr/>
-          <a:lstStyle/>
-          <a:p>
-            <a:r>
-              <a:rPr lang="es-MX" dirty="0" err="1" smtClean="0"/>
-              <a:t>VSDocman</a:t>
-            </a:r>
-            <a:endParaRPr lang="es-MX" dirty="0" smtClean="0"/>
-          </a:p>
-          <a:p>
-            <a:pPr lvl="1"/>
-            <a:r>
-              <a:rPr lang="es-MX" dirty="0" smtClean="0"/>
-              <a:t>Genera documentación estilo MSDN.</a:t>
-            </a:r>
           </a:p>
           <a:p>
             <a:pPr lvl="2"/>
             <a:r>
-              <a:rPr lang="es-MX" dirty="0">
-                <a:hlinkClick r:id="rId3"/>
-              </a:rPr>
-              <a:t>PS2307 </a:t>
-            </a:r>
-            <a:r>
-              <a:rPr lang="es-MX" dirty="0" err="1">
-                <a:hlinkClick r:id="rId3"/>
-              </a:rPr>
-              <a:t>Write</a:t>
-            </a:r>
-            <a:r>
-              <a:rPr lang="es-MX" dirty="0">
-                <a:hlinkClick r:id="rId3"/>
-              </a:rPr>
-              <a:t> MSDN-</a:t>
-            </a:r>
-            <a:r>
-              <a:rPr lang="es-MX" dirty="0" err="1">
-                <a:hlinkClick r:id="rId3"/>
-              </a:rPr>
-              <a:t>style</a:t>
-            </a:r>
-            <a:r>
-              <a:rPr lang="es-MX" dirty="0">
-                <a:hlinkClick r:id="rId3"/>
-              </a:rPr>
-              <a:t> </a:t>
-            </a:r>
-            <a:r>
-              <a:rPr lang="es-MX" dirty="0" err="1" smtClean="0">
-                <a:hlinkClick r:id="rId3"/>
-              </a:rPr>
-              <a:t>documentation</a:t>
-            </a:r>
-            <a:endParaRPr lang="es-MX" dirty="0" smtClean="0"/>
-          </a:p>
-          <a:p>
-            <a:pPr lvl="2"/>
-            <a:r>
-              <a:rPr lang="en-US" dirty="0">
-                <a:hlinkClick r:id="rId4"/>
-              </a:rPr>
-              <a:t>PS2305 Document all public, protected and internal types and members</a:t>
-            </a:r>
-            <a:endParaRPr lang="en-US" dirty="0"/>
-          </a:p>
-          <a:p>
-            <a:pPr lvl="2"/>
-            <a:r>
-              <a:rPr lang="en-US" dirty="0">
-                <a:hlinkClick r:id="rId5"/>
-              </a:rPr>
-              <a:t>PS2306 Write XML documentation with another developer in </a:t>
-            </a:r>
-            <a:r>
-              <a:rPr lang="en-US" dirty="0" smtClean="0">
-                <a:hlinkClick r:id="rId5"/>
-              </a:rPr>
-              <a:t>mind</a:t>
-            </a:r>
-            <a:endParaRPr lang="es-MX" dirty="0"/>
-          </a:p>
-          <a:p>
-            <a:pPr lvl="2"/>
-            <a:r>
-              <a:rPr lang="en-US" dirty="0">
+              <a:rPr lang="es-MX" u="sng" dirty="0">
                 <a:hlinkClick r:id="rId6"/>
               </a:rPr>
-              <a:t>PS2316 Only write comments to explain complex algorithms or </a:t>
-            </a:r>
-            <a:r>
-              <a:rPr lang="en-US" dirty="0" smtClean="0">
+              <a:t>SA1636: </a:t>
+            </a:r>
+            <a:r>
+              <a:rPr lang="es-MX" u="sng" dirty="0" err="1">
                 <a:hlinkClick r:id="rId6"/>
               </a:rPr>
-              <a:t>decisions</a:t>
-            </a:r>
-            <a:endParaRPr lang="en-US" dirty="0" smtClean="0"/>
-          </a:p>
-          <a:p>
-            <a:pPr lvl="1"/>
-            <a:r>
-              <a:rPr lang="en-US" dirty="0" smtClean="0"/>
-              <a:t>Vista </a:t>
-            </a:r>
-            <a:r>
-              <a:rPr lang="en-US" dirty="0" err="1" smtClean="0"/>
-              <a:t>previa</a:t>
-            </a:r>
-            <a:r>
-              <a:rPr lang="en-US" dirty="0" smtClean="0"/>
-              <a:t> de la </a:t>
-            </a:r>
-            <a:r>
-              <a:rPr lang="en-US" dirty="0" err="1" smtClean="0"/>
-              <a:t>documentación</a:t>
-            </a:r>
-            <a:endParaRPr lang="en-US" dirty="0" smtClean="0"/>
-          </a:p>
-          <a:p>
-            <a:pPr lvl="1"/>
-            <a:r>
-              <a:rPr lang="en-US" dirty="0" err="1" smtClean="0"/>
-              <a:t>Propiedades</a:t>
-            </a:r>
-            <a:r>
-              <a:rPr lang="en-US" dirty="0" smtClean="0"/>
+              <a:t>FileHeaderCopyrightTextMustMatch</a:t>
+            </a:r>
+            <a:r>
+              <a:rPr lang="es-MX" dirty="0"/>
               <a:t> </a:t>
             </a:r>
-            <a:r>
-              <a:rPr lang="en-US" dirty="0" err="1" smtClean="0"/>
-              <a:t>Extendidas</a:t>
-            </a:r>
-            <a:r>
-              <a:rPr lang="en-US" dirty="0" smtClean="0"/>
-              <a:t> para inclusion de </a:t>
-            </a:r>
-            <a:r>
-              <a:rPr lang="en-US" dirty="0" err="1" smtClean="0"/>
-              <a:t>ejemplos</a:t>
-            </a:r>
-            <a:r>
-              <a:rPr lang="en-US" dirty="0" smtClean="0"/>
+          </a:p>
+          <a:p>
+            <a:pPr lvl="2"/>
+            <a:r>
+              <a:rPr lang="es-MX" u="sng" dirty="0">
+                <a:hlinkClick r:id="rId7"/>
+              </a:rPr>
+              <a:t>SA1637: </a:t>
+            </a:r>
+            <a:r>
+              <a:rPr lang="es-MX" u="sng" dirty="0" err="1">
+                <a:hlinkClick r:id="rId7"/>
+              </a:rPr>
+              <a:t>FileHeaderMustContainFileName</a:t>
+            </a:r>
+            <a:r>
+              <a:rPr lang="es-MX" dirty="0"/>
               <a:t> </a:t>
             </a:r>
-            <a:r>
-              <a:rPr lang="en-US" dirty="0" err="1" smtClean="0"/>
-              <a:t>en</a:t>
-            </a:r>
-            <a:r>
-              <a:rPr lang="en-US" dirty="0" smtClean="0"/>
-              <a:t> la </a:t>
-            </a:r>
-            <a:r>
-              <a:rPr lang="en-US" dirty="0" err="1" smtClean="0"/>
-              <a:t>documentación</a:t>
-            </a:r>
-            <a:endParaRPr lang="es-MX" dirty="0" smtClean="0"/>
-          </a:p>
-          <a:p>
-            <a:r>
-              <a:rPr lang="es-MX" dirty="0" smtClean="0"/>
-              <a:t>Archivo concentrado de Reglas</a:t>
-            </a:r>
-          </a:p>
-          <a:p>
-            <a:pPr lvl="1"/>
-            <a:r>
-              <a:rPr lang="es-MX" dirty="0" smtClean="0"/>
-              <a:t>Excel que contiene los códigos, descripciones y enlaces de todas las reglas de codificación que se pueden aplicar.</a:t>
-            </a:r>
-          </a:p>
-          <a:p>
-            <a:pPr lvl="1"/>
-            <a:r>
-              <a:rPr lang="es-MX" dirty="0" smtClean="0"/>
-              <a:t>Se encuentra en los recursos de la capacitación dentro de la carpeta “Recursos”</a:t>
+          </a:p>
+          <a:p>
+            <a:pPr lvl="2"/>
+            <a:r>
+              <a:rPr lang="es-MX" u="sng" dirty="0">
+                <a:hlinkClick r:id="rId8"/>
+              </a:rPr>
+              <a:t>SA1638: </a:t>
+            </a:r>
+            <a:r>
+              <a:rPr lang="es-MX" u="sng" dirty="0" err="1">
+                <a:hlinkClick r:id="rId8"/>
+              </a:rPr>
+              <a:t>FileHeaderFileNameDocumentationMustMatchFileName</a:t>
             </a:r>
             <a:endParaRPr lang="es-MX" dirty="0"/>
           </a:p>
@@ -15508,7 +15070,7 @@
     </p:spTree>
     <p:extLst>
       <p:ext uri="{BB962C8B-B14F-4D97-AF65-F5344CB8AC3E}">
-        <p14:creationId xmlns:p14="http://schemas.microsoft.com/office/powerpoint/2010/main" val="1287498067"/>
+        <p14:creationId xmlns:p14="http://schemas.microsoft.com/office/powerpoint/2010/main" val="578708827"/>
       </p:ext>
     </p:extLst>
   </p:cSld>
@@ -15582,8 +15144,36 @@
           <a:lstStyle/>
           <a:p>
             <a:r>
-              <a:rPr lang="es-MX" dirty="0" smtClean="0"/>
-              <a:t>Lecturas Adicionales</a:t>
+              <a:rPr lang="es-MX" dirty="0"/>
+              <a:t>Complementando al </a:t>
+            </a:r>
+            <a:r>
+              <a:rPr lang="es-MX" dirty="0" err="1"/>
+              <a:t>Code</a:t>
+            </a:r>
+            <a:r>
+              <a:rPr lang="es-MX" dirty="0"/>
+              <a:t> </a:t>
+            </a:r>
+            <a:r>
+              <a:rPr lang="es-MX" dirty="0" err="1"/>
+              <a:t>Analysis</a:t>
+            </a:r>
+            <a:r>
+              <a:rPr lang="es-MX" dirty="0"/>
+              <a:t> y </a:t>
+            </a:r>
+            <a:r>
+              <a:rPr lang="es-MX" dirty="0" err="1"/>
+              <a:t>Coding</a:t>
+            </a:r>
+            <a:r>
+              <a:rPr lang="es-MX" dirty="0"/>
+              <a:t> </a:t>
+            </a:r>
+            <a:r>
+              <a:rPr lang="es-MX" dirty="0" err="1"/>
+              <a:t>Guidelines</a:t>
             </a:r>
             <a:endParaRPr lang="es-MX" dirty="0"/>
           </a:p>
@@ -15605,157 +15195,215 @@
           <a:lstStyle/>
           <a:p>
             <a:r>
-              <a:rPr lang="es-MX" dirty="0" smtClean="0"/>
-              <a:t>Complejidad </a:t>
-            </a:r>
-            <a:r>
               <a:rPr lang="es-MX" dirty="0" err="1" smtClean="0"/>
-              <a:t>ciclomática</a:t>
+              <a:t>Ghost</a:t>
+            </a:r>
+            <a:r>
+              <a:rPr lang="es-MX" dirty="0" smtClean="0"/>
+              <a:t> </a:t>
+            </a:r>
+            <a:r>
+              <a:rPr lang="es-MX" dirty="0" err="1" smtClean="0"/>
+              <a:t>Doc</a:t>
             </a:r>
             <a:endParaRPr lang="es-MX" dirty="0" smtClean="0"/>
           </a:p>
           <a:p>
             <a:pPr lvl="1"/>
             <a:r>
-              <a:rPr lang="es-MX" u="sng" dirty="0">
+              <a:rPr lang="en-US" dirty="0" smtClean="0"/>
+              <a:t>Genera </a:t>
+            </a:r>
+            <a:r>
+              <a:rPr lang="en-US" dirty="0" err="1" smtClean="0"/>
+              <a:t>documentación</a:t>
+            </a:r>
+            <a:r>
+              <a:rPr lang="en-US" dirty="0" smtClean="0"/>
+              <a:t> </a:t>
+            </a:r>
+            <a:r>
+              <a:rPr lang="en-US" dirty="0" err="1" smtClean="0"/>
+              <a:t>automáticamente</a:t>
+            </a:r>
+            <a:r>
+              <a:rPr lang="en-US" dirty="0" smtClean="0"/>
+              <a:t>. </a:t>
+            </a:r>
+          </a:p>
+          <a:p>
+            <a:pPr lvl="2"/>
+            <a:r>
+              <a:rPr lang="en-US" dirty="0" smtClean="0">
                 <a:hlinkClick r:id="rId3"/>
               </a:rPr>
-              <a:t>https://</a:t>
-            </a:r>
-            <a:r>
-              <a:rPr lang="es-MX" u="sng" dirty="0" smtClean="0">
+              <a:t>PS2301 </a:t>
+            </a:r>
+            <a:r>
+              <a:rPr lang="en-US" dirty="0">
                 <a:hlinkClick r:id="rId3"/>
               </a:rPr>
-              <a:t>es.wikipedia.org/wiki/Complejidad_ciclom%C3%A1tica</a:t>
-            </a:r>
-            <a:endParaRPr lang="es-MX" u="sng" dirty="0" smtClean="0"/>
-          </a:p>
-          <a:p>
-            <a:pPr lvl="1"/>
-            <a:r>
-              <a:rPr lang="es-MX" u="sng" dirty="0">
+              <a:t>Write comments and documentation in US </a:t>
+            </a:r>
+            <a:r>
+              <a:rPr lang="en-US" dirty="0" smtClean="0">
+                <a:hlinkClick r:id="rId3"/>
+              </a:rPr>
+              <a:t>English</a:t>
+            </a:r>
+            <a:endParaRPr lang="en-US" dirty="0"/>
+          </a:p>
+          <a:p>
+            <a:pPr lvl="2"/>
+            <a:r>
+              <a:rPr lang="en-US" dirty="0" smtClean="0">
                 <a:hlinkClick r:id="rId4"/>
               </a:rPr>
-              <a:t>https://</a:t>
-            </a:r>
-            <a:r>
-              <a:rPr lang="es-MX" u="sng" dirty="0" smtClean="0">
+              <a:t>PS2305 </a:t>
+            </a:r>
+            <a:r>
+              <a:rPr lang="en-US" dirty="0">
                 <a:hlinkClick r:id="rId4"/>
               </a:rPr>
-              <a:t>www.youtube.com/watch?v=xsvCmEnXXgM</a:t>
-            </a:r>
-            <a:endParaRPr lang="es-MX" u="sng" dirty="0" smtClean="0"/>
-          </a:p>
-          <a:p>
-            <a:pPr lvl="1"/>
-            <a:r>
-              <a:rPr lang="es-MX" u="sng" dirty="0">
-                <a:hlinkClick r:id="rId3"/>
+              <a:t>Document all public, protected and internal types and </a:t>
+            </a:r>
+            <a:r>
+              <a:rPr lang="en-US" dirty="0" smtClean="0">
+                <a:hlinkClick r:id="rId4"/>
               </a:rPr>
-              <a:t>https://</a:t>
-            </a:r>
-            <a:r>
-              <a:rPr lang="es-MX" u="sng" dirty="0" smtClean="0">
-                <a:hlinkClick r:id="rId3"/>
-              </a:rPr>
-              <a:t>es.wikipedia.org/wiki/Complejidad_ciclom%C3%A1tica</a:t>
-            </a:r>
-            <a:endParaRPr lang="es-MX" u="sng" dirty="0" smtClean="0"/>
-          </a:p>
-          <a:p>
-            <a:r>
-              <a:rPr lang="es-MX" dirty="0" smtClean="0"/>
-              <a:t>Estructuras de control</a:t>
-            </a:r>
-          </a:p>
-          <a:p>
-            <a:pPr lvl="1"/>
-            <a:r>
-              <a:rPr lang="es-MX" u="sng" dirty="0">
+              <a:t>members</a:t>
+            </a:r>
+            <a:endParaRPr lang="en-US" dirty="0"/>
+          </a:p>
+          <a:p>
+            <a:pPr lvl="2"/>
+            <a:r>
+              <a:rPr lang="en-US" dirty="0" smtClean="0">
                 <a:hlinkClick r:id="rId5"/>
               </a:rPr>
-              <a:t>https://msdn.microsoft.com/es-mx/library/e240yzs4(v=vs.90).</a:t>
-            </a:r>
-            <a:r>
-              <a:rPr lang="es-MX" u="sng" dirty="0" smtClean="0">
+              <a:t>PS2306 </a:t>
+            </a:r>
+            <a:r>
+              <a:rPr lang="en-US" dirty="0">
                 <a:hlinkClick r:id="rId5"/>
               </a:rPr>
-              <a:t>aspx</a:t>
-            </a:r>
-            <a:endParaRPr lang="es-MX" u="sng" dirty="0" smtClean="0"/>
-          </a:p>
-          <a:p>
-            <a:r>
-              <a:rPr lang="es-MX" dirty="0" smtClean="0"/>
-              <a:t>Propiedades extendidas del </a:t>
-            </a:r>
-            <a:r>
-              <a:rPr lang="es-MX" dirty="0" err="1" smtClean="0"/>
-              <a:t>License</a:t>
-            </a:r>
-            <a:r>
-              <a:rPr lang="es-MX" dirty="0" smtClean="0"/>
-              <a:t> </a:t>
-            </a:r>
-            <a:r>
-              <a:rPr lang="es-MX" dirty="0" err="1" smtClean="0"/>
-              <a:t>Header</a:t>
-            </a:r>
-            <a:r>
-              <a:rPr lang="es-MX" dirty="0" smtClean="0"/>
-              <a:t> Manager</a:t>
-            </a:r>
-          </a:p>
-          <a:p>
-            <a:pPr lvl="1"/>
+              <a:t>Write XML documentation with another developer in </a:t>
+            </a:r>
+            <a:r>
+              <a:rPr lang="en-US" dirty="0" smtClean="0">
+                <a:hlinkClick r:id="rId5"/>
+              </a:rPr>
+              <a:t>mind</a:t>
+            </a:r>
+            <a:endParaRPr lang="en-US" dirty="0"/>
+          </a:p>
+          <a:p>
+            <a:pPr lvl="2"/>
+            <a:r>
+              <a:rPr lang="es-MX" dirty="0" smtClean="0">
+                <a:hlinkClick r:id="rId6"/>
+              </a:rPr>
+              <a:t>PS2307 </a:t>
+            </a:r>
+            <a:r>
+              <a:rPr lang="es-MX" dirty="0" err="1">
+                <a:hlinkClick r:id="rId6"/>
+              </a:rPr>
+              <a:t>Write</a:t>
+            </a:r>
             <a:r>
               <a:rPr lang="es-MX" dirty="0">
                 <a:hlinkClick r:id="rId6"/>
               </a:rPr>
-              <a:t>http://</a:t>
-            </a:r>
-            <a:r>
-              <a:rPr lang="es-MX" dirty="0" smtClean="0">
+              <a:t> MSDN-</a:t>
+            </a:r>
+            <a:r>
+              <a:rPr lang="es-MX" dirty="0" err="1">
                 <a:hlinkClick r:id="rId6"/>
               </a:rPr>
-              <a:t>licensemanager.codeplex.com/wikipage?title=Expandable%20Properties&amp;referringTitle=License%20Header%20Definitions</a:t>
+              <a:t>style</a:t>
+            </a:r>
+            <a:r>
+              <a:rPr lang="es-MX" dirty="0">
+                <a:hlinkClick r:id="rId6"/>
+              </a:rPr>
+              <a:t> </a:t>
+            </a:r>
+            <a:r>
+              <a:rPr lang="es-MX" dirty="0" err="1" smtClean="0">
+                <a:hlinkClick r:id="rId6"/>
+              </a:rPr>
+              <a:t>documentation</a:t>
             </a:r>
             <a:endParaRPr lang="es-MX" dirty="0" smtClean="0"/>
           </a:p>
           <a:p>
             <a:r>
               <a:rPr lang="es-MX" dirty="0" smtClean="0"/>
-              <a:t>Comentarios de documentación XML</a:t>
-            </a:r>
+              <a:t>Style </a:t>
+            </a:r>
+            <a:r>
+              <a:rPr lang="es-MX" dirty="0" err="1" smtClean="0"/>
+              <a:t>Cop</a:t>
+            </a:r>
+            <a:endParaRPr lang="es-MX" dirty="0" smtClean="0"/>
           </a:p>
           <a:p>
             <a:pPr lvl="1"/>
             <a:r>
-              <a:rPr lang="es-MX" dirty="0">
-                <a:hlinkClick r:id="rId7"/>
-              </a:rPr>
-              <a:t>https://</a:t>
-            </a:r>
-            <a:r>
-              <a:rPr lang="es-MX" dirty="0" smtClean="0">
-                <a:hlinkClick r:id="rId7"/>
-              </a:rPr>
-              <a:t>msdn.microsoft.com/es-es/library/b2s063f7.aspx</a:t>
-            </a:r>
-            <a:endParaRPr lang="es-MX" dirty="0"/>
-          </a:p>
-          <a:p>
+              <a:rPr lang="es-MX" dirty="0" smtClean="0"/>
+              <a:t>Añade nuevas reglas y complementa muchas otras de los </a:t>
+            </a:r>
+            <a:r>
+              <a:rPr lang="es-MX" dirty="0" err="1"/>
+              <a:t>C</a:t>
+            </a:r>
             <a:r>
               <a:rPr lang="es-MX" dirty="0" err="1" smtClean="0"/>
-              <a:t>Analyzing</a:t>
+              <a:t>oding</a:t>
             </a:r>
             <a:r>
               <a:rPr lang="es-MX" dirty="0" smtClean="0"/>
               <a:t> </a:t>
             </a:r>
             <a:r>
+              <a:rPr lang="es-MX" dirty="0" err="1"/>
+              <a:t>G</a:t>
+            </a:r>
+            <a:r>
               <a:rPr lang="es-MX" dirty="0" err="1" smtClean="0"/>
-              <a:t>Application</a:t>
+              <a:t>uidelines</a:t>
+            </a:r>
+            <a:r>
+              <a:rPr lang="es-MX" dirty="0" smtClean="0"/>
+              <a:t>, principalmente en </a:t>
+            </a:r>
+            <a:r>
+              <a:rPr lang="es-MX" dirty="0" err="1" smtClean="0"/>
+              <a:t>Layout</a:t>
+            </a:r>
+            <a:r>
+              <a:rPr lang="es-MX" dirty="0" smtClean="0"/>
+              <a:t>, </a:t>
+            </a:r>
+            <a:r>
+              <a:rPr lang="es-MX" dirty="0" err="1" smtClean="0"/>
+              <a:t>Naming</a:t>
+            </a:r>
+            <a:r>
+              <a:rPr lang="es-MX" dirty="0" smtClean="0"/>
+              <a:t>, Documentación y legibilidad del código.</a:t>
+            </a:r>
+          </a:p>
+          <a:p>
+            <a:pPr lvl="1"/>
+            <a:r>
+              <a:rPr lang="es-MX" dirty="0" smtClean="0"/>
+              <a:t>Revisa los </a:t>
+            </a:r>
+            <a:r>
+              <a:rPr lang="es-MX" dirty="0" err="1" smtClean="0"/>
+              <a:t>tags</a:t>
             </a:r>
             <a:r>
               <a:rPr lang="es-MX" dirty="0" smtClean="0"/>
@@ -15763,27 +15411,18 @@
             </a:r>
             <a:r>
               <a:rPr lang="es-MX" dirty="0" err="1" smtClean="0"/>
-              <a:t>Quality</a:t>
-            </a:r>
-            <a:r>
-              <a:rPr lang="es-MX" dirty="0" smtClean="0"/>
-              <a:t> </a:t>
-            </a:r>
-            <a:r>
-              <a:rPr lang="es-MX" dirty="0" err="1" smtClean="0"/>
-              <a:t>by</a:t>
-            </a:r>
-            <a:r>
-              <a:rPr lang="es-MX" dirty="0" smtClean="0"/>
-              <a:t> </a:t>
-            </a:r>
-            <a:r>
-              <a:rPr lang="es-MX" dirty="0" err="1" smtClean="0"/>
-              <a:t>Using</a:t>
-            </a:r>
-            <a:r>
-              <a:rPr lang="es-MX" dirty="0" smtClean="0"/>
-              <a:t> </a:t>
+              <a:t>xml</a:t>
+            </a:r>
+            <a:r>
+              <a:rPr lang="es-MX" dirty="0" smtClean="0"/>
+              <a:t> para generación de documentación.</a:t>
+            </a:r>
+          </a:p>
+          <a:p>
+            <a:pPr lvl="1"/>
+            <a:r>
+              <a:rPr lang="es-MX" dirty="0" smtClean="0"/>
+              <a:t>Se integra con </a:t>
             </a:r>
             <a:r>
               <a:rPr lang="es-MX" dirty="0" err="1" smtClean="0"/>
@@ -15799,49 +15438,20 @@
             </a:r>
             <a:r>
               <a:rPr lang="es-MX" dirty="0" smtClean="0"/>
-              <a:t> Tools</a:t>
-            </a:r>
-          </a:p>
-          <a:p>
-            <a:pPr lvl="1"/>
-            <a:r>
-              <a:rPr lang="es-MX" dirty="0">
-                <a:hlinkClick r:id="rId8"/>
-              </a:rPr>
-              <a:t>https://</a:t>
-            </a:r>
-            <a:r>
-              <a:rPr lang="es-MX" dirty="0" smtClean="0">
-                <a:hlinkClick r:id="rId8"/>
-              </a:rPr>
-              <a:t>msdn.microsoft.com/en-us/library/dd264897.aspx</a:t>
-            </a:r>
-            <a:endParaRPr lang="es-MX" dirty="0" smtClean="0"/>
-          </a:p>
-          <a:p>
-            <a:pPr marL="457200" lvl="1" indent="0">
-              <a:buNone/>
-            </a:pPr>
-            <a:endParaRPr lang="es-MX" dirty="0" smtClean="0"/>
+              <a:t> para el reporte de dichos errores y los despliega en la ventana de Lista de Errores.</a:t>
+            </a:r>
+            <a:endParaRPr lang="es-MX" dirty="0"/>
           </a:p>
           <a:p>
             <a:pPr lvl="1"/>
             <a:endParaRPr lang="es-MX" dirty="0" smtClean="0"/>
-          </a:p>
-          <a:p>
-            <a:pPr lvl="1"/>
-            <a:endParaRPr lang="es-MX" u="sng" dirty="0" smtClean="0"/>
-          </a:p>
-          <a:p>
-            <a:pPr lvl="1"/>
-            <a:endParaRPr lang="es-MX" u="sng" dirty="0"/>
           </a:p>
         </p:txBody>
       </p:sp>
     </p:spTree>
     <p:extLst>
       <p:ext uri="{BB962C8B-B14F-4D97-AF65-F5344CB8AC3E}">
-        <p14:creationId xmlns:p14="http://schemas.microsoft.com/office/powerpoint/2010/main" val="161012999"/>
+        <p14:creationId xmlns:p14="http://schemas.microsoft.com/office/powerpoint/2010/main" val="3644740043"/>
       </p:ext>
     </p:extLst>
   </p:cSld>
@@ -15915,8 +15525,36 @@
           <a:lstStyle/>
           <a:p>
             <a:r>
-              <a:rPr lang="es-MX" dirty="0" smtClean="0"/>
-              <a:t>Lecturas Adicionales</a:t>
+              <a:rPr lang="es-MX" dirty="0"/>
+              <a:t>Complementando al </a:t>
+            </a:r>
+            <a:r>
+              <a:rPr lang="es-MX" dirty="0" err="1"/>
+              <a:t>Code</a:t>
+            </a:r>
+            <a:r>
+              <a:rPr lang="es-MX" dirty="0"/>
+              <a:t> </a:t>
+            </a:r>
+            <a:r>
+              <a:rPr lang="es-MX" dirty="0" err="1"/>
+              <a:t>Analysis</a:t>
+            </a:r>
+            <a:r>
+              <a:rPr lang="es-MX" dirty="0"/>
+              <a:t> y </a:t>
+            </a:r>
+            <a:r>
+              <a:rPr lang="es-MX" dirty="0" err="1"/>
+              <a:t>Coding</a:t>
+            </a:r>
+            <a:r>
+              <a:rPr lang="es-MX" dirty="0"/>
+              <a:t> </a:t>
+            </a:r>
+            <a:r>
+              <a:rPr lang="es-MX" dirty="0" err="1"/>
+              <a:t>Guidelines</a:t>
             </a:r>
             <a:endParaRPr lang="es-MX" dirty="0"/>
           </a:p>
@@ -15938,44 +15576,179 @@
           <a:lstStyle/>
           <a:p>
             <a:r>
-              <a:rPr lang="es-MX" dirty="0" smtClean="0"/>
-              <a:t>General </a:t>
-            </a:r>
-            <a:r>
               <a:rPr lang="es-MX" dirty="0" err="1" smtClean="0"/>
-              <a:t>Coding</a:t>
-            </a:r>
-            <a:r>
-              <a:rPr lang="es-MX" dirty="0" smtClean="0"/>
+              <a:t>VSDocman</a:t>
+            </a:r>
+            <a:endParaRPr lang="es-MX" dirty="0" smtClean="0"/>
+          </a:p>
+          <a:p>
+            <a:pPr lvl="1"/>
+            <a:r>
+              <a:rPr lang="es-MX" dirty="0" smtClean="0"/>
+              <a:t>Genera documentación estilo MSDN.</a:t>
+            </a:r>
+          </a:p>
+          <a:p>
+            <a:pPr lvl="2"/>
+            <a:r>
+              <a:rPr lang="es-MX" dirty="0">
+                <a:hlinkClick r:id="rId3"/>
+              </a:rPr>
+              <a:t>PS2307 </a:t>
+            </a:r>
+            <a:r>
+              <a:rPr lang="es-MX" dirty="0" err="1">
+                <a:hlinkClick r:id="rId3"/>
+              </a:rPr>
+              <a:t>Write</a:t>
+            </a:r>
+            <a:r>
+              <a:rPr lang="es-MX" dirty="0">
+                <a:hlinkClick r:id="rId3"/>
+              </a:rPr>
+              <a:t> MSDN-</a:t>
+            </a:r>
+            <a:r>
+              <a:rPr lang="es-MX" dirty="0" err="1">
+                <a:hlinkClick r:id="rId3"/>
+              </a:rPr>
+              <a:t>style</a:t>
+            </a:r>
+            <a:r>
+              <a:rPr lang="es-MX" dirty="0">
+                <a:hlinkClick r:id="rId3"/>
+              </a:rPr>
               <a:t> </a:t>
             </a:r>
             <a:r>
-              <a:rPr lang="es-MX" dirty="0" err="1" smtClean="0"/>
-              <a:t>Guidelines</a:t>
+              <a:rPr lang="es-MX" dirty="0" err="1" smtClean="0">
+                <a:hlinkClick r:id="rId3"/>
+              </a:rPr>
+              <a:t>documentation</a:t>
             </a:r>
             <a:endParaRPr lang="es-MX" dirty="0" smtClean="0"/>
           </a:p>
           <a:p>
+            <a:pPr lvl="2"/>
+            <a:r>
+              <a:rPr lang="en-US" dirty="0">
+                <a:hlinkClick r:id="rId4"/>
+              </a:rPr>
+              <a:t>PS2305 Document all public, protected and internal types and members</a:t>
+            </a:r>
+            <a:endParaRPr lang="en-US" dirty="0"/>
+          </a:p>
+          <a:p>
+            <a:pPr lvl="2"/>
+            <a:r>
+              <a:rPr lang="en-US" dirty="0">
+                <a:hlinkClick r:id="rId5"/>
+              </a:rPr>
+              <a:t>PS2306 Write XML documentation with another developer in </a:t>
+            </a:r>
+            <a:r>
+              <a:rPr lang="en-US" dirty="0" smtClean="0">
+                <a:hlinkClick r:id="rId5"/>
+              </a:rPr>
+              <a:t>mind</a:t>
+            </a:r>
+            <a:endParaRPr lang="es-MX" dirty="0"/>
+          </a:p>
+          <a:p>
+            <a:pPr lvl="2"/>
+            <a:r>
+              <a:rPr lang="en-US" dirty="0">
+                <a:hlinkClick r:id="rId6"/>
+              </a:rPr>
+              <a:t>PS2316 Only write comments to explain complex algorithms or </a:t>
+            </a:r>
+            <a:r>
+              <a:rPr lang="en-US" dirty="0" smtClean="0">
+                <a:hlinkClick r:id="rId6"/>
+              </a:rPr>
+              <a:t>decisions</a:t>
+            </a:r>
+            <a:endParaRPr lang="en-US" dirty="0" smtClean="0"/>
+          </a:p>
+          <a:p>
             <a:pPr lvl="1"/>
             <a:r>
-              <a:rPr lang="es-MX" dirty="0">
-                <a:hlinkClick r:id="rId2"/>
-              </a:rPr>
-              <a:t>https://</a:t>
-            </a:r>
-            <a:r>
-              <a:rPr lang="es-MX" dirty="0" smtClean="0">
-                <a:hlinkClick r:id="rId2"/>
-              </a:rPr>
-              <a:t>sites.google.com/a/dotnet.com.mx/memoria-corporativa/profesional/codingguidelines</a:t>
+              <a:rPr lang="en-US" dirty="0" smtClean="0"/>
+              <a:t>Vista </a:t>
+            </a:r>
+            <a:r>
+              <a:rPr lang="en-US" dirty="0" err="1" smtClean="0"/>
+              <a:t>previa</a:t>
+            </a:r>
+            <a:r>
+              <a:rPr lang="en-US" dirty="0" smtClean="0"/>
+              <a:t> de la </a:t>
+            </a:r>
+            <a:r>
+              <a:rPr lang="en-US" dirty="0" err="1" smtClean="0"/>
+              <a:t>documentación</a:t>
+            </a:r>
+            <a:endParaRPr lang="en-US" dirty="0" smtClean="0"/>
+          </a:p>
+          <a:p>
+            <a:pPr lvl="1"/>
+            <a:r>
+              <a:rPr lang="en-US" dirty="0" err="1" smtClean="0"/>
+              <a:t>Propiedades</a:t>
+            </a:r>
+            <a:r>
+              <a:rPr lang="en-US" dirty="0" smtClean="0"/>
+              <a:t> </a:t>
+            </a:r>
+            <a:r>
+              <a:rPr lang="en-US" dirty="0" err="1" smtClean="0"/>
+              <a:t>Extendidas</a:t>
+            </a:r>
+            <a:r>
+              <a:rPr lang="en-US" dirty="0" smtClean="0"/>
+              <a:t> para inclusion de </a:t>
+            </a:r>
+            <a:r>
+              <a:rPr lang="en-US" dirty="0" err="1" smtClean="0"/>
+              <a:t>ejemplos</a:t>
+            </a:r>
+            <a:r>
+              <a:rPr lang="en-US" dirty="0" smtClean="0"/>
+              <a:t> </a:t>
+            </a:r>
+            <a:r>
+              <a:rPr lang="en-US" dirty="0" err="1" smtClean="0"/>
+              <a:t>en</a:t>
+            </a:r>
+            <a:r>
+              <a:rPr lang="en-US" dirty="0" smtClean="0"/>
+              <a:t> la </a:t>
+            </a:r>
+            <a:r>
+              <a:rPr lang="en-US" dirty="0" err="1" smtClean="0"/>
+              <a:t>documentación</a:t>
             </a:r>
             <a:endParaRPr lang="es-MX" dirty="0" smtClean="0"/>
           </a:p>
           <a:p>
-            <a:endParaRPr lang="es-MX" dirty="0" smtClean="0"/>
+            <a:r>
+              <a:rPr lang="es-MX" dirty="0" smtClean="0"/>
+              <a:t>Archivo concentrado de Reglas</a:t>
+            </a:r>
           </a:p>
           <a:p>
             <a:pPr lvl="1"/>
+            <a:r>
+              <a:rPr lang="es-MX" dirty="0" smtClean="0"/>
+              <a:t>Excel que contiene los códigos, descripciones y enlaces de todas las reglas de codificación que se pueden aplicar.</a:t>
+            </a:r>
+          </a:p>
+          <a:p>
+            <a:pPr lvl="1"/>
+            <a:r>
+              <a:rPr lang="es-MX" dirty="0" smtClean="0"/>
+              <a:t>Se encuentra en los recursos de la capacitación dentro de la carpeta “Recursos”</a:t>
+            </a:r>
             <a:endParaRPr lang="es-MX" dirty="0"/>
           </a:p>
         </p:txBody>
@@ -15983,7 +15756,7 @@
     </p:spTree>
     <p:extLst>
       <p:ext uri="{BB962C8B-B14F-4D97-AF65-F5344CB8AC3E}">
-        <p14:creationId xmlns:p14="http://schemas.microsoft.com/office/powerpoint/2010/main" val="3754904618"/>
+        <p14:creationId xmlns:p14="http://schemas.microsoft.com/office/powerpoint/2010/main" val="1287498067"/>
       </p:ext>
     </p:extLst>
   </p:cSld>
@@ -16058,16 +15831,191 @@
           <a:p>
             <a:r>
               <a:rPr lang="es-MX" dirty="0" smtClean="0"/>
-              <a:t>Preguntas y Respuestas</a:t>
+              <a:t>Bibliografía Adicional</a:t>
             </a:r>
             <a:endParaRPr lang="es-MX" dirty="0"/>
+          </a:p>
+        </p:txBody>
+      </p:sp>
+      <p:sp>
+        <p:nvSpPr>
+          <p:cNvPr id="4" name="Marcador de contenido 3"/>
+          <p:cNvSpPr>
+            <a:spLocks noGrp="1"/>
+          </p:cNvSpPr>
+          <p:nvPr>
+            <p:ph sz="quarter" idx="11"/>
+          </p:nvPr>
+        </p:nvSpPr>
+        <p:spPr/>
+        <p:txBody>
+          <a:bodyPr/>
+          <a:lstStyle/>
+          <a:p>
+            <a:r>
+              <a:rPr lang="es-MX" dirty="0" smtClean="0"/>
+              <a:t>Complejidad </a:t>
+            </a:r>
+            <a:r>
+              <a:rPr lang="es-MX" dirty="0" err="1" smtClean="0"/>
+              <a:t>ciclomática</a:t>
+            </a:r>
+            <a:endParaRPr lang="es-MX" dirty="0" smtClean="0"/>
+          </a:p>
+          <a:p>
+            <a:pPr lvl="1"/>
+            <a:r>
+              <a:rPr lang="es-MX" u="sng" dirty="0">
+                <a:hlinkClick r:id="rId3"/>
+              </a:rPr>
+              <a:t>https://</a:t>
+            </a:r>
+            <a:r>
+              <a:rPr lang="es-MX" u="sng" dirty="0" smtClean="0">
+                <a:hlinkClick r:id="rId3"/>
+              </a:rPr>
+              <a:t>es.wikipedia.org/wiki/Complejidad_ciclom%C3%A1tica</a:t>
+            </a:r>
+            <a:endParaRPr lang="es-MX" u="sng" dirty="0" smtClean="0"/>
+          </a:p>
+          <a:p>
+            <a:pPr lvl="1"/>
+            <a:r>
+              <a:rPr lang="es-MX" u="sng" dirty="0">
+                <a:hlinkClick r:id="rId4"/>
+              </a:rPr>
+              <a:t>https://</a:t>
+            </a:r>
+            <a:r>
+              <a:rPr lang="es-MX" u="sng" dirty="0" smtClean="0">
+                <a:hlinkClick r:id="rId4"/>
+              </a:rPr>
+              <a:t>www.youtube.com/watch?v=xsvCmEnXXgM</a:t>
+            </a:r>
+            <a:endParaRPr lang="es-MX" u="sng" dirty="0" smtClean="0"/>
+          </a:p>
+          <a:p>
+            <a:pPr lvl="1"/>
+            <a:r>
+              <a:rPr lang="es-MX" u="sng" dirty="0">
+                <a:hlinkClick r:id="rId3"/>
+              </a:rPr>
+              <a:t>https://</a:t>
+            </a:r>
+            <a:r>
+              <a:rPr lang="es-MX" u="sng" dirty="0" smtClean="0">
+                <a:hlinkClick r:id="rId3"/>
+              </a:rPr>
+              <a:t>es.wikipedia.org/wiki/Complejidad_ciclom%C3%A1tica</a:t>
+            </a:r>
+            <a:endParaRPr lang="es-MX" u="sng" dirty="0" smtClean="0"/>
+          </a:p>
+          <a:p>
+            <a:r>
+              <a:rPr lang="es-MX" dirty="0" smtClean="0"/>
+              <a:t>Estructuras de control</a:t>
+            </a:r>
+          </a:p>
+          <a:p>
+            <a:pPr lvl="1"/>
+            <a:r>
+              <a:rPr lang="es-MX" u="sng" dirty="0">
+                <a:hlinkClick r:id="rId5"/>
+              </a:rPr>
+              <a:t>https://msdn.microsoft.com/es-mx/library/e240yzs4(v=vs.90).</a:t>
+            </a:r>
+            <a:r>
+              <a:rPr lang="es-MX" u="sng" dirty="0" smtClean="0">
+                <a:hlinkClick r:id="rId5"/>
+              </a:rPr>
+              <a:t>aspx</a:t>
+            </a:r>
+            <a:endParaRPr lang="es-MX" u="sng" dirty="0" smtClean="0"/>
+          </a:p>
+          <a:p>
+            <a:r>
+              <a:rPr lang="es-MX" dirty="0" smtClean="0"/>
+              <a:t>Propiedades extendidas del </a:t>
+            </a:r>
+            <a:r>
+              <a:rPr lang="es-MX" dirty="0" err="1" smtClean="0"/>
+              <a:t>License</a:t>
+            </a:r>
+            <a:r>
+              <a:rPr lang="es-MX" dirty="0" smtClean="0"/>
+              <a:t> </a:t>
+            </a:r>
+            <a:r>
+              <a:rPr lang="es-MX" dirty="0" err="1" smtClean="0"/>
+              <a:t>Header</a:t>
+            </a:r>
+            <a:r>
+              <a:rPr lang="es-MX" dirty="0" smtClean="0"/>
+              <a:t> Manager</a:t>
+            </a:r>
+          </a:p>
+          <a:p>
+            <a:pPr lvl="1"/>
+            <a:r>
+              <a:rPr lang="es-MX" dirty="0">
+                <a:hlinkClick r:id="rId6"/>
+              </a:rPr>
+              <a:t>http://</a:t>
+            </a:r>
+            <a:r>
+              <a:rPr lang="es-MX" dirty="0" smtClean="0">
+                <a:hlinkClick r:id="rId6"/>
+              </a:rPr>
+              <a:t>licensemanager.codeplex.com/wikipage?title=Expandable%20Properties&amp;referringTitle=License%20Header%20Definitions</a:t>
+            </a:r>
+            <a:endParaRPr lang="es-MX" dirty="0" smtClean="0"/>
+          </a:p>
+          <a:p>
+            <a:r>
+              <a:rPr lang="es-MX" dirty="0" smtClean="0"/>
+              <a:t>Comentarios de documentación XML</a:t>
+            </a:r>
+          </a:p>
+          <a:p>
+            <a:pPr lvl="1"/>
+            <a:r>
+              <a:rPr lang="es-MX" dirty="0">
+                <a:hlinkClick r:id="rId7"/>
+              </a:rPr>
+              <a:t>https://</a:t>
+            </a:r>
+            <a:r>
+              <a:rPr lang="es-MX" dirty="0" smtClean="0">
+                <a:hlinkClick r:id="rId7"/>
+              </a:rPr>
+              <a:t>msdn.microsoft.com/es-es/library/b2s063f7.aspx</a:t>
+            </a:r>
+            <a:endParaRPr lang="es-MX" dirty="0"/>
+          </a:p>
+          <a:p>
+            <a:pPr marL="457200" lvl="1" indent="0">
+              <a:buNone/>
+            </a:pPr>
+            <a:endParaRPr lang="es-MX" dirty="0" smtClean="0"/>
+          </a:p>
+          <a:p>
+            <a:pPr lvl="1"/>
+            <a:endParaRPr lang="es-MX" dirty="0" smtClean="0"/>
+          </a:p>
+          <a:p>
+            <a:pPr lvl="1"/>
+            <a:endParaRPr lang="es-MX" u="sng" dirty="0" smtClean="0"/>
+          </a:p>
+          <a:p>
+            <a:pPr lvl="1"/>
+            <a:endParaRPr lang="es-MX" u="sng" dirty="0"/>
           </a:p>
         </p:txBody>
       </p:sp>
     </p:spTree>
     <p:extLst>
       <p:ext uri="{BB962C8B-B14F-4D97-AF65-F5344CB8AC3E}">
-        <p14:creationId xmlns:p14="http://schemas.microsoft.com/office/powerpoint/2010/main" val="1881331454"/>
+        <p14:creationId xmlns:p14="http://schemas.microsoft.com/office/powerpoint/2010/main" val="161012999"/>
       </p:ext>
     </p:extLst>
   </p:cSld>
@@ -16142,7 +16090,7 @@
           <a:p>
             <a:r>
               <a:rPr lang="es-MX" dirty="0" smtClean="0"/>
-              <a:t>Mas Tarde…</a:t>
+              <a:t>Lecturas Adicionales</a:t>
             </a:r>
             <a:endParaRPr lang="es-MX" dirty="0"/>
           </a:p>
@@ -16164,51 +16112,126 @@
           <a:lstStyle/>
           <a:p>
             <a:r>
-              <a:rPr lang="es-MX" b="1" dirty="0" err="1" smtClean="0"/>
-              <a:t>Search</a:t>
-            </a:r>
-            <a:r>
-              <a:rPr lang="es-MX" b="1" dirty="0" smtClean="0"/>
+              <a:rPr lang="es-MX" dirty="0" err="1"/>
+              <a:t>Analyzing</a:t>
+            </a:r>
+            <a:r>
+              <a:rPr lang="es-MX" dirty="0"/>
               <a:t> </a:t>
             </a:r>
             <a:r>
-              <a:rPr lang="es-MX" b="1" dirty="0" err="1" smtClean="0"/>
-              <a:t>Engine</a:t>
-            </a:r>
-            <a:r>
-              <a:rPr lang="es-MX" b="1" dirty="0" smtClean="0"/>
+              <a:rPr lang="es-MX" dirty="0" err="1"/>
+              <a:t>Application</a:t>
+            </a:r>
+            <a:r>
+              <a:rPr lang="es-MX" dirty="0"/>
               <a:t> </a:t>
             </a:r>
             <a:r>
-              <a:rPr lang="es-MX" b="1" dirty="0" err="1" smtClean="0"/>
-              <a:t>Optimization</a:t>
-            </a:r>
-            <a:endParaRPr lang="es-MX" b="1" dirty="0" smtClean="0"/>
+              <a:rPr lang="es-MX" dirty="0" err="1"/>
+              <a:t>Quality</a:t>
+            </a:r>
+            <a:r>
+              <a:rPr lang="es-MX" dirty="0"/>
+              <a:t> </a:t>
+            </a:r>
+            <a:r>
+              <a:rPr lang="es-MX" dirty="0" err="1"/>
+              <a:t>by</a:t>
+            </a:r>
+            <a:r>
+              <a:rPr lang="es-MX" dirty="0"/>
+              <a:t> </a:t>
+            </a:r>
+            <a:r>
+              <a:rPr lang="es-MX" dirty="0" err="1"/>
+              <a:t>Using</a:t>
+            </a:r>
+            <a:r>
+              <a:rPr lang="es-MX" dirty="0"/>
+              <a:t> </a:t>
+            </a:r>
+            <a:r>
+              <a:rPr lang="es-MX" dirty="0" err="1"/>
+              <a:t>Code</a:t>
+            </a:r>
+            <a:r>
+              <a:rPr lang="es-MX" dirty="0"/>
+              <a:t> </a:t>
+            </a:r>
+            <a:r>
+              <a:rPr lang="es-MX" dirty="0" err="1"/>
+              <a:t>Analysis</a:t>
+            </a:r>
+            <a:r>
+              <a:rPr lang="es-MX" dirty="0"/>
+              <a:t> Tools</a:t>
+            </a:r>
           </a:p>
           <a:p>
             <a:pPr lvl="1"/>
             <a:r>
-              <a:rPr lang="es-MX" dirty="0" smtClean="0"/>
-              <a:t>Impartida por Juan </a:t>
-            </a:r>
-            <a:r>
-              <a:rPr lang="es-MX" dirty="0" smtClean="0"/>
-              <a:t>Lozano</a:t>
-            </a:r>
-          </a:p>
-          <a:p>
-            <a:pPr lvl="2"/>
-            <a:r>
-              <a:rPr lang="es-MX" dirty="0" smtClean="0"/>
-              <a:t>Sauce #10 17:00 – 18:00</a:t>
-            </a:r>
+              <a:rPr lang="es-MX" dirty="0">
+                <a:hlinkClick r:id="rId2"/>
+              </a:rPr>
+              <a:t>https://</a:t>
+            </a:r>
+            <a:r>
+              <a:rPr lang="es-MX" dirty="0" smtClean="0">
+                <a:hlinkClick r:id="rId2"/>
+              </a:rPr>
+              <a:t>msdn.microsoft.com/en-us/library/dd264897.aspx</a:t>
+            </a:r>
+            <a:endParaRPr lang="es-MX" dirty="0" smtClean="0"/>
+          </a:p>
+          <a:p>
+            <a:r>
+              <a:rPr lang="es-MX" dirty="0" smtClean="0"/>
+              <a:t>General </a:t>
+            </a:r>
+            <a:r>
+              <a:rPr lang="es-MX" dirty="0" err="1" smtClean="0"/>
+              <a:t>Coding</a:t>
+            </a:r>
+            <a:r>
+              <a:rPr lang="es-MX" dirty="0" smtClean="0"/>
+              <a:t> </a:t>
+            </a:r>
+            <a:r>
+              <a:rPr lang="es-MX" dirty="0" err="1" smtClean="0"/>
+              <a:t>Guidelines</a:t>
+            </a:r>
+            <a:endParaRPr lang="es-MX" dirty="0" smtClean="0"/>
+          </a:p>
+          <a:p>
+            <a:pPr lvl="1"/>
+            <a:r>
+              <a:rPr lang="es-MX" dirty="0">
+                <a:hlinkClick r:id="rId3"/>
+              </a:rPr>
+              <a:t>https://</a:t>
+            </a:r>
+            <a:r>
+              <a:rPr lang="es-MX" dirty="0" smtClean="0">
+                <a:hlinkClick r:id="rId3"/>
+              </a:rPr>
+              <a:t>sites.google.com/a/dotnet.com.mx/memoria-corporativa/profesional/codingguidelines</a:t>
+            </a:r>
+            <a:endParaRPr lang="es-MX" dirty="0" smtClean="0"/>
+          </a:p>
+          <a:p>
+            <a:endParaRPr lang="es-MX" dirty="0" smtClean="0"/>
+          </a:p>
+          <a:p>
+            <a:pPr lvl="1"/>
+            <a:endParaRPr lang="es-MX" dirty="0"/>
           </a:p>
         </p:txBody>
       </p:sp>
     </p:spTree>
     <p:extLst>
       <p:ext uri="{BB962C8B-B14F-4D97-AF65-F5344CB8AC3E}">
-        <p14:creationId xmlns:p14="http://schemas.microsoft.com/office/powerpoint/2010/main" val="1077709075"/>
+        <p14:creationId xmlns:p14="http://schemas.microsoft.com/office/powerpoint/2010/main" val="3754904618"/>
       </p:ext>
     </p:extLst>
   </p:cSld>
@@ -16283,58 +16306,16 @@
           <a:p>
             <a:r>
               <a:rPr lang="es-MX" dirty="0" smtClean="0"/>
-              <a:t>Síguenos</a:t>
+              <a:t>Preguntas y Respuestas</a:t>
             </a:r>
             <a:endParaRPr lang="es-MX" dirty="0"/>
-          </a:p>
-        </p:txBody>
-      </p:sp>
-      <p:sp>
-        <p:nvSpPr>
-          <p:cNvPr id="4" name="Marcador de contenido 3"/>
-          <p:cNvSpPr>
-            <a:spLocks noGrp="1"/>
-          </p:cNvSpPr>
-          <p:nvPr>
-            <p:ph sz="quarter" idx="11"/>
-          </p:nvPr>
-        </p:nvSpPr>
-        <p:spPr/>
-        <p:txBody>
-          <a:bodyPr/>
-          <a:lstStyle/>
-          <a:p>
-            <a:r>
-              <a:rPr lang="es-MX" dirty="0" smtClean="0"/>
-              <a:t>Podrás encontrar ésta y otras </a:t>
-            </a:r>
-            <a:r>
-              <a:rPr lang="es-MX" dirty="0" smtClean="0"/>
-              <a:t>capacitaciones </a:t>
-            </a:r>
-            <a:r>
-              <a:rPr lang="es-MX" dirty="0" smtClean="0"/>
-              <a:t>en el canal de YouTube de </a:t>
-            </a:r>
-            <a:r>
-              <a:rPr lang="es-MX" dirty="0" err="1" smtClean="0"/>
-              <a:t>Dotnet</a:t>
-            </a:r>
-            <a:endParaRPr lang="es-MX" dirty="0" smtClean="0"/>
-          </a:p>
-          <a:p>
-            <a:pPr lvl="1"/>
-            <a:r>
-              <a:rPr lang="es-MX" dirty="0" smtClean="0"/>
-              <a:t>https://www.youtube.com/DotNetMx</a:t>
-            </a:r>
           </a:p>
         </p:txBody>
       </p:sp>
     </p:spTree>
     <p:extLst>
       <p:ext uri="{BB962C8B-B14F-4D97-AF65-F5344CB8AC3E}">
-        <p14:creationId xmlns:p14="http://schemas.microsoft.com/office/powerpoint/2010/main" val="2833868211"/>
+        <p14:creationId xmlns:p14="http://schemas.microsoft.com/office/powerpoint/2010/main" val="1881331454"/>
       </p:ext>
     </p:extLst>
   </p:cSld>
@@ -16409,7 +16390,7 @@
           <a:p>
             <a:r>
               <a:rPr lang="es-MX" dirty="0" smtClean="0"/>
-              <a:t>Lista de Asistencia</a:t>
+              <a:t>Mas Tarde…</a:t>
             </a:r>
             <a:endParaRPr lang="es-MX" dirty="0"/>
           </a:p>
@@ -16431,15 +16412,39 @@
           <a:lstStyle/>
           <a:p>
             <a:r>
-              <a:rPr lang="es-MX" dirty="0" smtClean="0"/>
-              <a:t>Presenciales</a:t>
-            </a:r>
+              <a:rPr lang="es-MX" b="1" dirty="0" err="1" smtClean="0"/>
+              <a:t>Search</a:t>
+            </a:r>
+            <a:r>
+              <a:rPr lang="es-MX" b="1" dirty="0" smtClean="0"/>
+              <a:t> </a:t>
+            </a:r>
+            <a:r>
+              <a:rPr lang="es-MX" b="1" dirty="0" err="1" smtClean="0"/>
+              <a:t>Engine</a:t>
+            </a:r>
+            <a:r>
+              <a:rPr lang="es-MX" b="1" dirty="0" smtClean="0"/>
+              <a:t> </a:t>
+            </a:r>
+            <a:r>
+              <a:rPr lang="es-MX" b="1" dirty="0" err="1" smtClean="0"/>
+              <a:t>Optimization</a:t>
+            </a:r>
+            <a:endParaRPr lang="es-MX" b="1" dirty="0" smtClean="0"/>
           </a:p>
           <a:p>
             <a:pPr lvl="1"/>
             <a:r>
               <a:rPr lang="es-MX" dirty="0" smtClean="0"/>
-              <a:t>Anotarse en la lista y firmar</a:t>
+              <a:t>Impartida por Juan Lozano</a:t>
+            </a:r>
+          </a:p>
+          <a:p>
+            <a:pPr lvl="2"/>
+            <a:r>
+              <a:rPr lang="es-MX" dirty="0" smtClean="0"/>
+              <a:t>Sauce #10 17:00 – 18:00</a:t>
             </a:r>
           </a:p>
         </p:txBody>
@@ -16447,7 +16452,7 @@
     </p:spTree>
     <p:extLst>
       <p:ext uri="{BB962C8B-B14F-4D97-AF65-F5344CB8AC3E}">
-        <p14:creationId xmlns:p14="http://schemas.microsoft.com/office/powerpoint/2010/main" val="2093789730"/>
+        <p14:creationId xmlns:p14="http://schemas.microsoft.com/office/powerpoint/2010/main" val="1077709075"/>
       </p:ext>
     </p:extLst>
   </p:cSld>
@@ -16551,7 +16556,11 @@
           <a:p>
             <a:r>
               <a:rPr lang="es-MX" dirty="0" smtClean="0"/>
-              <a:t>Poder generar código de calidad con poco esfuerzo para que ésta práctica sea adoptada de forma rápida y sencilla.</a:t>
+              <a:t>Generar </a:t>
+            </a:r>
+            <a:r>
+              <a:rPr lang="es-MX" dirty="0" smtClean="0"/>
+              <a:t>código de calidad con poco esfuerzo para que ésta práctica sea adoptada de forma rápida y sencilla.</a:t>
             </a:r>
           </a:p>
           <a:p>
@@ -16641,7 +16650,7 @@
           <a:p>
             <a:r>
               <a:rPr lang="es-MX" dirty="0" smtClean="0"/>
-              <a:t>Evaluación del Tema</a:t>
+              <a:t>Síguenos</a:t>
             </a:r>
             <a:endParaRPr lang="es-MX" dirty="0"/>
           </a:p>
@@ -16663,35 +16672,20 @@
           <a:lstStyle/>
           <a:p>
             <a:r>
-              <a:rPr lang="es-MX" b="1" dirty="0" smtClean="0"/>
-              <a:t>LEAN EL EXAMEN, escriban su nombre, equipo al que pertenecen y la fecha de hoy</a:t>
-            </a:r>
-          </a:p>
-          <a:p>
-            <a:endParaRPr lang="es-MX" dirty="0"/>
-          </a:p>
-          <a:p>
-            <a:r>
-              <a:rPr lang="es-MX" b="1" dirty="0" smtClean="0"/>
-              <a:t>Los asistentes remotos </a:t>
-            </a:r>
-            <a:r>
-              <a:rPr lang="es-MX" dirty="0" smtClean="0"/>
-              <a:t>se les compartirá el archivo por el grupo de Skype, ya que lo terminen </a:t>
-            </a:r>
-            <a:r>
-              <a:rPr lang="es-MX" b="1" dirty="0" smtClean="0"/>
-              <a:t>por favor envíen sus respuestas a </a:t>
-            </a:r>
-            <a:r>
-              <a:rPr lang="es-MX" b="1" dirty="0" smtClean="0">
-                <a:hlinkClick r:id="rId3"/>
-              </a:rPr>
-              <a:t>rgonzalez@dotnet.com.mx</a:t>
-            </a:r>
-            <a:r>
-              <a:rPr lang="es-MX" b="1" dirty="0" smtClean="0"/>
-              <a:t>, ya que su examen contestado será su firma de asistencia. Quien no lo envíe, HAY TABLA.</a:t>
+              <a:rPr lang="es-MX" dirty="0" smtClean="0"/>
+              <a:t>Podrás encontrar ésta y otras capacitaciones en el canal de YouTube de </a:t>
+            </a:r>
+            <a:r>
+              <a:rPr lang="es-MX" dirty="0" err="1" smtClean="0"/>
+              <a:t>Dotnet</a:t>
+            </a:r>
+            <a:endParaRPr lang="es-MX" dirty="0" smtClean="0"/>
+          </a:p>
+          <a:p>
+            <a:pPr lvl="1"/>
+            <a:r>
+              <a:rPr lang="es-MX" dirty="0" smtClean="0"/>
+              <a:t>https://www.youtube.com/DotNetMx</a:t>
             </a:r>
           </a:p>
         </p:txBody>
@@ -16699,7 +16693,7 @@
     </p:spTree>
     <p:extLst>
       <p:ext uri="{BB962C8B-B14F-4D97-AF65-F5344CB8AC3E}">
-        <p14:creationId xmlns:p14="http://schemas.microsoft.com/office/powerpoint/2010/main" val="89750453"/>
+        <p14:creationId xmlns:p14="http://schemas.microsoft.com/office/powerpoint/2010/main" val="2833868211"/>
       </p:ext>
     </p:extLst>
   </p:cSld>
@@ -16752,193 +16746,6 @@
               <a:rPr lang="es-MX" smtClean="0"/>
               <a:pPr/>
               <a:t>41</a:t>
-            </a:fld>
-            <a:endParaRPr lang="es-MX" dirty="0"/>
-          </a:p>
-        </p:txBody>
-      </p:sp>
-      <p:sp>
-        <p:nvSpPr>
-          <p:cNvPr id="3" name="Título 2"/>
-          <p:cNvSpPr>
-            <a:spLocks noGrp="1"/>
-          </p:cNvSpPr>
-          <p:nvPr>
-            <p:ph type="title"/>
-          </p:nvPr>
-        </p:nvSpPr>
-        <p:spPr/>
-        <p:txBody>
-          <a:bodyPr/>
-          <a:lstStyle/>
-          <a:p>
-            <a:r>
-              <a:rPr lang="es-MX" dirty="0" smtClean="0"/>
-              <a:t>Evaluación al Instructor</a:t>
-            </a:r>
-            <a:endParaRPr lang="es-MX" dirty="0"/>
-          </a:p>
-        </p:txBody>
-      </p:sp>
-      <p:sp>
-        <p:nvSpPr>
-          <p:cNvPr id="4" name="Marcador de contenido 3"/>
-          <p:cNvSpPr>
-            <a:spLocks noGrp="1"/>
-          </p:cNvSpPr>
-          <p:nvPr>
-            <p:ph sz="quarter" idx="11"/>
-          </p:nvPr>
-        </p:nvSpPr>
-        <p:spPr/>
-        <p:txBody>
-          <a:bodyPr/>
-          <a:lstStyle/>
-          <a:p>
-            <a:r>
-              <a:rPr lang="es-MX" sz="2800" b="1" dirty="0" smtClean="0"/>
-              <a:t>LEAN LAS INSTRUCCIONES PRIMERO </a:t>
-            </a:r>
-          </a:p>
-          <a:p>
-            <a:r>
-              <a:rPr lang="es-MX" dirty="0" smtClean="0"/>
-              <a:t>En la parte superior, en donde dice Evaluador </a:t>
-            </a:r>
-            <a:r>
-              <a:rPr lang="es-MX" b="1" dirty="0" smtClean="0"/>
-              <a:t>PONGAN SU NOMBRE</a:t>
-            </a:r>
-          </a:p>
-          <a:p>
-            <a:r>
-              <a:rPr lang="es-MX" dirty="0" smtClean="0"/>
-              <a:t>El nombre de la capacitación es </a:t>
-            </a:r>
-            <a:r>
-              <a:rPr lang="es-MX" b="1" dirty="0" smtClean="0"/>
-              <a:t>Extensiones de Productividad en Visual Studio </a:t>
-            </a:r>
-            <a:r>
-              <a:rPr lang="es-MX" dirty="0" smtClean="0"/>
-              <a:t>para acortar pongan </a:t>
-            </a:r>
-            <a:r>
-              <a:rPr lang="es-MX" b="1" dirty="0" smtClean="0"/>
-              <a:t>EPVS</a:t>
-            </a:r>
-            <a:r>
-              <a:rPr lang="es-MX" dirty="0" smtClean="0"/>
-              <a:t>,</a:t>
-            </a:r>
-          </a:p>
-          <a:p>
-            <a:r>
-              <a:rPr lang="es-MX" dirty="0" smtClean="0"/>
-              <a:t>Escriban la fecha del </a:t>
-            </a:r>
-            <a:r>
-              <a:rPr lang="es-MX" b="1" dirty="0" smtClean="0"/>
-              <a:t>día de hoy (estamos a 30 de junio de 2015)</a:t>
-            </a:r>
-          </a:p>
-          <a:p>
-            <a:r>
-              <a:rPr lang="es-MX" dirty="0" smtClean="0"/>
-              <a:t>Los asistentes remotos, se les estará compartiendo el archivo por el grupo Skype, cuando terminen de contestarlo </a:t>
-            </a:r>
-            <a:r>
-              <a:rPr lang="es-MX" b="1" dirty="0" smtClean="0"/>
-              <a:t>por favor envíenselo a </a:t>
-            </a:r>
-            <a:r>
-              <a:rPr lang="es-MX" b="1" dirty="0" err="1" smtClean="0"/>
-              <a:t>brenda</a:t>
-            </a:r>
-            <a:r>
-              <a:rPr lang="es-MX" b="1" dirty="0" smtClean="0"/>
-              <a:t> a la </a:t>
-            </a:r>
-            <a:r>
-              <a:rPr lang="es-MX" b="1" smtClean="0"/>
-              <a:t>dirección  </a:t>
-            </a:r>
-            <a:r>
-              <a:rPr lang="es-MX" b="1" smtClean="0">
-                <a:hlinkClick r:id="rId3"/>
-              </a:rPr>
-              <a:t>brodriguez@dotnet.com.mx</a:t>
-            </a:r>
-            <a:endParaRPr lang="es-MX" b="1" smtClean="0"/>
-          </a:p>
-          <a:p>
-            <a:pPr marL="0" indent="0">
-              <a:buNone/>
-            </a:pPr>
-            <a:r>
-              <a:rPr lang="es-MX" smtClean="0"/>
-              <a:t> </a:t>
-            </a:r>
-            <a:endParaRPr lang="es-MX" dirty="0" smtClean="0"/>
-          </a:p>
-        </p:txBody>
-      </p:sp>
-    </p:spTree>
-    <p:extLst>
-      <p:ext uri="{BB962C8B-B14F-4D97-AF65-F5344CB8AC3E}">
-        <p14:creationId xmlns:p14="http://schemas.microsoft.com/office/powerpoint/2010/main" val="2936416703"/>
-      </p:ext>
-    </p:extLst>
-  </p:cSld>
-  <p:clrMapOvr>
-    <a:masterClrMapping/>
-  </p:clrMapOvr>
-  <p:timing>
-    <p:tnLst>
-      <p:par>
-        <p:cTn id="1" dur="indefinite" restart="never" nodeType="tmRoot"/>
-      </p:par>
-    </p:tnLst>
-  </p:timing>
-</p:sld>
-</file>
-
-<file path=ppt/slides/slide42.xml><?xml version="1.0" encoding="utf-8"?>
-<p:sld xmlns:a="http://schemas.openxmlformats.org/drawingml/2006/main" xmlns:r="http://schemas.openxmlformats.org/officeDocument/2006/relationships" xmlns:p="http://schemas.openxmlformats.org/presentationml/2006/main">
-  <p:cSld>
-    <p:spTree>
-      <p:nvGrpSpPr>
-        <p:cNvPr id="1" name=""/>
-        <p:cNvGrpSpPr/>
-        <p:nvPr/>
-      </p:nvGrpSpPr>
-      <p:grpSpPr>
-        <a:xfrm>
-          <a:off x="0" y="0"/>
-          <a:ext cx="0" cy="0"/>
-          <a:chOff x="0" y="0"/>
-          <a:chExt cx="0" cy="0"/>
-        </a:xfrm>
-      </p:grpSpPr>
-      <p:sp>
-        <p:nvSpPr>
-          <p:cNvPr id="2" name="Marcador de número de diapositiva 1"/>
-          <p:cNvSpPr>
-            <a:spLocks noGrp="1"/>
-          </p:cNvSpPr>
-          <p:nvPr>
-            <p:ph type="sldNum" sz="quarter" idx="10"/>
-          </p:nvPr>
-        </p:nvSpPr>
-        <p:spPr/>
-        <p:txBody>
-          <a:bodyPr/>
-          <a:lstStyle/>
-          <a:p>
-            <a:fld id="{8D7DDB18-5849-442D-BFB1-3A1104C431EC}" type="slidenum">
-              <a:rPr lang="es-MX" smtClean="0"/>
-              <a:pPr/>
-              <a:t>42</a:t>
             </a:fld>
             <a:endParaRPr lang="es-MX" dirty="0"/>
           </a:p>
